--- a/Horror_Movie_Trends_Project1_11142022_BC.pptx
+++ b/Horror_Movie_Trends_Project1_11142022_BC.pptx
@@ -4,15 +4,21 @@
   <p:sldMasterIdLst>
     <p:sldMasterId id="2147483752" r:id="rId1"/>
   </p:sldMasterIdLst>
+  <p:notesMasterIdLst>
+    <p:notesMasterId r:id="rId13"/>
+  </p:notesMasterIdLst>
   <p:sldIdLst>
     <p:sldId id="256" r:id="rId2"/>
     <p:sldId id="257" r:id="rId3"/>
     <p:sldId id="258" r:id="rId4"/>
-    <p:sldId id="259" r:id="rId5"/>
-    <p:sldId id="263" r:id="rId6"/>
-    <p:sldId id="260" r:id="rId7"/>
-    <p:sldId id="261" r:id="rId8"/>
-    <p:sldId id="264" r:id="rId9"/>
+    <p:sldId id="266" r:id="rId5"/>
+    <p:sldId id="265" r:id="rId6"/>
+    <p:sldId id="267" r:id="rId7"/>
+    <p:sldId id="259" r:id="rId8"/>
+    <p:sldId id="263" r:id="rId9"/>
+    <p:sldId id="260" r:id="rId10"/>
+    <p:sldId id="261" r:id="rId11"/>
+    <p:sldId id="264" r:id="rId12"/>
   </p:sldIdLst>
   <p:sldSz cx="12192000" cy="6858000"/>
   <p:notesSz cx="6858000" cy="9144000"/>
@@ -127,6 +133,462 @@
 </p1510:revInfo>
 </file>
 
+<file path=ppt/notesMasters/notesMaster1.xml><?xml version="1.0" encoding="utf-8"?>
+<p:notesMaster xmlns:a="http://schemas.openxmlformats.org/drawingml/2006/main" xmlns:r="http://schemas.openxmlformats.org/officeDocument/2006/relationships" xmlns:p="http://schemas.openxmlformats.org/presentationml/2006/main">
+  <p:cSld>
+    <p:bg>
+      <p:bgRef idx="1001">
+        <a:schemeClr val="bg1"/>
+      </p:bgRef>
+    </p:bg>
+    <p:spTree>
+      <p:nvGrpSpPr>
+        <p:cNvPr id="1" name=""/>
+        <p:cNvGrpSpPr/>
+        <p:nvPr/>
+      </p:nvGrpSpPr>
+      <p:grpSpPr>
+        <a:xfrm>
+          <a:off x="0" y="0"/>
+          <a:ext cx="0" cy="0"/>
+          <a:chOff x="0" y="0"/>
+          <a:chExt cx="0" cy="0"/>
+        </a:xfrm>
+      </p:grpSpPr>
+      <p:sp>
+        <p:nvSpPr>
+          <p:cNvPr id="2" name="Header Placeholder 1"/>
+          <p:cNvSpPr>
+            <a:spLocks noGrp="1"/>
+          </p:cNvSpPr>
+          <p:nvPr>
+            <p:ph type="hdr" sz="quarter"/>
+          </p:nvPr>
+        </p:nvSpPr>
+        <p:spPr>
+          <a:xfrm>
+            <a:off x="0" y="0"/>
+            <a:ext cx="2971800" cy="458788"/>
+          </a:xfrm>
+          <a:prstGeom prst="rect">
+            <a:avLst/>
+          </a:prstGeom>
+        </p:spPr>
+        <p:txBody>
+          <a:bodyPr vert="horz" lIns="91440" tIns="45720" rIns="91440" bIns="45720" rtlCol="0"/>
+          <a:lstStyle>
+            <a:lvl1pPr algn="l">
+              <a:defRPr sz="1200"/>
+            </a:lvl1pPr>
+          </a:lstStyle>
+          <a:p>
+            <a:endParaRPr lang="en-US"/>
+          </a:p>
+        </p:txBody>
+      </p:sp>
+      <p:sp>
+        <p:nvSpPr>
+          <p:cNvPr id="3" name="Date Placeholder 2"/>
+          <p:cNvSpPr>
+            <a:spLocks noGrp="1"/>
+          </p:cNvSpPr>
+          <p:nvPr>
+            <p:ph type="dt" idx="1"/>
+          </p:nvPr>
+        </p:nvSpPr>
+        <p:spPr>
+          <a:xfrm>
+            <a:off x="3884613" y="0"/>
+            <a:ext cx="2971800" cy="458788"/>
+          </a:xfrm>
+          <a:prstGeom prst="rect">
+            <a:avLst/>
+          </a:prstGeom>
+        </p:spPr>
+        <p:txBody>
+          <a:bodyPr vert="horz" lIns="91440" tIns="45720" rIns="91440" bIns="45720" rtlCol="0"/>
+          <a:lstStyle>
+            <a:lvl1pPr algn="r">
+              <a:defRPr sz="1200"/>
+            </a:lvl1pPr>
+          </a:lstStyle>
+          <a:p>
+            <a:fld id="{C3C7712B-7156-45D1-B60E-71D886E6EAAE}" type="datetimeFigureOut">
+              <a:rPr lang="en-US" smtClean="0"/>
+              <a:t>11/10/2022</a:t>
+            </a:fld>
+            <a:endParaRPr lang="en-US"/>
+          </a:p>
+        </p:txBody>
+      </p:sp>
+      <p:sp>
+        <p:nvSpPr>
+          <p:cNvPr id="4" name="Slide Image Placeholder 3"/>
+          <p:cNvSpPr>
+            <a:spLocks noGrp="1" noRot="1" noChangeAspect="1"/>
+          </p:cNvSpPr>
+          <p:nvPr>
+            <p:ph type="sldImg" idx="2"/>
+          </p:nvPr>
+        </p:nvSpPr>
+        <p:spPr>
+          <a:xfrm>
+            <a:off x="685800" y="1143000"/>
+            <a:ext cx="5486400" cy="3086100"/>
+          </a:xfrm>
+          <a:prstGeom prst="rect">
+            <a:avLst/>
+          </a:prstGeom>
+          <a:noFill/>
+          <a:ln w="12700">
+            <a:solidFill>
+              <a:prstClr val="black"/>
+            </a:solidFill>
+          </a:ln>
+        </p:spPr>
+        <p:txBody>
+          <a:bodyPr vert="horz" lIns="91440" tIns="45720" rIns="91440" bIns="45720" rtlCol="0" anchor="ctr"/>
+          <a:lstStyle/>
+          <a:p>
+            <a:endParaRPr lang="en-US"/>
+          </a:p>
+        </p:txBody>
+      </p:sp>
+      <p:sp>
+        <p:nvSpPr>
+          <p:cNvPr id="5" name="Notes Placeholder 4"/>
+          <p:cNvSpPr>
+            <a:spLocks noGrp="1"/>
+          </p:cNvSpPr>
+          <p:nvPr>
+            <p:ph type="body" sz="quarter" idx="3"/>
+          </p:nvPr>
+        </p:nvSpPr>
+        <p:spPr>
+          <a:xfrm>
+            <a:off x="685800" y="4400550"/>
+            <a:ext cx="5486400" cy="3600450"/>
+          </a:xfrm>
+          <a:prstGeom prst="rect">
+            <a:avLst/>
+          </a:prstGeom>
+        </p:spPr>
+        <p:txBody>
+          <a:bodyPr vert="horz" lIns="91440" tIns="45720" rIns="91440" bIns="45720" rtlCol="0"/>
+          <a:lstStyle/>
+          <a:p>
+            <a:pPr lvl="0"/>
+            <a:r>
+              <a:rPr lang="en-US"/>
+              <a:t>Click to edit Master text styles</a:t>
+            </a:r>
+          </a:p>
+          <a:p>
+            <a:pPr lvl="1"/>
+            <a:r>
+              <a:rPr lang="en-US"/>
+              <a:t>Second level</a:t>
+            </a:r>
+          </a:p>
+          <a:p>
+            <a:pPr lvl="2"/>
+            <a:r>
+              <a:rPr lang="en-US"/>
+              <a:t>Third level</a:t>
+            </a:r>
+          </a:p>
+          <a:p>
+            <a:pPr lvl="3"/>
+            <a:r>
+              <a:rPr lang="en-US"/>
+              <a:t>Fourth level</a:t>
+            </a:r>
+          </a:p>
+          <a:p>
+            <a:pPr lvl="4"/>
+            <a:r>
+              <a:rPr lang="en-US"/>
+              <a:t>Fifth level</a:t>
+            </a:r>
+          </a:p>
+        </p:txBody>
+      </p:sp>
+      <p:sp>
+        <p:nvSpPr>
+          <p:cNvPr id="6" name="Footer Placeholder 5"/>
+          <p:cNvSpPr>
+            <a:spLocks noGrp="1"/>
+          </p:cNvSpPr>
+          <p:nvPr>
+            <p:ph type="ftr" sz="quarter" idx="4"/>
+          </p:nvPr>
+        </p:nvSpPr>
+        <p:spPr>
+          <a:xfrm>
+            <a:off x="0" y="8685213"/>
+            <a:ext cx="2971800" cy="458787"/>
+          </a:xfrm>
+          <a:prstGeom prst="rect">
+            <a:avLst/>
+          </a:prstGeom>
+        </p:spPr>
+        <p:txBody>
+          <a:bodyPr vert="horz" lIns="91440" tIns="45720" rIns="91440" bIns="45720" rtlCol="0" anchor="b"/>
+          <a:lstStyle>
+            <a:lvl1pPr algn="l">
+              <a:defRPr sz="1200"/>
+            </a:lvl1pPr>
+          </a:lstStyle>
+          <a:p>
+            <a:endParaRPr lang="en-US"/>
+          </a:p>
+        </p:txBody>
+      </p:sp>
+      <p:sp>
+        <p:nvSpPr>
+          <p:cNvPr id="7" name="Slide Number Placeholder 6"/>
+          <p:cNvSpPr>
+            <a:spLocks noGrp="1"/>
+          </p:cNvSpPr>
+          <p:nvPr>
+            <p:ph type="sldNum" sz="quarter" idx="5"/>
+          </p:nvPr>
+        </p:nvSpPr>
+        <p:spPr>
+          <a:xfrm>
+            <a:off x="3884613" y="8685213"/>
+            <a:ext cx="2971800" cy="458787"/>
+          </a:xfrm>
+          <a:prstGeom prst="rect">
+            <a:avLst/>
+          </a:prstGeom>
+        </p:spPr>
+        <p:txBody>
+          <a:bodyPr vert="horz" lIns="91440" tIns="45720" rIns="91440" bIns="45720" rtlCol="0" anchor="b"/>
+          <a:lstStyle>
+            <a:lvl1pPr algn="r">
+              <a:defRPr sz="1200"/>
+            </a:lvl1pPr>
+          </a:lstStyle>
+          <a:p>
+            <a:fld id="{DFB6EB6D-AD76-45C5-9BE1-93825BA36433}" type="slidenum">
+              <a:rPr lang="en-US" smtClean="0"/>
+              <a:t>‹#›</a:t>
+            </a:fld>
+            <a:endParaRPr lang="en-US"/>
+          </a:p>
+        </p:txBody>
+      </p:sp>
+    </p:spTree>
+    <p:extLst>
+      <p:ext uri="{BB962C8B-B14F-4D97-AF65-F5344CB8AC3E}">
+        <p14:creationId xmlns:p14="http://schemas.microsoft.com/office/powerpoint/2010/main" val="4234153407"/>
+      </p:ext>
+    </p:extLst>
+  </p:cSld>
+  <p:clrMap bg1="lt1" tx1="dk1" bg2="lt2" tx2="dk2" accent1="accent1" accent2="accent2" accent3="accent3" accent4="accent4" accent5="accent5" accent6="accent6" hlink="hlink" folHlink="folHlink"/>
+  <p:notesStyle>
+    <a:lvl1pPr marL="0" algn="l" defTabSz="914400" rtl="0" eaLnBrk="1" latinLnBrk="0" hangingPunct="1">
+      <a:defRPr sz="1200" kern="1200">
+        <a:solidFill>
+          <a:schemeClr val="tx1"/>
+        </a:solidFill>
+        <a:latin typeface="+mn-lt"/>
+        <a:ea typeface="+mn-ea"/>
+        <a:cs typeface="+mn-cs"/>
+      </a:defRPr>
+    </a:lvl1pPr>
+    <a:lvl2pPr marL="457200" algn="l" defTabSz="914400" rtl="0" eaLnBrk="1" latinLnBrk="0" hangingPunct="1">
+      <a:defRPr sz="1200" kern="1200">
+        <a:solidFill>
+          <a:schemeClr val="tx1"/>
+        </a:solidFill>
+        <a:latin typeface="+mn-lt"/>
+        <a:ea typeface="+mn-ea"/>
+        <a:cs typeface="+mn-cs"/>
+      </a:defRPr>
+    </a:lvl2pPr>
+    <a:lvl3pPr marL="914400" algn="l" defTabSz="914400" rtl="0" eaLnBrk="1" latinLnBrk="0" hangingPunct="1">
+      <a:defRPr sz="1200" kern="1200">
+        <a:solidFill>
+          <a:schemeClr val="tx1"/>
+        </a:solidFill>
+        <a:latin typeface="+mn-lt"/>
+        <a:ea typeface="+mn-ea"/>
+        <a:cs typeface="+mn-cs"/>
+      </a:defRPr>
+    </a:lvl3pPr>
+    <a:lvl4pPr marL="1371600" algn="l" defTabSz="914400" rtl="0" eaLnBrk="1" latinLnBrk="0" hangingPunct="1">
+      <a:defRPr sz="1200" kern="1200">
+        <a:solidFill>
+          <a:schemeClr val="tx1"/>
+        </a:solidFill>
+        <a:latin typeface="+mn-lt"/>
+        <a:ea typeface="+mn-ea"/>
+        <a:cs typeface="+mn-cs"/>
+      </a:defRPr>
+    </a:lvl4pPr>
+    <a:lvl5pPr marL="1828800" algn="l" defTabSz="914400" rtl="0" eaLnBrk="1" latinLnBrk="0" hangingPunct="1">
+      <a:defRPr sz="1200" kern="1200">
+        <a:solidFill>
+          <a:schemeClr val="tx1"/>
+        </a:solidFill>
+        <a:latin typeface="+mn-lt"/>
+        <a:ea typeface="+mn-ea"/>
+        <a:cs typeface="+mn-cs"/>
+      </a:defRPr>
+    </a:lvl5pPr>
+    <a:lvl6pPr marL="2286000" algn="l" defTabSz="914400" rtl="0" eaLnBrk="1" latinLnBrk="0" hangingPunct="1">
+      <a:defRPr sz="1200" kern="1200">
+        <a:solidFill>
+          <a:schemeClr val="tx1"/>
+        </a:solidFill>
+        <a:latin typeface="+mn-lt"/>
+        <a:ea typeface="+mn-ea"/>
+        <a:cs typeface="+mn-cs"/>
+      </a:defRPr>
+    </a:lvl6pPr>
+    <a:lvl7pPr marL="2743200" algn="l" defTabSz="914400" rtl="0" eaLnBrk="1" latinLnBrk="0" hangingPunct="1">
+      <a:defRPr sz="1200" kern="1200">
+        <a:solidFill>
+          <a:schemeClr val="tx1"/>
+        </a:solidFill>
+        <a:latin typeface="+mn-lt"/>
+        <a:ea typeface="+mn-ea"/>
+        <a:cs typeface="+mn-cs"/>
+      </a:defRPr>
+    </a:lvl7pPr>
+    <a:lvl8pPr marL="3200400" algn="l" defTabSz="914400" rtl="0" eaLnBrk="1" latinLnBrk="0" hangingPunct="1">
+      <a:defRPr sz="1200" kern="1200">
+        <a:solidFill>
+          <a:schemeClr val="tx1"/>
+        </a:solidFill>
+        <a:latin typeface="+mn-lt"/>
+        <a:ea typeface="+mn-ea"/>
+        <a:cs typeface="+mn-cs"/>
+      </a:defRPr>
+    </a:lvl8pPr>
+    <a:lvl9pPr marL="3657600" algn="l" defTabSz="914400" rtl="0" eaLnBrk="1" latinLnBrk="0" hangingPunct="1">
+      <a:defRPr sz="1200" kern="1200">
+        <a:solidFill>
+          <a:schemeClr val="tx1"/>
+        </a:solidFill>
+        <a:latin typeface="+mn-lt"/>
+        <a:ea typeface="+mn-ea"/>
+        <a:cs typeface="+mn-cs"/>
+      </a:defRPr>
+    </a:lvl9pPr>
+  </p:notesStyle>
+</p:notesMaster>
+</file>
+
+<file path=ppt/notesSlides/notesSlide1.xml><?xml version="1.0" encoding="utf-8"?>
+<p:notes xmlns:a="http://schemas.openxmlformats.org/drawingml/2006/main" xmlns:r="http://schemas.openxmlformats.org/officeDocument/2006/relationships" xmlns:p="http://schemas.openxmlformats.org/presentationml/2006/main">
+  <p:cSld>
+    <p:spTree>
+      <p:nvGrpSpPr>
+        <p:cNvPr id="1" name=""/>
+        <p:cNvGrpSpPr/>
+        <p:nvPr/>
+      </p:nvGrpSpPr>
+      <p:grpSpPr>
+        <a:xfrm>
+          <a:off x="0" y="0"/>
+          <a:ext cx="0" cy="0"/>
+          <a:chOff x="0" y="0"/>
+          <a:chExt cx="0" cy="0"/>
+        </a:xfrm>
+      </p:grpSpPr>
+      <p:sp>
+        <p:nvSpPr>
+          <p:cNvPr id="2" name="Slide Image Placeholder 1"/>
+          <p:cNvSpPr>
+            <a:spLocks noGrp="1" noRot="1" noChangeAspect="1"/>
+          </p:cNvSpPr>
+          <p:nvPr>
+            <p:ph type="sldImg"/>
+          </p:nvPr>
+        </p:nvSpPr>
+        <p:spPr/>
+      </p:sp>
+      <p:sp>
+        <p:nvSpPr>
+          <p:cNvPr id="3" name="Notes Placeholder 2"/>
+          <p:cNvSpPr>
+            <a:spLocks noGrp="1"/>
+          </p:cNvSpPr>
+          <p:nvPr>
+            <p:ph type="body" idx="1"/>
+          </p:nvPr>
+        </p:nvSpPr>
+        <p:spPr/>
+        <p:txBody>
+          <a:bodyPr/>
+          <a:lstStyle/>
+          <a:p>
+            <a:r>
+              <a:rPr lang="en-US" dirty="0"/>
+              <a:t>Problems with this chart:</a:t>
+            </a:r>
+          </a:p>
+          <a:p>
+            <a:pPr marL="171450" indent="-171450">
+              <a:buFontTx/>
+              <a:buChar char="-"/>
+            </a:pPr>
+            <a:r>
+              <a:rPr lang="en-US" dirty="0"/>
+              <a:t>The number of films in each year differs, some years could have more movies than the others.</a:t>
+            </a:r>
+          </a:p>
+          <a:p>
+            <a:pPr marL="171450" indent="-171450">
+              <a:buFontTx/>
+              <a:buChar char="-"/>
+            </a:pPr>
+            <a:r>
+              <a:rPr lang="en-US" dirty="0"/>
+              <a:t>The number of reviews for each film differs, some films may have received 1, while another 1000s.</a:t>
+            </a:r>
+          </a:p>
+        </p:txBody>
+      </p:sp>
+      <p:sp>
+        <p:nvSpPr>
+          <p:cNvPr id="4" name="Slide Number Placeholder 3"/>
+          <p:cNvSpPr>
+            <a:spLocks noGrp="1"/>
+          </p:cNvSpPr>
+          <p:nvPr>
+            <p:ph type="sldNum" sz="quarter" idx="5"/>
+          </p:nvPr>
+        </p:nvSpPr>
+        <p:spPr/>
+        <p:txBody>
+          <a:bodyPr/>
+          <a:lstStyle/>
+          <a:p>
+            <a:fld id="{DFB6EB6D-AD76-45C5-9BE1-93825BA36433}" type="slidenum">
+              <a:rPr lang="en-US" smtClean="0"/>
+              <a:t>4</a:t>
+            </a:fld>
+            <a:endParaRPr lang="en-US"/>
+          </a:p>
+        </p:txBody>
+      </p:sp>
+    </p:spTree>
+    <p:extLst>
+      <p:ext uri="{BB962C8B-B14F-4D97-AF65-F5344CB8AC3E}">
+        <p14:creationId xmlns:p14="http://schemas.microsoft.com/office/powerpoint/2010/main" val="374618861"/>
+      </p:ext>
+    </p:extLst>
+  </p:cSld>
+  <p:clrMapOvr>
+    <a:masterClrMapping/>
+  </p:clrMapOvr>
+</p:notes>
+</file>
+
 <file path=ppt/slideLayouts/slideLayout1.xml><?xml version="1.0" encoding="utf-8"?>
 <p:sldLayout xmlns:a="http://schemas.openxmlformats.org/drawingml/2006/main" xmlns:r="http://schemas.openxmlformats.org/officeDocument/2006/relationships" xmlns:p="http://schemas.openxmlformats.org/presentationml/2006/main" showMasterSp="0" type="title" preserve="1">
   <p:cSld name="Title Slide">
@@ -816,7 +1278,7 @@
           <a:p>
             <a:fld id="{78ABE3C1-DBE1-495D-B57B-2849774B866A}" type="datetimeFigureOut">
               <a:rPr lang="en-US" smtClean="0"/>
-              <a:t>11/10/22</a:t>
+              <a:t>11/10/2022</a:t>
             </a:fld>
             <a:endParaRPr lang="en-US" dirty="0"/>
           </a:p>
@@ -1977,7 +2439,7 @@
           <a:p>
             <a:fld id="{9D6E9DEC-419B-4CC5-A080-3B06BD5A8291}" type="datetimeFigureOut">
               <a:rPr lang="en-US" smtClean="0"/>
-              <a:t>11/10/22</a:t>
+              <a:t>11/10/2022</a:t>
             </a:fld>
             <a:endParaRPr lang="en-US" dirty="0"/>
           </a:p>
@@ -3033,7 +3495,7 @@
           <a:p>
             <a:fld id="{9D6E9DEC-419B-4CC5-A080-3B06BD5A8291}" type="datetimeFigureOut">
               <a:rPr lang="en-US" smtClean="0"/>
-              <a:t>11/10/22</a:t>
+              <a:t>11/10/2022</a:t>
             </a:fld>
             <a:endParaRPr lang="en-US" dirty="0"/>
           </a:p>
@@ -4248,7 +4710,7 @@
           <a:p>
             <a:fld id="{9D6E9DEC-419B-4CC5-A080-3B06BD5A8291}" type="datetimeFigureOut">
               <a:rPr lang="en-US" smtClean="0"/>
-              <a:t>11/10/22</a:t>
+              <a:t>11/10/2022</a:t>
             </a:fld>
             <a:endParaRPr lang="en-US" dirty="0"/>
           </a:p>
@@ -5354,7 +5816,7 @@
           <a:p>
             <a:fld id="{9D6E9DEC-419B-4CC5-A080-3B06BD5A8291}" type="datetimeFigureOut">
               <a:rPr lang="en-US" smtClean="0"/>
-              <a:t>11/10/22</a:t>
+              <a:t>11/10/2022</a:t>
             </a:fld>
             <a:endParaRPr lang="en-US" dirty="0"/>
           </a:p>
@@ -6008,7 +6470,7 @@
           <a:p>
             <a:fld id="{9D6E9DEC-419B-4CC5-A080-3B06BD5A8291}" type="datetimeFigureOut">
               <a:rPr lang="en-US" smtClean="0"/>
-              <a:t>11/10/22</a:t>
+              <a:t>11/10/2022</a:t>
             </a:fld>
             <a:endParaRPr lang="en-US" dirty="0"/>
           </a:p>
@@ -6857,7 +7319,7 @@
           <a:p>
             <a:fld id="{9D6E9DEC-419B-4CC5-A080-3B06BD5A8291}" type="datetimeFigureOut">
               <a:rPr lang="en-US" smtClean="0"/>
-              <a:t>11/10/22</a:t>
+              <a:t>11/10/2022</a:t>
             </a:fld>
             <a:endParaRPr lang="en-US" dirty="0"/>
           </a:p>
@@ -7044,7 +7506,7 @@
           <a:p>
             <a:fld id="{1FA3F48C-C7C6-4055-9F49-3777875E72AE}" type="datetimeFigureOut">
               <a:rPr lang="en-US" smtClean="0"/>
-              <a:t>11/10/22</a:t>
+              <a:t>11/10/2022</a:t>
             </a:fld>
             <a:endParaRPr lang="en-US" dirty="0"/>
           </a:p>
@@ -8085,7 +8547,7 @@
           <a:p>
             <a:fld id="{6178E61D-D431-422C-9764-11DAFE33AB63}" type="datetimeFigureOut">
               <a:rPr lang="en-US" smtClean="0"/>
-              <a:t>11/10/22</a:t>
+              <a:t>11/10/2022</a:t>
             </a:fld>
             <a:endParaRPr lang="en-US" dirty="0"/>
           </a:p>
@@ -8302,7 +8764,7 @@
           <a:p>
             <a:fld id="{12DE42F4-6EEF-4EF7-8ED4-2208F0F89A08}" type="datetimeFigureOut">
               <a:rPr lang="en-US" smtClean="0"/>
-              <a:t>11/10/22</a:t>
+              <a:t>11/10/2022</a:t>
             </a:fld>
             <a:endParaRPr lang="en-US" dirty="0"/>
           </a:p>
@@ -9407,7 +9869,7 @@
           <a:p>
             <a:fld id="{30578ACC-22D6-47C1-A373-4FD133E34F3C}" type="datetimeFigureOut">
               <a:rPr lang="en-US" smtClean="0"/>
-              <a:t>11/10/22</a:t>
+              <a:t>11/10/2022</a:t>
             </a:fld>
             <a:endParaRPr lang="en-US" dirty="0"/>
           </a:p>
@@ -9679,7 +10141,7 @@
           <a:p>
             <a:fld id="{4E5A6C69-6797-4E8A-BF37-F2C3751466E9}" type="datetimeFigureOut">
               <a:rPr lang="en-US" smtClean="0"/>
-              <a:t>11/10/22</a:t>
+              <a:t>11/10/2022</a:t>
             </a:fld>
             <a:endParaRPr lang="en-US" dirty="0"/>
           </a:p>
@@ -10061,7 +10523,7 @@
           <a:p>
             <a:fld id="{D82014A1-A632-4878-A0D3-F52BA7563730}" type="datetimeFigureOut">
               <a:rPr lang="en-US" smtClean="0"/>
-              <a:t>11/10/22</a:t>
+              <a:t>11/10/2022</a:t>
             </a:fld>
             <a:endParaRPr lang="en-US" dirty="0"/>
           </a:p>
@@ -10179,7 +10641,7 @@
           <a:p>
             <a:fld id="{CE99F462-093F-4566-844B-4C71F2739DA5}" type="datetimeFigureOut">
               <a:rPr lang="en-US" smtClean="0"/>
-              <a:t>11/10/22</a:t>
+              <a:t>11/10/2022</a:t>
             </a:fld>
             <a:endParaRPr lang="en-US" dirty="0"/>
           </a:p>
@@ -10274,7 +10736,7 @@
           <a:p>
             <a:fld id="{3D24A7AC-904D-4781-85BA-7D10C17ED021}" type="datetimeFigureOut">
               <a:rPr lang="en-US" smtClean="0"/>
-              <a:t>11/10/22</a:t>
+              <a:t>11/10/2022</a:t>
             </a:fld>
             <a:endParaRPr lang="en-US" dirty="0"/>
           </a:p>
@@ -11426,7 +11888,7 @@
           <a:p>
             <a:fld id="{E331444B-B92B-4E27-8C94-BB93EAF5CB18}" type="datetimeFigureOut">
               <a:rPr lang="en-US" smtClean="0"/>
-              <a:t>11/10/22</a:t>
+              <a:t>11/10/2022</a:t>
             </a:fld>
             <a:endParaRPr lang="en-US" dirty="0"/>
           </a:p>
@@ -12602,7 +13064,7 @@
           <a:p>
             <a:fld id="{363EFA5E-FA76-400D-B3DC-F0BA90E6D107}" type="datetimeFigureOut">
               <a:rPr lang="en-US" smtClean="0"/>
-              <a:t>11/10/22</a:t>
+              <a:t>11/10/2022</a:t>
             </a:fld>
             <a:endParaRPr lang="en-US" dirty="0"/>
           </a:p>
@@ -13708,7 +14170,7 @@
           <a:p>
             <a:fld id="{9D6E9DEC-419B-4CC5-A080-3B06BD5A8291}" type="datetimeFigureOut">
               <a:rPr lang="en-US" smtClean="0"/>
-              <a:t>11/10/22</a:t>
+              <a:t>11/10/2022</a:t>
             </a:fld>
             <a:endParaRPr lang="en-US" dirty="0"/>
           </a:p>
@@ -15667,879 +16129,7 @@
 </p:sld>
 </file>
 
-<file path=ppt/slides/slide2.xml><?xml version="1.0" encoding="utf-8"?>
-<p:sld xmlns:a="http://schemas.openxmlformats.org/drawingml/2006/main" xmlns:r="http://schemas.openxmlformats.org/officeDocument/2006/relationships" xmlns:p="http://schemas.openxmlformats.org/presentationml/2006/main">
-  <p:cSld>
-    <p:spTree>
-      <p:nvGrpSpPr>
-        <p:cNvPr id="1" name=""/>
-        <p:cNvGrpSpPr/>
-        <p:nvPr/>
-      </p:nvGrpSpPr>
-      <p:grpSpPr>
-        <a:xfrm>
-          <a:off x="0" y="0"/>
-          <a:ext cx="0" cy="0"/>
-          <a:chOff x="0" y="0"/>
-          <a:chExt cx="0" cy="0"/>
-        </a:xfrm>
-      </p:grpSpPr>
-      <p:sp>
-        <p:nvSpPr>
-          <p:cNvPr id="2" name="Title 1">
-            <a:extLst>
-              <a:ext uri="{FF2B5EF4-FFF2-40B4-BE49-F238E27FC236}">
-                <a16:creationId xmlns:a16="http://schemas.microsoft.com/office/drawing/2014/main" id="{62996E13-90E2-C085-109D-9CB4B9409557}"/>
-              </a:ext>
-            </a:extLst>
-          </p:cNvPr>
-          <p:cNvSpPr>
-            <a:spLocks noGrp="1"/>
-          </p:cNvSpPr>
-          <p:nvPr>
-            <p:ph type="title"/>
-          </p:nvPr>
-        </p:nvSpPr>
-        <p:spPr/>
-        <p:txBody>
-          <a:bodyPr/>
-          <a:lstStyle/>
-          <a:p>
-            <a:r>
-              <a:rPr lang="en-US" dirty="0">
-                <a:latin typeface="Simplified Arabic Fixed" panose="02070309020205020404" pitchFamily="49" charset="-78"/>
-                <a:cs typeface="Simplified Arabic Fixed" panose="02070309020205020404" pitchFamily="49" charset="-78"/>
-              </a:rPr>
-              <a:t>Motivation and Interest</a:t>
-            </a:r>
-          </a:p>
-        </p:txBody>
-      </p:sp>
-      <p:sp>
-        <p:nvSpPr>
-          <p:cNvPr id="3" name="Content Placeholder 2">
-            <a:extLst>
-              <a:ext uri="{FF2B5EF4-FFF2-40B4-BE49-F238E27FC236}">
-                <a16:creationId xmlns:a16="http://schemas.microsoft.com/office/drawing/2014/main" id="{57505223-4AEB-2246-ACA4-BBD7BED52E1B}"/>
-              </a:ext>
-            </a:extLst>
-          </p:cNvPr>
-          <p:cNvSpPr>
-            <a:spLocks noGrp="1"/>
-          </p:cNvSpPr>
-          <p:nvPr>
-            <p:ph idx="1"/>
-          </p:nvPr>
-        </p:nvSpPr>
-        <p:spPr>
-          <a:xfrm>
-            <a:off x="1154954" y="2603500"/>
-            <a:ext cx="10128397" cy="3676530"/>
-          </a:xfrm>
-        </p:spPr>
-        <p:txBody>
-          <a:bodyPr>
-            <a:normAutofit fontScale="55000" lnSpcReduction="20000"/>
-          </a:bodyPr>
-          <a:lstStyle/>
-          <a:p>
-            <a:r>
-              <a:rPr lang="en-US" dirty="0"/>
-              <a:t>With Halloween just passing while picking our projects our group thought it would be interesting to see how horror movie interest and ratings have trended over the past few years. The first data set we found had horror movies ranging from 2012-2017 but we wanted to expand upon this time frame. This led us to include a Netflix data set allowing us to expand our analysis using the streaming services. Not only was the theme of interest but these data sets were a good introduction for cleaning data sets.</a:t>
-            </a:r>
-          </a:p>
-          <a:p>
-            <a:r>
-              <a:rPr lang="en-US" dirty="0"/>
-              <a:t>Questions addressed in this analysis</a:t>
-            </a:r>
-          </a:p>
-          <a:p>
-            <a:pPr lvl="1"/>
-            <a:r>
-              <a:rPr lang="en-US" dirty="0"/>
-              <a:t>Release Date Analysis (Roth):</a:t>
-            </a:r>
-          </a:p>
-          <a:p>
-            <a:pPr lvl="2"/>
-            <a:r>
-              <a:rPr lang="en-US" dirty="0"/>
-              <a:t>What is the change in average ratings between 2012 and 2017?</a:t>
-            </a:r>
-          </a:p>
-          <a:p>
-            <a:pPr lvl="2"/>
-            <a:r>
-              <a:rPr lang="en-US" dirty="0"/>
-              <a:t>Which release month is the most popular for each country in the data set?</a:t>
-            </a:r>
-          </a:p>
-          <a:p>
-            <a:pPr lvl="1"/>
-            <a:r>
-              <a:rPr lang="en-US" dirty="0"/>
-              <a:t>Country Analysis (Ben):</a:t>
-            </a:r>
-          </a:p>
-          <a:p>
-            <a:pPr lvl="2"/>
-            <a:r>
-              <a:rPr lang="en-US" dirty="0"/>
-              <a:t>What country spends the most on average per movie?</a:t>
-            </a:r>
-          </a:p>
-          <a:p>
-            <a:pPr lvl="2"/>
-            <a:r>
-              <a:rPr lang="en-US" dirty="0"/>
-              <a:t>What is the relationship between rating average and country?</a:t>
-            </a:r>
-          </a:p>
-          <a:p>
-            <a:pPr lvl="1"/>
-            <a:r>
-              <a:rPr lang="en-US" dirty="0"/>
-              <a:t>Rating Analysis (Danielle):</a:t>
-            </a:r>
-          </a:p>
-          <a:p>
-            <a:pPr lvl="2"/>
-            <a:r>
-              <a:rPr lang="en-US" dirty="0"/>
-              <a:t>What is the correlation  between rating and movie duration?</a:t>
-            </a:r>
-          </a:p>
-          <a:p>
-            <a:pPr lvl="2"/>
-            <a:r>
-              <a:rPr lang="en-US" dirty="0"/>
-              <a:t>What is the correlation between rating and location setting?</a:t>
-            </a:r>
-          </a:p>
-          <a:p>
-            <a:pPr lvl="1"/>
-            <a:r>
-              <a:rPr lang="en-US" dirty="0"/>
-              <a:t>Netflix Analysis (Joe):</a:t>
-            </a:r>
-          </a:p>
-          <a:p>
-            <a:pPr lvl="2"/>
-            <a:r>
-              <a:rPr lang="en-US" dirty="0"/>
-              <a:t>Number of horror movie release vs total release per county per year?</a:t>
-            </a:r>
-          </a:p>
-          <a:p>
-            <a:pPr lvl="2"/>
-            <a:r>
-              <a:rPr lang="en-US" dirty="0"/>
-              <a:t>Was the number of releases effected by the pandemic? </a:t>
-            </a:r>
-          </a:p>
-          <a:p>
-            <a:pPr marL="914400" lvl="2" indent="0">
-              <a:buNone/>
-            </a:pPr>
-            <a:endParaRPr lang="en-US" dirty="0"/>
-          </a:p>
-        </p:txBody>
-      </p:sp>
-    </p:spTree>
-    <p:extLst>
-      <p:ext uri="{BB962C8B-B14F-4D97-AF65-F5344CB8AC3E}">
-        <p14:creationId xmlns:p14="http://schemas.microsoft.com/office/powerpoint/2010/main" val="540764839"/>
-      </p:ext>
-    </p:extLst>
-  </p:cSld>
-  <p:clrMapOvr>
-    <a:masterClrMapping/>
-  </p:clrMapOvr>
-</p:sld>
-</file>
-
-<file path=ppt/slides/slide3.xml><?xml version="1.0" encoding="utf-8"?>
-<p:sld xmlns:a="http://schemas.openxmlformats.org/drawingml/2006/main" xmlns:r="http://schemas.openxmlformats.org/officeDocument/2006/relationships" xmlns:p="http://schemas.openxmlformats.org/presentationml/2006/main">
-  <p:cSld>
-    <p:spTree>
-      <p:nvGrpSpPr>
-        <p:cNvPr id="1" name=""/>
-        <p:cNvGrpSpPr/>
-        <p:nvPr/>
-      </p:nvGrpSpPr>
-      <p:grpSpPr>
-        <a:xfrm>
-          <a:off x="0" y="0"/>
-          <a:ext cx="0" cy="0"/>
-          <a:chOff x="0" y="0"/>
-          <a:chExt cx="0" cy="0"/>
-        </a:xfrm>
-      </p:grpSpPr>
-      <p:sp>
-        <p:nvSpPr>
-          <p:cNvPr id="2" name="Title 1">
-            <a:extLst>
-              <a:ext uri="{FF2B5EF4-FFF2-40B4-BE49-F238E27FC236}">
-                <a16:creationId xmlns:a16="http://schemas.microsoft.com/office/drawing/2014/main" id="{62996E13-90E2-C085-109D-9CB4B9409557}"/>
-              </a:ext>
-            </a:extLst>
-          </p:cNvPr>
-          <p:cNvSpPr>
-            <a:spLocks noGrp="1"/>
-          </p:cNvSpPr>
-          <p:nvPr>
-            <p:ph type="title"/>
-          </p:nvPr>
-        </p:nvSpPr>
-        <p:spPr>
-          <a:xfrm>
-            <a:off x="1154954" y="947920"/>
-            <a:ext cx="9149106" cy="728480"/>
-          </a:xfrm>
-        </p:spPr>
-        <p:txBody>
-          <a:bodyPr/>
-          <a:lstStyle/>
-          <a:p>
-            <a:r>
-              <a:rPr lang="en-US" dirty="0">
-                <a:latin typeface="Simplified Arabic Fixed" panose="02070309020205020404" pitchFamily="49" charset="-78"/>
-                <a:cs typeface="Simplified Arabic Fixed" panose="02070309020205020404" pitchFamily="49" charset="-78"/>
-              </a:rPr>
-              <a:t>Rating Analysis: Source Material</a:t>
-            </a:r>
-          </a:p>
-        </p:txBody>
-      </p:sp>
-      <p:sp>
-        <p:nvSpPr>
-          <p:cNvPr id="3" name="Content Placeholder 2">
-            <a:extLst>
-              <a:ext uri="{FF2B5EF4-FFF2-40B4-BE49-F238E27FC236}">
-                <a16:creationId xmlns:a16="http://schemas.microsoft.com/office/drawing/2014/main" id="{57505223-4AEB-2246-ACA4-BBD7BED52E1B}"/>
-              </a:ext>
-            </a:extLst>
-          </p:cNvPr>
-          <p:cNvSpPr>
-            <a:spLocks noGrp="1"/>
-          </p:cNvSpPr>
-          <p:nvPr>
-            <p:ph idx="1"/>
-          </p:nvPr>
-        </p:nvSpPr>
-        <p:spPr>
-          <a:xfrm>
-            <a:off x="1154954" y="2603500"/>
-            <a:ext cx="10372028" cy="3416300"/>
-          </a:xfrm>
-        </p:spPr>
-        <p:txBody>
-          <a:bodyPr/>
-          <a:lstStyle/>
-          <a:p>
-            <a:r>
-              <a:rPr lang="en-US" dirty="0"/>
-              <a:t>Used IMDB Horror movie Data set from Kaggle.</a:t>
-            </a:r>
-          </a:p>
-          <a:p>
-            <a:pPr lvl="1"/>
-            <a:r>
-              <a:rPr lang="en-US" dirty="0"/>
-              <a:t>Limitation of the data set include</a:t>
-            </a:r>
-          </a:p>
-          <a:p>
-            <a:pPr lvl="2"/>
-            <a:r>
-              <a:rPr lang="en-US" dirty="0"/>
-              <a:t>Missing data that was filtered out</a:t>
-            </a:r>
-          </a:p>
-          <a:p>
-            <a:pPr lvl="2"/>
-            <a:r>
-              <a:rPr lang="en-US" dirty="0"/>
-              <a:t>Unknown number of reviews </a:t>
-            </a:r>
-          </a:p>
-          <a:p>
-            <a:r>
-              <a:rPr lang="en-US" dirty="0" err="1"/>
-              <a:t>Geoapify</a:t>
-            </a:r>
-            <a:r>
-              <a:rPr lang="en-US" dirty="0"/>
-              <a:t> API was used</a:t>
-            </a:r>
-          </a:p>
-          <a:p>
-            <a:pPr lvl="1"/>
-            <a:r>
-              <a:rPr lang="en-US" dirty="0"/>
-              <a:t>Geocode to get place id</a:t>
-            </a:r>
-          </a:p>
-          <a:p>
-            <a:pPr lvl="1"/>
-            <a:r>
-              <a:rPr lang="en-US" dirty="0"/>
-              <a:t>Places to get location type</a:t>
-            </a:r>
-          </a:p>
-          <a:p>
-            <a:pPr lvl="2"/>
-            <a:r>
-              <a:rPr lang="en-US" dirty="0"/>
-              <a:t>Dependent on data entered to be correct</a:t>
-            </a:r>
-          </a:p>
-        </p:txBody>
-      </p:sp>
-    </p:spTree>
-    <p:extLst>
-      <p:ext uri="{BB962C8B-B14F-4D97-AF65-F5344CB8AC3E}">
-        <p14:creationId xmlns:p14="http://schemas.microsoft.com/office/powerpoint/2010/main" val="3777413855"/>
-      </p:ext>
-    </p:extLst>
-  </p:cSld>
-  <p:clrMapOvr>
-    <a:masterClrMapping/>
-  </p:clrMapOvr>
-</p:sld>
-</file>
-
-<file path=ppt/slides/slide4.xml><?xml version="1.0" encoding="utf-8"?>
-<p:sld xmlns:a="http://schemas.openxmlformats.org/drawingml/2006/main" xmlns:r="http://schemas.openxmlformats.org/officeDocument/2006/relationships" xmlns:p="http://schemas.openxmlformats.org/presentationml/2006/main">
-  <p:cSld>
-    <p:bg>
-      <p:bgPr>
-        <a:solidFill>
-          <a:schemeClr val="bg1"/>
-        </a:solidFill>
-        <a:effectLst/>
-      </p:bgPr>
-    </p:bg>
-    <p:spTree>
-      <p:nvGrpSpPr>
-        <p:cNvPr id="1" name=""/>
-        <p:cNvGrpSpPr/>
-        <p:nvPr/>
-      </p:nvGrpSpPr>
-      <p:grpSpPr>
-        <a:xfrm>
-          <a:off x="0" y="0"/>
-          <a:ext cx="0" cy="0"/>
-          <a:chOff x="0" y="0"/>
-          <a:chExt cx="0" cy="0"/>
-        </a:xfrm>
-      </p:grpSpPr>
-      <p:sp>
-        <p:nvSpPr>
-          <p:cNvPr id="2" name="Title 1">
-            <a:extLst>
-              <a:ext uri="{FF2B5EF4-FFF2-40B4-BE49-F238E27FC236}">
-                <a16:creationId xmlns:a16="http://schemas.microsoft.com/office/drawing/2014/main" id="{62996E13-90E2-C085-109D-9CB4B9409557}"/>
-              </a:ext>
-            </a:extLst>
-          </p:cNvPr>
-          <p:cNvSpPr>
-            <a:spLocks noGrp="1"/>
-          </p:cNvSpPr>
-          <p:nvPr>
-            <p:ph type="title"/>
-          </p:nvPr>
-        </p:nvSpPr>
-        <p:spPr>
-          <a:xfrm>
-            <a:off x="1154954" y="947920"/>
-            <a:ext cx="8761413" cy="728480"/>
-          </a:xfrm>
-        </p:spPr>
-        <p:txBody>
-          <a:bodyPr>
-            <a:normAutofit/>
-          </a:bodyPr>
-          <a:lstStyle/>
-          <a:p>
-            <a:r>
-              <a:rPr lang="en-US" dirty="0">
-                <a:latin typeface="Simplified Arabic Fixed" panose="02070309020205020404" pitchFamily="49" charset="-78"/>
-                <a:cs typeface="Simplified Arabic Fixed" panose="02070309020205020404" pitchFamily="49" charset="-78"/>
-              </a:rPr>
-              <a:t>Rating Analysis: Question 1</a:t>
-            </a:r>
-          </a:p>
-        </p:txBody>
-      </p:sp>
-      <p:sp>
-        <p:nvSpPr>
-          <p:cNvPr id="3" name="Content Placeholder 2">
-            <a:extLst>
-              <a:ext uri="{FF2B5EF4-FFF2-40B4-BE49-F238E27FC236}">
-                <a16:creationId xmlns:a16="http://schemas.microsoft.com/office/drawing/2014/main" id="{57505223-4AEB-2246-ACA4-BBD7BED52E1B}"/>
-              </a:ext>
-            </a:extLst>
-          </p:cNvPr>
-          <p:cNvSpPr>
-            <a:spLocks noGrp="1"/>
-          </p:cNvSpPr>
-          <p:nvPr>
-            <p:ph idx="1"/>
-          </p:nvPr>
-        </p:nvSpPr>
-        <p:spPr>
-          <a:xfrm>
-            <a:off x="1154954" y="2603500"/>
-            <a:ext cx="4458195" cy="3416300"/>
-          </a:xfrm>
-        </p:spPr>
-        <p:txBody>
-          <a:bodyPr anchor="ctr">
-            <a:normAutofit fontScale="92500" lnSpcReduction="20000"/>
-          </a:bodyPr>
-          <a:lstStyle/>
-          <a:p>
-            <a:endParaRPr lang="en-US" dirty="0"/>
-          </a:p>
-          <a:p>
-            <a:endParaRPr lang="en-US" dirty="0"/>
-          </a:p>
-          <a:p>
-            <a:endParaRPr lang="en-US" dirty="0"/>
-          </a:p>
-          <a:p>
-            <a:r>
-              <a:rPr lang="en-US" dirty="0"/>
-              <a:t>What is the coloration between review rating and run time?</a:t>
-            </a:r>
-          </a:p>
-          <a:p>
-            <a:pPr lvl="1"/>
-            <a:r>
-              <a:rPr lang="en-US" dirty="0"/>
-              <a:t>There is a weak coloration between review rating and movie run time. </a:t>
-            </a:r>
-          </a:p>
-          <a:p>
-            <a:pPr lvl="1"/>
-            <a:r>
-              <a:rPr lang="en-US" dirty="0"/>
-              <a:t>From the r2 value we can also see the data does not fit the line well. </a:t>
-            </a:r>
-          </a:p>
-          <a:p>
-            <a:pPr lvl="1"/>
-            <a:r>
-              <a:rPr lang="en-US" dirty="0"/>
-              <a:t>From the data given we can note the movie run time drops off with a rating above 8. </a:t>
-            </a:r>
-          </a:p>
-          <a:p>
-            <a:endParaRPr lang="en-US" dirty="0"/>
-          </a:p>
-          <a:p>
-            <a:pPr marL="0" indent="0">
-              <a:buNone/>
-            </a:pPr>
-            <a:endParaRPr lang="en-US" dirty="0"/>
-          </a:p>
-          <a:p>
-            <a:pPr lvl="1"/>
-            <a:endParaRPr lang="en-US" dirty="0"/>
-          </a:p>
-          <a:p>
-            <a:endParaRPr lang="en-US" dirty="0"/>
-          </a:p>
-        </p:txBody>
-      </p:sp>
-      <p:pic>
-        <p:nvPicPr>
-          <p:cNvPr id="5" name="Picture 4">
-            <a:extLst>
-              <a:ext uri="{FF2B5EF4-FFF2-40B4-BE49-F238E27FC236}">
-                <a16:creationId xmlns:a16="http://schemas.microsoft.com/office/drawing/2014/main" id="{CCACB0B4-117B-FAC8-D6BF-FD9D13D0250C}"/>
-              </a:ext>
-            </a:extLst>
-          </p:cNvPr>
-          <p:cNvPicPr>
-            <a:picLocks noChangeAspect="1"/>
-          </p:cNvPicPr>
-          <p:nvPr/>
-        </p:nvPicPr>
-        <p:blipFill>
-          <a:blip r:embed="rId2"/>
-          <a:stretch>
-            <a:fillRect/>
-          </a:stretch>
-        </p:blipFill>
-        <p:spPr>
-          <a:xfrm>
-            <a:off x="6258962" y="2603500"/>
-            <a:ext cx="5275153" cy="3824484"/>
-          </a:xfrm>
-          <a:prstGeom prst="roundRect">
-            <a:avLst>
-              <a:gd name="adj" fmla="val 1858"/>
-            </a:avLst>
-          </a:prstGeom>
-          <a:effectLst>
-            <a:outerShdw blurRad="50800" dist="50800" dir="5400000" algn="tl" rotWithShape="0">
-              <a:srgbClr val="000000">
-                <a:alpha val="43000"/>
-              </a:srgbClr>
-            </a:outerShdw>
-          </a:effectLst>
-        </p:spPr>
-      </p:pic>
-    </p:spTree>
-    <p:extLst>
-      <p:ext uri="{BB962C8B-B14F-4D97-AF65-F5344CB8AC3E}">
-        <p14:creationId xmlns:p14="http://schemas.microsoft.com/office/powerpoint/2010/main" val="2806684166"/>
-      </p:ext>
-    </p:extLst>
-  </p:cSld>
-  <p:clrMapOvr>
-    <a:masterClrMapping/>
-  </p:clrMapOvr>
-</p:sld>
-</file>
-
-<file path=ppt/slides/slide5.xml><?xml version="1.0" encoding="utf-8"?>
-<p:sld xmlns:a="http://schemas.openxmlformats.org/drawingml/2006/main" xmlns:r="http://schemas.openxmlformats.org/officeDocument/2006/relationships" xmlns:p="http://schemas.openxmlformats.org/presentationml/2006/main">
-  <p:cSld>
-    <p:spTree>
-      <p:nvGrpSpPr>
-        <p:cNvPr id="1" name=""/>
-        <p:cNvGrpSpPr/>
-        <p:nvPr/>
-      </p:nvGrpSpPr>
-      <p:grpSpPr>
-        <a:xfrm>
-          <a:off x="0" y="0"/>
-          <a:ext cx="0" cy="0"/>
-          <a:chOff x="0" y="0"/>
-          <a:chExt cx="0" cy="0"/>
-        </a:xfrm>
-      </p:grpSpPr>
-      <p:sp>
-        <p:nvSpPr>
-          <p:cNvPr id="2" name="Title 1">
-            <a:extLst>
-              <a:ext uri="{FF2B5EF4-FFF2-40B4-BE49-F238E27FC236}">
-                <a16:creationId xmlns:a16="http://schemas.microsoft.com/office/drawing/2014/main" id="{62996E13-90E2-C085-109D-9CB4B9409557}"/>
-              </a:ext>
-            </a:extLst>
-          </p:cNvPr>
-          <p:cNvSpPr>
-            <a:spLocks noGrp="1"/>
-          </p:cNvSpPr>
-          <p:nvPr>
-            <p:ph type="title"/>
-          </p:nvPr>
-        </p:nvSpPr>
-        <p:spPr>
-          <a:xfrm>
-            <a:off x="1154954" y="947920"/>
-            <a:ext cx="8761413" cy="728480"/>
-          </a:xfrm>
-        </p:spPr>
-        <p:txBody>
-          <a:bodyPr>
-            <a:normAutofit/>
-          </a:bodyPr>
-          <a:lstStyle/>
-          <a:p>
-            <a:r>
-              <a:rPr lang="en-US" dirty="0">
-                <a:latin typeface="Simplified Arabic Fixed" panose="02070309020205020404" pitchFamily="49" charset="-78"/>
-                <a:cs typeface="Simplified Arabic Fixed" panose="02070309020205020404" pitchFamily="49" charset="-78"/>
-              </a:rPr>
-              <a:t>Rating Analysis: Question 2</a:t>
-            </a:r>
-          </a:p>
-        </p:txBody>
-      </p:sp>
-      <p:sp>
-        <p:nvSpPr>
-          <p:cNvPr id="3" name="Content Placeholder 2">
-            <a:extLst>
-              <a:ext uri="{FF2B5EF4-FFF2-40B4-BE49-F238E27FC236}">
-                <a16:creationId xmlns:a16="http://schemas.microsoft.com/office/drawing/2014/main" id="{57505223-4AEB-2246-ACA4-BBD7BED52E1B}"/>
-              </a:ext>
-            </a:extLst>
-          </p:cNvPr>
-          <p:cNvSpPr>
-            <a:spLocks noGrp="1"/>
-          </p:cNvSpPr>
-          <p:nvPr>
-            <p:ph idx="1"/>
-          </p:nvPr>
-        </p:nvSpPr>
-        <p:spPr>
-          <a:xfrm>
-            <a:off x="1154954" y="2603500"/>
-            <a:ext cx="4458195" cy="3416300"/>
-          </a:xfrm>
-        </p:spPr>
-        <p:txBody>
-          <a:bodyPr anchor="ctr">
-            <a:normAutofit lnSpcReduction="10000"/>
-          </a:bodyPr>
-          <a:lstStyle/>
-          <a:p>
-            <a:endParaRPr lang="en-US" dirty="0"/>
-          </a:p>
-          <a:p>
-            <a:endParaRPr lang="en-US" dirty="0"/>
-          </a:p>
-          <a:p>
-            <a:r>
-              <a:rPr lang="en-US" dirty="0"/>
-              <a:t>Is there a significant difference between review ratings based on the location setting? </a:t>
-            </a:r>
-          </a:p>
-          <a:p>
-            <a:pPr lvl="1"/>
-            <a:r>
-              <a:rPr lang="en-US" dirty="0"/>
-              <a:t>From this chart we can determine municipalities and towns tend to have higher ratings but are not significantly ahead.  </a:t>
-            </a:r>
-          </a:p>
-          <a:p>
-            <a:pPr lvl="1"/>
-            <a:r>
-              <a:rPr lang="en-US" dirty="0"/>
-              <a:t>Hamlets on the other hand are not the best setting for </a:t>
-            </a:r>
-            <a:r>
-              <a:rPr lang="en-US"/>
-              <a:t>horror movies</a:t>
-            </a:r>
-            <a:endParaRPr lang="en-US" dirty="0"/>
-          </a:p>
-          <a:p>
-            <a:pPr lvl="1"/>
-            <a:endParaRPr lang="en-US" dirty="0"/>
-          </a:p>
-          <a:p>
-            <a:endParaRPr lang="en-US" dirty="0"/>
-          </a:p>
-        </p:txBody>
-      </p:sp>
-      <p:pic>
-        <p:nvPicPr>
-          <p:cNvPr id="6" name="Picture 5">
-            <a:extLst>
-              <a:ext uri="{FF2B5EF4-FFF2-40B4-BE49-F238E27FC236}">
-                <a16:creationId xmlns:a16="http://schemas.microsoft.com/office/drawing/2014/main" id="{F0CAAF1C-CB2C-BAD0-6D2D-1AF37EE85E21}"/>
-              </a:ext>
-            </a:extLst>
-          </p:cNvPr>
-          <p:cNvPicPr>
-            <a:picLocks noChangeAspect="1"/>
-          </p:cNvPicPr>
-          <p:nvPr/>
-        </p:nvPicPr>
-        <p:blipFill>
-          <a:blip r:embed="rId2"/>
-          <a:stretch>
-            <a:fillRect/>
-          </a:stretch>
-        </p:blipFill>
-        <p:spPr>
-          <a:xfrm>
-            <a:off x="6578853" y="2414538"/>
-            <a:ext cx="4257706" cy="3533801"/>
-          </a:xfrm>
-          <a:prstGeom prst="rect">
-            <a:avLst/>
-          </a:prstGeom>
-        </p:spPr>
-      </p:pic>
-    </p:spTree>
-    <p:extLst>
-      <p:ext uri="{BB962C8B-B14F-4D97-AF65-F5344CB8AC3E}">
-        <p14:creationId xmlns:p14="http://schemas.microsoft.com/office/powerpoint/2010/main" val="1529015736"/>
-      </p:ext>
-    </p:extLst>
-  </p:cSld>
-  <p:clrMapOvr>
-    <a:masterClrMapping/>
-  </p:clrMapOvr>
-</p:sld>
-</file>
-
-<file path=ppt/slides/slide6.xml><?xml version="1.0" encoding="utf-8"?>
-<p:sld xmlns:a="http://schemas.openxmlformats.org/drawingml/2006/main" xmlns:r="http://schemas.openxmlformats.org/officeDocument/2006/relationships" xmlns:p="http://schemas.openxmlformats.org/presentationml/2006/main">
-  <p:cSld>
-    <p:bg>
-      <p:bgPr>
-        <a:solidFill>
-          <a:schemeClr val="bg1"/>
-        </a:solidFill>
-        <a:effectLst/>
-      </p:bgPr>
-    </p:bg>
-    <p:spTree>
-      <p:nvGrpSpPr>
-        <p:cNvPr id="1" name=""/>
-        <p:cNvGrpSpPr/>
-        <p:nvPr/>
-      </p:nvGrpSpPr>
-      <p:grpSpPr>
-        <a:xfrm>
-          <a:off x="0" y="0"/>
-          <a:ext cx="0" cy="0"/>
-          <a:chOff x="0" y="0"/>
-          <a:chExt cx="0" cy="0"/>
-        </a:xfrm>
-      </p:grpSpPr>
-      <p:sp>
-        <p:nvSpPr>
-          <p:cNvPr id="2" name="Title 1">
-            <a:extLst>
-              <a:ext uri="{FF2B5EF4-FFF2-40B4-BE49-F238E27FC236}">
-                <a16:creationId xmlns:a16="http://schemas.microsoft.com/office/drawing/2014/main" id="{62996E13-90E2-C085-109D-9CB4B9409557}"/>
-              </a:ext>
-            </a:extLst>
-          </p:cNvPr>
-          <p:cNvSpPr>
-            <a:spLocks noGrp="1"/>
-          </p:cNvSpPr>
-          <p:nvPr>
-            <p:ph type="title"/>
-          </p:nvPr>
-        </p:nvSpPr>
-        <p:spPr>
-          <a:xfrm>
-            <a:off x="1154954" y="947920"/>
-            <a:ext cx="8761413" cy="728480"/>
-          </a:xfrm>
-        </p:spPr>
-        <p:txBody>
-          <a:bodyPr>
-            <a:normAutofit/>
-          </a:bodyPr>
-          <a:lstStyle/>
-          <a:p>
-            <a:r>
-              <a:rPr lang="en-US" dirty="0">
-                <a:latin typeface="Simplified Arabic Fixed" panose="02070309020205020404" pitchFamily="49" charset="-78"/>
-                <a:cs typeface="Simplified Arabic Fixed" panose="02070309020205020404" pitchFamily="49" charset="-78"/>
-              </a:rPr>
-              <a:t>Country Analysis: Question 1</a:t>
-            </a:r>
-          </a:p>
-        </p:txBody>
-      </p:sp>
-      <p:sp>
-        <p:nvSpPr>
-          <p:cNvPr id="3" name="Content Placeholder 2">
-            <a:extLst>
-              <a:ext uri="{FF2B5EF4-FFF2-40B4-BE49-F238E27FC236}">
-                <a16:creationId xmlns:a16="http://schemas.microsoft.com/office/drawing/2014/main" id="{57505223-4AEB-2246-ACA4-BBD7BED52E1B}"/>
-              </a:ext>
-            </a:extLst>
-          </p:cNvPr>
-          <p:cNvSpPr>
-            <a:spLocks noGrp="1"/>
-          </p:cNvSpPr>
-          <p:nvPr>
-            <p:ph idx="1"/>
-          </p:nvPr>
-        </p:nvSpPr>
-        <p:spPr>
-          <a:xfrm>
-            <a:off x="1154954" y="2603500"/>
-            <a:ext cx="4941045" cy="3416300"/>
-          </a:xfrm>
-        </p:spPr>
-        <p:txBody>
-          <a:bodyPr anchor="ctr">
-            <a:normAutofit/>
-          </a:bodyPr>
-          <a:lstStyle/>
-          <a:p>
-            <a:r>
-              <a:rPr lang="en-US" sz="1600" dirty="0"/>
-              <a:t>What country spends the most on average per movie?</a:t>
-            </a:r>
-          </a:p>
-          <a:p>
-            <a:pPr lvl="1"/>
-            <a:r>
-              <a:rPr lang="en-US" sz="1400" dirty="0"/>
-              <a:t>There were over 70 countries in the data set, but not all the movies had budget data</a:t>
-            </a:r>
-          </a:p>
-          <a:p>
-            <a:pPr lvl="1"/>
-            <a:r>
-              <a:rPr lang="en-US" sz="1400" dirty="0"/>
-              <a:t>The data was cleaned to only include countries with 10 or more movies and only include movies with a US currency budget amount</a:t>
-            </a:r>
-          </a:p>
-          <a:p>
-            <a:pPr lvl="1"/>
-            <a:endParaRPr lang="en-US" sz="1400" dirty="0"/>
-          </a:p>
-        </p:txBody>
-      </p:sp>
-      <p:pic>
-        <p:nvPicPr>
-          <p:cNvPr id="4" name="Picture 3">
-            <a:extLst>
-              <a:ext uri="{FF2B5EF4-FFF2-40B4-BE49-F238E27FC236}">
-                <a16:creationId xmlns:a16="http://schemas.microsoft.com/office/drawing/2014/main" id="{A248A11E-98C8-7242-8CE6-58A9A6548D2E}"/>
-              </a:ext>
-            </a:extLst>
-          </p:cNvPr>
-          <p:cNvPicPr>
-            <a:picLocks noChangeAspect="1"/>
-          </p:cNvPicPr>
-          <p:nvPr/>
-        </p:nvPicPr>
-        <p:blipFill>
-          <a:blip r:embed="rId2"/>
-          <a:stretch>
-            <a:fillRect/>
-          </a:stretch>
-        </p:blipFill>
-        <p:spPr>
-          <a:xfrm>
-            <a:off x="6518235" y="2603500"/>
-            <a:ext cx="5214199" cy="3306580"/>
-          </a:xfrm>
-          <a:prstGeom prst="roundRect">
-            <a:avLst>
-              <a:gd name="adj" fmla="val 1858"/>
-            </a:avLst>
-          </a:prstGeom>
-          <a:effectLst>
-            <a:outerShdw blurRad="50800" dist="50800" dir="5400000" algn="tl" rotWithShape="0">
-              <a:srgbClr val="000000">
-                <a:alpha val="43000"/>
-              </a:srgbClr>
-            </a:outerShdw>
-          </a:effectLst>
-        </p:spPr>
-      </p:pic>
-    </p:spTree>
-    <p:extLst>
-      <p:ext uri="{BB962C8B-B14F-4D97-AF65-F5344CB8AC3E}">
-        <p14:creationId xmlns:p14="http://schemas.microsoft.com/office/powerpoint/2010/main" val="1068830328"/>
-      </p:ext>
-    </p:extLst>
-  </p:cSld>
-  <p:clrMapOvr>
-    <a:masterClrMapping/>
-  </p:clrMapOvr>
-</p:sld>
-</file>
-
-<file path=ppt/slides/slide7.xml><?xml version="1.0" encoding="utf-8"?>
+<file path=ppt/slides/slide10.xml><?xml version="1.0" encoding="utf-8"?>
 <p:sld xmlns:a="http://schemas.openxmlformats.org/drawingml/2006/main" xmlns:r="http://schemas.openxmlformats.org/officeDocument/2006/relationships" xmlns:p="http://schemas.openxmlformats.org/presentationml/2006/main">
   <p:cSld>
     <p:bg>
@@ -16786,7 +16376,7 @@
 </p:sld>
 </file>
 
-<file path=ppt/slides/slide8.xml><?xml version="1.0" encoding="utf-8"?>
+<file path=ppt/slides/slide11.xml><?xml version="1.0" encoding="utf-8"?>
 <p:sld xmlns:a="http://schemas.openxmlformats.org/drawingml/2006/main" xmlns:r="http://schemas.openxmlformats.org/officeDocument/2006/relationships" xmlns:p="http://schemas.openxmlformats.org/presentationml/2006/main">
   <p:cSld>
     <p:spTree>
@@ -18105,6 +17695,1292 @@
 </p:sld>
 </file>
 
+<file path=ppt/slides/slide2.xml><?xml version="1.0" encoding="utf-8"?>
+<p:sld xmlns:a="http://schemas.openxmlformats.org/drawingml/2006/main" xmlns:r="http://schemas.openxmlformats.org/officeDocument/2006/relationships" xmlns:p="http://schemas.openxmlformats.org/presentationml/2006/main">
+  <p:cSld>
+    <p:spTree>
+      <p:nvGrpSpPr>
+        <p:cNvPr id="1" name=""/>
+        <p:cNvGrpSpPr/>
+        <p:nvPr/>
+      </p:nvGrpSpPr>
+      <p:grpSpPr>
+        <a:xfrm>
+          <a:off x="0" y="0"/>
+          <a:ext cx="0" cy="0"/>
+          <a:chOff x="0" y="0"/>
+          <a:chExt cx="0" cy="0"/>
+        </a:xfrm>
+      </p:grpSpPr>
+      <p:sp>
+        <p:nvSpPr>
+          <p:cNvPr id="2" name="Title 1">
+            <a:extLst>
+              <a:ext uri="{FF2B5EF4-FFF2-40B4-BE49-F238E27FC236}">
+                <a16:creationId xmlns:a16="http://schemas.microsoft.com/office/drawing/2014/main" id="{62996E13-90E2-C085-109D-9CB4B9409557}"/>
+              </a:ext>
+            </a:extLst>
+          </p:cNvPr>
+          <p:cNvSpPr>
+            <a:spLocks noGrp="1"/>
+          </p:cNvSpPr>
+          <p:nvPr>
+            <p:ph type="title"/>
+          </p:nvPr>
+        </p:nvSpPr>
+        <p:spPr/>
+        <p:txBody>
+          <a:bodyPr/>
+          <a:lstStyle/>
+          <a:p>
+            <a:r>
+              <a:rPr lang="en-US" dirty="0">
+                <a:latin typeface="Simplified Arabic Fixed" panose="02070309020205020404" pitchFamily="49" charset="-78"/>
+                <a:cs typeface="Simplified Arabic Fixed" panose="02070309020205020404" pitchFamily="49" charset="-78"/>
+              </a:rPr>
+              <a:t>Motivation and Interest</a:t>
+            </a:r>
+          </a:p>
+        </p:txBody>
+      </p:sp>
+      <p:sp>
+        <p:nvSpPr>
+          <p:cNvPr id="3" name="Content Placeholder 2">
+            <a:extLst>
+              <a:ext uri="{FF2B5EF4-FFF2-40B4-BE49-F238E27FC236}">
+                <a16:creationId xmlns:a16="http://schemas.microsoft.com/office/drawing/2014/main" id="{57505223-4AEB-2246-ACA4-BBD7BED52E1B}"/>
+              </a:ext>
+            </a:extLst>
+          </p:cNvPr>
+          <p:cNvSpPr>
+            <a:spLocks noGrp="1"/>
+          </p:cNvSpPr>
+          <p:nvPr>
+            <p:ph idx="1"/>
+          </p:nvPr>
+        </p:nvSpPr>
+        <p:spPr>
+          <a:xfrm>
+            <a:off x="1154954" y="2603500"/>
+            <a:ext cx="10128397" cy="3676530"/>
+          </a:xfrm>
+        </p:spPr>
+        <p:txBody>
+          <a:bodyPr>
+            <a:normAutofit fontScale="55000" lnSpcReduction="20000"/>
+          </a:bodyPr>
+          <a:lstStyle/>
+          <a:p>
+            <a:r>
+              <a:rPr lang="en-US" dirty="0"/>
+              <a:t>With Halloween just passing while picking our projects our group thought it would be interesting to see how horror movie interest and ratings have trended over the past few years. The first data set we found had horror movies ranging from 2012-2017 but we wanted to expand upon this time frame. This led us to include a Netflix data set allowing us to expand our analysis using the streaming services. Not only was the theme of interest but these data sets were a good introduction for cleaning data sets.</a:t>
+            </a:r>
+          </a:p>
+          <a:p>
+            <a:r>
+              <a:rPr lang="en-US" dirty="0"/>
+              <a:t>Questions addressed in this analysis</a:t>
+            </a:r>
+          </a:p>
+          <a:p>
+            <a:pPr lvl="1"/>
+            <a:r>
+              <a:rPr lang="en-US" dirty="0"/>
+              <a:t>Release Date Analysis (Roth):</a:t>
+            </a:r>
+          </a:p>
+          <a:p>
+            <a:pPr lvl="2"/>
+            <a:r>
+              <a:rPr lang="en-US" dirty="0"/>
+              <a:t>What is the change in average ratings between 2012 and 2017?</a:t>
+            </a:r>
+          </a:p>
+          <a:p>
+            <a:pPr lvl="2"/>
+            <a:r>
+              <a:rPr lang="en-US" dirty="0"/>
+              <a:t>Which release month is the most popular for each country in the data set?</a:t>
+            </a:r>
+          </a:p>
+          <a:p>
+            <a:pPr lvl="1"/>
+            <a:r>
+              <a:rPr lang="en-US" dirty="0"/>
+              <a:t>Country Analysis (Ben):</a:t>
+            </a:r>
+          </a:p>
+          <a:p>
+            <a:pPr lvl="2"/>
+            <a:r>
+              <a:rPr lang="en-US" dirty="0"/>
+              <a:t>What country spends the most on average per movie?</a:t>
+            </a:r>
+          </a:p>
+          <a:p>
+            <a:pPr lvl="2"/>
+            <a:r>
+              <a:rPr lang="en-US" dirty="0"/>
+              <a:t>What is the relationship between rating average and country?</a:t>
+            </a:r>
+          </a:p>
+          <a:p>
+            <a:pPr lvl="1"/>
+            <a:r>
+              <a:rPr lang="en-US" dirty="0"/>
+              <a:t>Rating Analysis (Danielle):</a:t>
+            </a:r>
+          </a:p>
+          <a:p>
+            <a:pPr lvl="2"/>
+            <a:r>
+              <a:rPr lang="en-US" dirty="0"/>
+              <a:t>What is the correlation  between rating and movie duration?</a:t>
+            </a:r>
+          </a:p>
+          <a:p>
+            <a:pPr lvl="2"/>
+            <a:r>
+              <a:rPr lang="en-US" dirty="0"/>
+              <a:t>What is the correlation between rating and location setting?</a:t>
+            </a:r>
+          </a:p>
+          <a:p>
+            <a:pPr lvl="1"/>
+            <a:r>
+              <a:rPr lang="en-US" dirty="0"/>
+              <a:t>Netflix Analysis (Joe):</a:t>
+            </a:r>
+          </a:p>
+          <a:p>
+            <a:pPr lvl="2"/>
+            <a:r>
+              <a:rPr lang="en-US" dirty="0"/>
+              <a:t>Number of horror movie release vs total release per county per year?</a:t>
+            </a:r>
+          </a:p>
+          <a:p>
+            <a:pPr lvl="2"/>
+            <a:r>
+              <a:rPr lang="en-US" dirty="0"/>
+              <a:t>Was the number of releases effected by the pandemic? </a:t>
+            </a:r>
+          </a:p>
+          <a:p>
+            <a:pPr marL="914400" lvl="2" indent="0">
+              <a:buNone/>
+            </a:pPr>
+            <a:endParaRPr lang="en-US" dirty="0"/>
+          </a:p>
+        </p:txBody>
+      </p:sp>
+    </p:spTree>
+    <p:extLst>
+      <p:ext uri="{BB962C8B-B14F-4D97-AF65-F5344CB8AC3E}">
+        <p14:creationId xmlns:p14="http://schemas.microsoft.com/office/powerpoint/2010/main" val="540764839"/>
+      </p:ext>
+    </p:extLst>
+  </p:cSld>
+  <p:clrMapOvr>
+    <a:masterClrMapping/>
+  </p:clrMapOvr>
+</p:sld>
+</file>
+
+<file path=ppt/slides/slide3.xml><?xml version="1.0" encoding="utf-8"?>
+<p:sld xmlns:a="http://schemas.openxmlformats.org/drawingml/2006/main" xmlns:r="http://schemas.openxmlformats.org/officeDocument/2006/relationships" xmlns:p="http://schemas.openxmlformats.org/presentationml/2006/main">
+  <p:cSld>
+    <p:spTree>
+      <p:nvGrpSpPr>
+        <p:cNvPr id="1" name=""/>
+        <p:cNvGrpSpPr/>
+        <p:nvPr/>
+      </p:nvGrpSpPr>
+      <p:grpSpPr>
+        <a:xfrm>
+          <a:off x="0" y="0"/>
+          <a:ext cx="0" cy="0"/>
+          <a:chOff x="0" y="0"/>
+          <a:chExt cx="0" cy="0"/>
+        </a:xfrm>
+      </p:grpSpPr>
+      <p:sp>
+        <p:nvSpPr>
+          <p:cNvPr id="2" name="Title 1">
+            <a:extLst>
+              <a:ext uri="{FF2B5EF4-FFF2-40B4-BE49-F238E27FC236}">
+                <a16:creationId xmlns:a16="http://schemas.microsoft.com/office/drawing/2014/main" id="{62996E13-90E2-C085-109D-9CB4B9409557}"/>
+              </a:ext>
+            </a:extLst>
+          </p:cNvPr>
+          <p:cNvSpPr>
+            <a:spLocks noGrp="1"/>
+          </p:cNvSpPr>
+          <p:nvPr>
+            <p:ph type="title"/>
+          </p:nvPr>
+        </p:nvSpPr>
+        <p:spPr>
+          <a:xfrm>
+            <a:off x="1154954" y="947920"/>
+            <a:ext cx="9149106" cy="728480"/>
+          </a:xfrm>
+        </p:spPr>
+        <p:txBody>
+          <a:bodyPr/>
+          <a:lstStyle/>
+          <a:p>
+            <a:r>
+              <a:rPr lang="en-US" dirty="0">
+                <a:latin typeface="Simplified Arabic Fixed" panose="02070309020205020404" pitchFamily="49" charset="-78"/>
+                <a:cs typeface="Simplified Arabic Fixed" panose="02070309020205020404" pitchFamily="49" charset="-78"/>
+              </a:rPr>
+              <a:t>Rating Analysis: Source Material</a:t>
+            </a:r>
+          </a:p>
+        </p:txBody>
+      </p:sp>
+      <p:sp>
+        <p:nvSpPr>
+          <p:cNvPr id="3" name="Content Placeholder 2">
+            <a:extLst>
+              <a:ext uri="{FF2B5EF4-FFF2-40B4-BE49-F238E27FC236}">
+                <a16:creationId xmlns:a16="http://schemas.microsoft.com/office/drawing/2014/main" id="{57505223-4AEB-2246-ACA4-BBD7BED52E1B}"/>
+              </a:ext>
+            </a:extLst>
+          </p:cNvPr>
+          <p:cNvSpPr>
+            <a:spLocks noGrp="1"/>
+          </p:cNvSpPr>
+          <p:nvPr>
+            <p:ph idx="1"/>
+          </p:nvPr>
+        </p:nvSpPr>
+        <p:spPr>
+          <a:xfrm>
+            <a:off x="1154954" y="2603500"/>
+            <a:ext cx="10372028" cy="3416300"/>
+          </a:xfrm>
+        </p:spPr>
+        <p:txBody>
+          <a:bodyPr/>
+          <a:lstStyle/>
+          <a:p>
+            <a:r>
+              <a:rPr lang="en-US" dirty="0"/>
+              <a:t>Used IMDB Horror movie Data set from Kaggle.</a:t>
+            </a:r>
+          </a:p>
+          <a:p>
+            <a:pPr lvl="1"/>
+            <a:r>
+              <a:rPr lang="en-US" dirty="0"/>
+              <a:t>Limitation of the data set include</a:t>
+            </a:r>
+          </a:p>
+          <a:p>
+            <a:pPr lvl="2"/>
+            <a:r>
+              <a:rPr lang="en-US" dirty="0"/>
+              <a:t>Missing data that was filtered out</a:t>
+            </a:r>
+          </a:p>
+          <a:p>
+            <a:pPr lvl="2"/>
+            <a:r>
+              <a:rPr lang="en-US" dirty="0"/>
+              <a:t>Unknown number of reviews </a:t>
+            </a:r>
+          </a:p>
+          <a:p>
+            <a:r>
+              <a:rPr lang="en-US" dirty="0" err="1"/>
+              <a:t>Geoapify</a:t>
+            </a:r>
+            <a:r>
+              <a:rPr lang="en-US" dirty="0"/>
+              <a:t> API was used</a:t>
+            </a:r>
+          </a:p>
+          <a:p>
+            <a:pPr lvl="1"/>
+            <a:r>
+              <a:rPr lang="en-US" dirty="0"/>
+              <a:t>Geocode to get place id</a:t>
+            </a:r>
+          </a:p>
+          <a:p>
+            <a:pPr lvl="1"/>
+            <a:r>
+              <a:rPr lang="en-US" dirty="0"/>
+              <a:t>Places to get location type</a:t>
+            </a:r>
+          </a:p>
+          <a:p>
+            <a:pPr lvl="2"/>
+            <a:r>
+              <a:rPr lang="en-US" dirty="0"/>
+              <a:t>Dependent on data entered to be correct</a:t>
+            </a:r>
+          </a:p>
+        </p:txBody>
+      </p:sp>
+    </p:spTree>
+    <p:extLst>
+      <p:ext uri="{BB962C8B-B14F-4D97-AF65-F5344CB8AC3E}">
+        <p14:creationId xmlns:p14="http://schemas.microsoft.com/office/powerpoint/2010/main" val="3777413855"/>
+      </p:ext>
+    </p:extLst>
+  </p:cSld>
+  <p:clrMapOvr>
+    <a:masterClrMapping/>
+  </p:clrMapOvr>
+</p:sld>
+</file>
+
+<file path=ppt/slides/slide4.xml><?xml version="1.0" encoding="utf-8"?>
+<p:sld xmlns:a="http://schemas.openxmlformats.org/drawingml/2006/main" xmlns:r="http://schemas.openxmlformats.org/officeDocument/2006/relationships" xmlns:p="http://schemas.openxmlformats.org/presentationml/2006/main">
+  <p:cSld>
+    <p:spTree>
+      <p:nvGrpSpPr>
+        <p:cNvPr id="1" name=""/>
+        <p:cNvGrpSpPr/>
+        <p:nvPr/>
+      </p:nvGrpSpPr>
+      <p:grpSpPr>
+        <a:xfrm>
+          <a:off x="0" y="0"/>
+          <a:ext cx="0" cy="0"/>
+          <a:chOff x="0" y="0"/>
+          <a:chExt cx="0" cy="0"/>
+        </a:xfrm>
+      </p:grpSpPr>
+      <p:sp>
+        <p:nvSpPr>
+          <p:cNvPr id="2" name="Title 1">
+            <a:extLst>
+              <a:ext uri="{FF2B5EF4-FFF2-40B4-BE49-F238E27FC236}">
+                <a16:creationId xmlns:a16="http://schemas.microsoft.com/office/drawing/2014/main" id="{32F222F6-9383-FAC1-5C91-5AC180EEB6B1}"/>
+              </a:ext>
+            </a:extLst>
+          </p:cNvPr>
+          <p:cNvSpPr>
+            <a:spLocks noGrp="1"/>
+          </p:cNvSpPr>
+          <p:nvPr>
+            <p:ph type="title"/>
+          </p:nvPr>
+        </p:nvSpPr>
+        <p:spPr/>
+        <p:txBody>
+          <a:bodyPr/>
+          <a:lstStyle/>
+          <a:p>
+            <a:r>
+              <a:rPr lang="en-US" dirty="0">
+                <a:latin typeface="Simplified Arabic Fixed" panose="02070309020205020404" pitchFamily="49" charset="-78"/>
+                <a:cs typeface="Simplified Arabic Fixed" panose="02070309020205020404" pitchFamily="49" charset="-78"/>
+              </a:rPr>
+              <a:t>Release Date Analysis: Question 1</a:t>
+            </a:r>
+          </a:p>
+        </p:txBody>
+      </p:sp>
+      <p:sp>
+        <p:nvSpPr>
+          <p:cNvPr id="6" name="Text Placeholder 5">
+            <a:extLst>
+              <a:ext uri="{FF2B5EF4-FFF2-40B4-BE49-F238E27FC236}">
+                <a16:creationId xmlns:a16="http://schemas.microsoft.com/office/drawing/2014/main" id="{74FC12E7-C0B2-DB8B-2379-10E2DE2B0E3A}"/>
+              </a:ext>
+            </a:extLst>
+          </p:cNvPr>
+          <p:cNvSpPr>
+            <a:spLocks noGrp="1"/>
+          </p:cNvSpPr>
+          <p:nvPr>
+            <p:ph type="body" sz="quarter" idx="3"/>
+          </p:nvPr>
+        </p:nvSpPr>
+        <p:spPr/>
+        <p:txBody>
+          <a:bodyPr/>
+          <a:lstStyle/>
+          <a:p>
+            <a:endParaRPr lang="en-US"/>
+          </a:p>
+        </p:txBody>
+      </p:sp>
+      <p:pic>
+        <p:nvPicPr>
+          <p:cNvPr id="11" name="Content Placeholder 10" descr="Chart, bar chart&#10;&#10;Description automatically generated">
+            <a:extLst>
+              <a:ext uri="{FF2B5EF4-FFF2-40B4-BE49-F238E27FC236}">
+                <a16:creationId xmlns:a16="http://schemas.microsoft.com/office/drawing/2014/main" id="{CE6D424F-EC0E-A775-4B22-2E80C6BD33B6}"/>
+              </a:ext>
+            </a:extLst>
+          </p:cNvPr>
+          <p:cNvPicPr>
+            <a:picLocks noGrp="1" noChangeAspect="1"/>
+          </p:cNvPicPr>
+          <p:nvPr>
+            <p:ph sz="quarter" idx="4"/>
+          </p:nvPr>
+        </p:nvPicPr>
+        <p:blipFill>
+          <a:blip r:embed="rId3"/>
+          <a:stretch>
+            <a:fillRect/>
+          </a:stretch>
+        </p:blipFill>
+        <p:spPr>
+          <a:xfrm>
+            <a:off x="6208711" y="2328151"/>
+            <a:ext cx="5639852" cy="4028466"/>
+          </a:xfrm>
+        </p:spPr>
+      </p:pic>
+      <p:sp>
+        <p:nvSpPr>
+          <p:cNvPr id="12" name="Text Placeholder 3">
+            <a:extLst>
+              <a:ext uri="{FF2B5EF4-FFF2-40B4-BE49-F238E27FC236}">
+                <a16:creationId xmlns:a16="http://schemas.microsoft.com/office/drawing/2014/main" id="{33128D97-7784-3372-EF7F-A61347986527}"/>
+              </a:ext>
+            </a:extLst>
+          </p:cNvPr>
+          <p:cNvSpPr>
+            <a:spLocks noGrp="1"/>
+          </p:cNvSpPr>
+          <p:nvPr>
+            <p:ph sz="half" idx="2"/>
+          </p:nvPr>
+        </p:nvSpPr>
+        <p:spPr>
+          <a:xfrm>
+            <a:off x="1155700" y="2808288"/>
+            <a:ext cx="4824413" cy="3211512"/>
+          </a:xfrm>
+        </p:spPr>
+        <p:txBody>
+          <a:bodyPr/>
+          <a:lstStyle/>
+          <a:p>
+            <a:r>
+              <a:rPr lang="en-US" dirty="0"/>
+              <a:t>What is the change in average ratings between 2012 and 2017?</a:t>
+            </a:r>
+          </a:p>
+          <a:p>
+            <a:pPr lvl="1"/>
+            <a:r>
+              <a:rPr lang="en-US" dirty="0"/>
+              <a:t>Based on the dataset, the average rating is between 4 and 6.</a:t>
+            </a:r>
+          </a:p>
+          <a:p>
+            <a:pPr lvl="1"/>
+            <a:r>
+              <a:rPr lang="en-US" dirty="0"/>
+              <a:t>As the years went on, the ratings for horror films did increase revealing popularity among the genre.</a:t>
+            </a:r>
+          </a:p>
+        </p:txBody>
+      </p:sp>
+    </p:spTree>
+    <p:extLst>
+      <p:ext uri="{BB962C8B-B14F-4D97-AF65-F5344CB8AC3E}">
+        <p14:creationId xmlns:p14="http://schemas.microsoft.com/office/powerpoint/2010/main" val="3664516565"/>
+      </p:ext>
+    </p:extLst>
+  </p:cSld>
+  <p:clrMapOvr>
+    <a:masterClrMapping/>
+  </p:clrMapOvr>
+</p:sld>
+</file>
+
+<file path=ppt/slides/slide5.xml><?xml version="1.0" encoding="utf-8"?>
+<p:sld xmlns:a="http://schemas.openxmlformats.org/drawingml/2006/main" xmlns:r="http://schemas.openxmlformats.org/officeDocument/2006/relationships" xmlns:p="http://schemas.openxmlformats.org/presentationml/2006/main">
+  <p:cSld>
+    <p:spTree>
+      <p:nvGrpSpPr>
+        <p:cNvPr id="1" name=""/>
+        <p:cNvGrpSpPr/>
+        <p:nvPr/>
+      </p:nvGrpSpPr>
+      <p:grpSpPr>
+        <a:xfrm>
+          <a:off x="0" y="0"/>
+          <a:ext cx="0" cy="0"/>
+          <a:chOff x="0" y="0"/>
+          <a:chExt cx="0" cy="0"/>
+        </a:xfrm>
+      </p:grpSpPr>
+      <p:sp>
+        <p:nvSpPr>
+          <p:cNvPr id="2" name="Title 1">
+            <a:extLst>
+              <a:ext uri="{FF2B5EF4-FFF2-40B4-BE49-F238E27FC236}">
+                <a16:creationId xmlns:a16="http://schemas.microsoft.com/office/drawing/2014/main" id="{0AB70348-5C42-90FE-8E85-CD473E437C99}"/>
+              </a:ext>
+            </a:extLst>
+          </p:cNvPr>
+          <p:cNvSpPr>
+            <a:spLocks noGrp="1"/>
+          </p:cNvSpPr>
+          <p:nvPr>
+            <p:ph type="title"/>
+          </p:nvPr>
+        </p:nvSpPr>
+        <p:spPr/>
+        <p:txBody>
+          <a:bodyPr/>
+          <a:lstStyle/>
+          <a:p>
+            <a:r>
+              <a:rPr lang="en-US" dirty="0">
+                <a:latin typeface="Simplified Arabic Fixed" panose="02070309020205020404" pitchFamily="49" charset="-78"/>
+                <a:cs typeface="Simplified Arabic Fixed" panose="02070309020205020404" pitchFamily="49" charset="-78"/>
+              </a:rPr>
+              <a:t>Release Date Analysis: Question 2</a:t>
+            </a:r>
+          </a:p>
+        </p:txBody>
+      </p:sp>
+      <p:sp>
+        <p:nvSpPr>
+          <p:cNvPr id="5" name="Content Placeholder 4">
+            <a:extLst>
+              <a:ext uri="{FF2B5EF4-FFF2-40B4-BE49-F238E27FC236}">
+                <a16:creationId xmlns:a16="http://schemas.microsoft.com/office/drawing/2014/main" id="{C1F02744-5235-B195-4F99-167E51C39673}"/>
+              </a:ext>
+            </a:extLst>
+          </p:cNvPr>
+          <p:cNvSpPr>
+            <a:spLocks noGrp="1"/>
+          </p:cNvSpPr>
+          <p:nvPr>
+            <p:ph sz="half" idx="2"/>
+          </p:nvPr>
+        </p:nvSpPr>
+        <p:spPr>
+          <a:xfrm>
+            <a:off x="1154954" y="2485623"/>
+            <a:ext cx="4825158" cy="3534179"/>
+          </a:xfrm>
+        </p:spPr>
+        <p:txBody>
+          <a:bodyPr/>
+          <a:lstStyle/>
+          <a:p>
+            <a:r>
+              <a:rPr lang="en-US" sz="1700" dirty="0"/>
+              <a:t>Which release month is the most popular for each country in the data set.</a:t>
+            </a:r>
+          </a:p>
+          <a:p>
+            <a:pPr lvl="1"/>
+            <a:r>
+              <a:rPr lang="en-US" sz="1500" dirty="0"/>
+              <a:t>We can assume October would be a popular release month, but also find January being no far from that group.</a:t>
+            </a:r>
+          </a:p>
+          <a:p>
+            <a:pPr lvl="1"/>
+            <a:r>
+              <a:rPr lang="en-US" sz="1500" dirty="0"/>
+              <a:t>Looking at months outside of fall, horror films release dates are more in the spring and summer seasons.</a:t>
+            </a:r>
+          </a:p>
+        </p:txBody>
+      </p:sp>
+      <p:sp>
+        <p:nvSpPr>
+          <p:cNvPr id="6" name="Text Placeholder 5">
+            <a:extLst>
+              <a:ext uri="{FF2B5EF4-FFF2-40B4-BE49-F238E27FC236}">
+                <a16:creationId xmlns:a16="http://schemas.microsoft.com/office/drawing/2014/main" id="{5ED8106C-A48E-D96E-45DD-65BC1D1610E5}"/>
+              </a:ext>
+            </a:extLst>
+          </p:cNvPr>
+          <p:cNvSpPr>
+            <a:spLocks noGrp="1"/>
+          </p:cNvSpPr>
+          <p:nvPr>
+            <p:ph type="body" sz="quarter" idx="3"/>
+          </p:nvPr>
+        </p:nvSpPr>
+        <p:spPr/>
+        <p:txBody>
+          <a:bodyPr/>
+          <a:lstStyle/>
+          <a:p>
+            <a:endParaRPr lang="en-US"/>
+          </a:p>
+        </p:txBody>
+      </p:sp>
+      <p:pic>
+        <p:nvPicPr>
+          <p:cNvPr id="9" name="Content Placeholder 8" descr="Chart, bar chart, histogram&#10;&#10;Description automatically generated">
+            <a:extLst>
+              <a:ext uri="{FF2B5EF4-FFF2-40B4-BE49-F238E27FC236}">
+                <a16:creationId xmlns:a16="http://schemas.microsoft.com/office/drawing/2014/main" id="{CCC19BFE-EE6F-B8F7-62C7-066363697D05}"/>
+              </a:ext>
+            </a:extLst>
+          </p:cNvPr>
+          <p:cNvPicPr>
+            <a:picLocks noGrp="1" noChangeAspect="1"/>
+          </p:cNvPicPr>
+          <p:nvPr>
+            <p:ph sz="quarter" idx="4"/>
+          </p:nvPr>
+        </p:nvPicPr>
+        <p:blipFill>
+          <a:blip r:embed="rId2"/>
+          <a:stretch>
+            <a:fillRect/>
+          </a:stretch>
+        </p:blipFill>
+        <p:spPr>
+          <a:xfrm>
+            <a:off x="5986147" y="2485623"/>
+            <a:ext cx="6205853" cy="4011769"/>
+          </a:xfrm>
+        </p:spPr>
+      </p:pic>
+    </p:spTree>
+    <p:extLst>
+      <p:ext uri="{BB962C8B-B14F-4D97-AF65-F5344CB8AC3E}">
+        <p14:creationId xmlns:p14="http://schemas.microsoft.com/office/powerpoint/2010/main" val="3118423913"/>
+      </p:ext>
+    </p:extLst>
+  </p:cSld>
+  <p:clrMapOvr>
+    <a:masterClrMapping/>
+  </p:clrMapOvr>
+</p:sld>
+</file>
+
+<file path=ppt/slides/slide6.xml><?xml version="1.0" encoding="utf-8"?>
+<p:sld xmlns:a="http://schemas.openxmlformats.org/drawingml/2006/main" xmlns:r="http://schemas.openxmlformats.org/officeDocument/2006/relationships" xmlns:p="http://schemas.openxmlformats.org/presentationml/2006/main">
+  <p:cSld>
+    <p:spTree>
+      <p:nvGrpSpPr>
+        <p:cNvPr id="1" name=""/>
+        <p:cNvGrpSpPr/>
+        <p:nvPr/>
+      </p:nvGrpSpPr>
+      <p:grpSpPr>
+        <a:xfrm>
+          <a:off x="0" y="0"/>
+          <a:ext cx="0" cy="0"/>
+          <a:chOff x="0" y="0"/>
+          <a:chExt cx="0" cy="0"/>
+        </a:xfrm>
+      </p:grpSpPr>
+      <p:sp>
+        <p:nvSpPr>
+          <p:cNvPr id="2" name="Title 1">
+            <a:extLst>
+              <a:ext uri="{FF2B5EF4-FFF2-40B4-BE49-F238E27FC236}">
+                <a16:creationId xmlns:a16="http://schemas.microsoft.com/office/drawing/2014/main" id="{0AB70348-5C42-90FE-8E85-CD473E437C99}"/>
+              </a:ext>
+            </a:extLst>
+          </p:cNvPr>
+          <p:cNvSpPr>
+            <a:spLocks noGrp="1"/>
+          </p:cNvSpPr>
+          <p:nvPr>
+            <p:ph type="title"/>
+          </p:nvPr>
+        </p:nvSpPr>
+        <p:spPr/>
+        <p:txBody>
+          <a:bodyPr/>
+          <a:lstStyle/>
+          <a:p>
+            <a:r>
+              <a:rPr lang="en-US" dirty="0">
+                <a:latin typeface="Simplified Arabic Fixed" panose="02070309020205020404" pitchFamily="49" charset="-78"/>
+                <a:cs typeface="Simplified Arabic Fixed" panose="02070309020205020404" pitchFamily="49" charset="-78"/>
+              </a:rPr>
+              <a:t>Release Date Analysis: Question 2</a:t>
+            </a:r>
+          </a:p>
+        </p:txBody>
+      </p:sp>
+      <p:pic>
+        <p:nvPicPr>
+          <p:cNvPr id="14" name="Picture 13" descr="Chart, histogram&#10;&#10;Description automatically generated">
+            <a:extLst>
+              <a:ext uri="{FF2B5EF4-FFF2-40B4-BE49-F238E27FC236}">
+                <a16:creationId xmlns:a16="http://schemas.microsoft.com/office/drawing/2014/main" id="{2976152C-0BD3-6A91-F517-3E7A17725B00}"/>
+              </a:ext>
+            </a:extLst>
+          </p:cNvPr>
+          <p:cNvPicPr>
+            <a:picLocks noChangeAspect="1"/>
+          </p:cNvPicPr>
+          <p:nvPr/>
+        </p:nvPicPr>
+        <p:blipFill rotWithShape="1">
+          <a:blip r:embed="rId2"/>
+          <a:srcRect l="209" t="5026" r="209" b="3765"/>
+          <a:stretch/>
+        </p:blipFill>
+        <p:spPr>
+          <a:xfrm>
+            <a:off x="-1" y="0"/>
+            <a:ext cx="12177481" cy="6263640"/>
+          </a:xfrm>
+          <a:prstGeom prst="rect">
+            <a:avLst/>
+          </a:prstGeom>
+        </p:spPr>
+      </p:pic>
+    </p:spTree>
+    <p:extLst>
+      <p:ext uri="{BB962C8B-B14F-4D97-AF65-F5344CB8AC3E}">
+        <p14:creationId xmlns:p14="http://schemas.microsoft.com/office/powerpoint/2010/main" val="1138483845"/>
+      </p:ext>
+    </p:extLst>
+  </p:cSld>
+  <p:clrMapOvr>
+    <a:masterClrMapping/>
+  </p:clrMapOvr>
+</p:sld>
+</file>
+
+<file path=ppt/slides/slide7.xml><?xml version="1.0" encoding="utf-8"?>
+<p:sld xmlns:a="http://schemas.openxmlformats.org/drawingml/2006/main" xmlns:r="http://schemas.openxmlformats.org/officeDocument/2006/relationships" xmlns:p="http://schemas.openxmlformats.org/presentationml/2006/main">
+  <p:cSld>
+    <p:bg>
+      <p:bgPr>
+        <a:solidFill>
+          <a:schemeClr val="bg1"/>
+        </a:solidFill>
+        <a:effectLst/>
+      </p:bgPr>
+    </p:bg>
+    <p:spTree>
+      <p:nvGrpSpPr>
+        <p:cNvPr id="1" name=""/>
+        <p:cNvGrpSpPr/>
+        <p:nvPr/>
+      </p:nvGrpSpPr>
+      <p:grpSpPr>
+        <a:xfrm>
+          <a:off x="0" y="0"/>
+          <a:ext cx="0" cy="0"/>
+          <a:chOff x="0" y="0"/>
+          <a:chExt cx="0" cy="0"/>
+        </a:xfrm>
+      </p:grpSpPr>
+      <p:sp>
+        <p:nvSpPr>
+          <p:cNvPr id="2" name="Title 1">
+            <a:extLst>
+              <a:ext uri="{FF2B5EF4-FFF2-40B4-BE49-F238E27FC236}">
+                <a16:creationId xmlns:a16="http://schemas.microsoft.com/office/drawing/2014/main" id="{62996E13-90E2-C085-109D-9CB4B9409557}"/>
+              </a:ext>
+            </a:extLst>
+          </p:cNvPr>
+          <p:cNvSpPr>
+            <a:spLocks noGrp="1"/>
+          </p:cNvSpPr>
+          <p:nvPr>
+            <p:ph type="title"/>
+          </p:nvPr>
+        </p:nvSpPr>
+        <p:spPr>
+          <a:xfrm>
+            <a:off x="1154954" y="947920"/>
+            <a:ext cx="8761413" cy="728480"/>
+          </a:xfrm>
+        </p:spPr>
+        <p:txBody>
+          <a:bodyPr>
+            <a:normAutofit/>
+          </a:bodyPr>
+          <a:lstStyle/>
+          <a:p>
+            <a:r>
+              <a:rPr lang="en-US" dirty="0">
+                <a:latin typeface="Simplified Arabic Fixed" panose="02070309020205020404" pitchFamily="49" charset="-78"/>
+                <a:cs typeface="Simplified Arabic Fixed" panose="02070309020205020404" pitchFamily="49" charset="-78"/>
+              </a:rPr>
+              <a:t>Rating Analysis: Question 1</a:t>
+            </a:r>
+          </a:p>
+        </p:txBody>
+      </p:sp>
+      <p:sp>
+        <p:nvSpPr>
+          <p:cNvPr id="3" name="Content Placeholder 2">
+            <a:extLst>
+              <a:ext uri="{FF2B5EF4-FFF2-40B4-BE49-F238E27FC236}">
+                <a16:creationId xmlns:a16="http://schemas.microsoft.com/office/drawing/2014/main" id="{57505223-4AEB-2246-ACA4-BBD7BED52E1B}"/>
+              </a:ext>
+            </a:extLst>
+          </p:cNvPr>
+          <p:cNvSpPr>
+            <a:spLocks noGrp="1"/>
+          </p:cNvSpPr>
+          <p:nvPr>
+            <p:ph idx="1"/>
+          </p:nvPr>
+        </p:nvSpPr>
+        <p:spPr>
+          <a:xfrm>
+            <a:off x="1154954" y="2603500"/>
+            <a:ext cx="4458195" cy="3416300"/>
+          </a:xfrm>
+        </p:spPr>
+        <p:txBody>
+          <a:bodyPr anchor="ctr">
+            <a:normAutofit fontScale="92500" lnSpcReduction="20000"/>
+          </a:bodyPr>
+          <a:lstStyle/>
+          <a:p>
+            <a:endParaRPr lang="en-US" dirty="0"/>
+          </a:p>
+          <a:p>
+            <a:endParaRPr lang="en-US" dirty="0"/>
+          </a:p>
+          <a:p>
+            <a:endParaRPr lang="en-US" dirty="0"/>
+          </a:p>
+          <a:p>
+            <a:r>
+              <a:rPr lang="en-US" dirty="0"/>
+              <a:t>What is the coloration between review rating and run time?</a:t>
+            </a:r>
+          </a:p>
+          <a:p>
+            <a:pPr lvl="1"/>
+            <a:r>
+              <a:rPr lang="en-US" dirty="0"/>
+              <a:t>There is a weak coloration between review rating and movie run time. </a:t>
+            </a:r>
+          </a:p>
+          <a:p>
+            <a:pPr lvl="1"/>
+            <a:r>
+              <a:rPr lang="en-US" dirty="0"/>
+              <a:t>From the r2 value we can also see the data does not fit the line well. </a:t>
+            </a:r>
+          </a:p>
+          <a:p>
+            <a:pPr lvl="1"/>
+            <a:r>
+              <a:rPr lang="en-US" dirty="0"/>
+              <a:t>From the data given we can note the movie run time drops off with a rating above 8. </a:t>
+            </a:r>
+          </a:p>
+          <a:p>
+            <a:endParaRPr lang="en-US" dirty="0"/>
+          </a:p>
+          <a:p>
+            <a:pPr marL="0" indent="0">
+              <a:buNone/>
+            </a:pPr>
+            <a:endParaRPr lang="en-US" dirty="0"/>
+          </a:p>
+          <a:p>
+            <a:pPr lvl="1"/>
+            <a:endParaRPr lang="en-US" dirty="0"/>
+          </a:p>
+          <a:p>
+            <a:endParaRPr lang="en-US" dirty="0"/>
+          </a:p>
+        </p:txBody>
+      </p:sp>
+      <p:pic>
+        <p:nvPicPr>
+          <p:cNvPr id="5" name="Picture 4">
+            <a:extLst>
+              <a:ext uri="{FF2B5EF4-FFF2-40B4-BE49-F238E27FC236}">
+                <a16:creationId xmlns:a16="http://schemas.microsoft.com/office/drawing/2014/main" id="{CCACB0B4-117B-FAC8-D6BF-FD9D13D0250C}"/>
+              </a:ext>
+            </a:extLst>
+          </p:cNvPr>
+          <p:cNvPicPr>
+            <a:picLocks noChangeAspect="1"/>
+          </p:cNvPicPr>
+          <p:nvPr/>
+        </p:nvPicPr>
+        <p:blipFill>
+          <a:blip r:embed="rId2"/>
+          <a:stretch>
+            <a:fillRect/>
+          </a:stretch>
+        </p:blipFill>
+        <p:spPr>
+          <a:xfrm>
+            <a:off x="6258962" y="2603500"/>
+            <a:ext cx="5275153" cy="3824484"/>
+          </a:xfrm>
+          <a:prstGeom prst="roundRect">
+            <a:avLst>
+              <a:gd name="adj" fmla="val 1858"/>
+            </a:avLst>
+          </a:prstGeom>
+          <a:effectLst>
+            <a:outerShdw blurRad="50800" dist="50800" dir="5400000" algn="tl" rotWithShape="0">
+              <a:srgbClr val="000000">
+                <a:alpha val="43000"/>
+              </a:srgbClr>
+            </a:outerShdw>
+          </a:effectLst>
+        </p:spPr>
+      </p:pic>
+    </p:spTree>
+    <p:extLst>
+      <p:ext uri="{BB962C8B-B14F-4D97-AF65-F5344CB8AC3E}">
+        <p14:creationId xmlns:p14="http://schemas.microsoft.com/office/powerpoint/2010/main" val="2806684166"/>
+      </p:ext>
+    </p:extLst>
+  </p:cSld>
+  <p:clrMapOvr>
+    <a:masterClrMapping/>
+  </p:clrMapOvr>
+</p:sld>
+</file>
+
+<file path=ppt/slides/slide8.xml><?xml version="1.0" encoding="utf-8"?>
+<p:sld xmlns:a="http://schemas.openxmlformats.org/drawingml/2006/main" xmlns:r="http://schemas.openxmlformats.org/officeDocument/2006/relationships" xmlns:p="http://schemas.openxmlformats.org/presentationml/2006/main">
+  <p:cSld>
+    <p:spTree>
+      <p:nvGrpSpPr>
+        <p:cNvPr id="1" name=""/>
+        <p:cNvGrpSpPr/>
+        <p:nvPr/>
+      </p:nvGrpSpPr>
+      <p:grpSpPr>
+        <a:xfrm>
+          <a:off x="0" y="0"/>
+          <a:ext cx="0" cy="0"/>
+          <a:chOff x="0" y="0"/>
+          <a:chExt cx="0" cy="0"/>
+        </a:xfrm>
+      </p:grpSpPr>
+      <p:sp>
+        <p:nvSpPr>
+          <p:cNvPr id="2" name="Title 1">
+            <a:extLst>
+              <a:ext uri="{FF2B5EF4-FFF2-40B4-BE49-F238E27FC236}">
+                <a16:creationId xmlns:a16="http://schemas.microsoft.com/office/drawing/2014/main" id="{62996E13-90E2-C085-109D-9CB4B9409557}"/>
+              </a:ext>
+            </a:extLst>
+          </p:cNvPr>
+          <p:cNvSpPr>
+            <a:spLocks noGrp="1"/>
+          </p:cNvSpPr>
+          <p:nvPr>
+            <p:ph type="title"/>
+          </p:nvPr>
+        </p:nvSpPr>
+        <p:spPr>
+          <a:xfrm>
+            <a:off x="1154954" y="947920"/>
+            <a:ext cx="8761413" cy="728480"/>
+          </a:xfrm>
+        </p:spPr>
+        <p:txBody>
+          <a:bodyPr>
+            <a:normAutofit/>
+          </a:bodyPr>
+          <a:lstStyle/>
+          <a:p>
+            <a:r>
+              <a:rPr lang="en-US" dirty="0">
+                <a:latin typeface="Simplified Arabic Fixed" panose="02070309020205020404" pitchFamily="49" charset="-78"/>
+                <a:cs typeface="Simplified Arabic Fixed" panose="02070309020205020404" pitchFamily="49" charset="-78"/>
+              </a:rPr>
+              <a:t>Rating Analysis: Question 2</a:t>
+            </a:r>
+          </a:p>
+        </p:txBody>
+      </p:sp>
+      <p:sp>
+        <p:nvSpPr>
+          <p:cNvPr id="3" name="Content Placeholder 2">
+            <a:extLst>
+              <a:ext uri="{FF2B5EF4-FFF2-40B4-BE49-F238E27FC236}">
+                <a16:creationId xmlns:a16="http://schemas.microsoft.com/office/drawing/2014/main" id="{57505223-4AEB-2246-ACA4-BBD7BED52E1B}"/>
+              </a:ext>
+            </a:extLst>
+          </p:cNvPr>
+          <p:cNvSpPr>
+            <a:spLocks noGrp="1"/>
+          </p:cNvSpPr>
+          <p:nvPr>
+            <p:ph idx="1"/>
+          </p:nvPr>
+        </p:nvSpPr>
+        <p:spPr>
+          <a:xfrm>
+            <a:off x="1154954" y="2603500"/>
+            <a:ext cx="4458195" cy="3416300"/>
+          </a:xfrm>
+        </p:spPr>
+        <p:txBody>
+          <a:bodyPr anchor="ctr">
+            <a:normAutofit lnSpcReduction="10000"/>
+          </a:bodyPr>
+          <a:lstStyle/>
+          <a:p>
+            <a:endParaRPr lang="en-US" dirty="0"/>
+          </a:p>
+          <a:p>
+            <a:endParaRPr lang="en-US" dirty="0"/>
+          </a:p>
+          <a:p>
+            <a:r>
+              <a:rPr lang="en-US" dirty="0"/>
+              <a:t>Is there a significant difference between review ratings based on the location setting? </a:t>
+            </a:r>
+          </a:p>
+          <a:p>
+            <a:pPr lvl="1"/>
+            <a:r>
+              <a:rPr lang="en-US" dirty="0"/>
+              <a:t>From this chart we can determine municipalities and towns tend to have higher ratings but are not significantly ahead.  </a:t>
+            </a:r>
+          </a:p>
+          <a:p>
+            <a:pPr lvl="1"/>
+            <a:r>
+              <a:rPr lang="en-US" dirty="0"/>
+              <a:t>Hamlets on the other hand are not the best setting for </a:t>
+            </a:r>
+            <a:r>
+              <a:rPr lang="en-US"/>
+              <a:t>horror movies</a:t>
+            </a:r>
+            <a:endParaRPr lang="en-US" dirty="0"/>
+          </a:p>
+          <a:p>
+            <a:pPr lvl="1"/>
+            <a:endParaRPr lang="en-US" dirty="0"/>
+          </a:p>
+          <a:p>
+            <a:endParaRPr lang="en-US" dirty="0"/>
+          </a:p>
+        </p:txBody>
+      </p:sp>
+      <p:pic>
+        <p:nvPicPr>
+          <p:cNvPr id="6" name="Picture 5">
+            <a:extLst>
+              <a:ext uri="{FF2B5EF4-FFF2-40B4-BE49-F238E27FC236}">
+                <a16:creationId xmlns:a16="http://schemas.microsoft.com/office/drawing/2014/main" id="{F0CAAF1C-CB2C-BAD0-6D2D-1AF37EE85E21}"/>
+              </a:ext>
+            </a:extLst>
+          </p:cNvPr>
+          <p:cNvPicPr>
+            <a:picLocks noChangeAspect="1"/>
+          </p:cNvPicPr>
+          <p:nvPr/>
+        </p:nvPicPr>
+        <p:blipFill>
+          <a:blip r:embed="rId2"/>
+          <a:stretch>
+            <a:fillRect/>
+          </a:stretch>
+        </p:blipFill>
+        <p:spPr>
+          <a:xfrm>
+            <a:off x="6578853" y="2414538"/>
+            <a:ext cx="4257706" cy="3533801"/>
+          </a:xfrm>
+          <a:prstGeom prst="rect">
+            <a:avLst/>
+          </a:prstGeom>
+        </p:spPr>
+      </p:pic>
+    </p:spTree>
+    <p:extLst>
+      <p:ext uri="{BB962C8B-B14F-4D97-AF65-F5344CB8AC3E}">
+        <p14:creationId xmlns:p14="http://schemas.microsoft.com/office/powerpoint/2010/main" val="1529015736"/>
+      </p:ext>
+    </p:extLst>
+  </p:cSld>
+  <p:clrMapOvr>
+    <a:masterClrMapping/>
+  </p:clrMapOvr>
+</p:sld>
+</file>
+
+<file path=ppt/slides/slide9.xml><?xml version="1.0" encoding="utf-8"?>
+<p:sld xmlns:a="http://schemas.openxmlformats.org/drawingml/2006/main" xmlns:r="http://schemas.openxmlformats.org/officeDocument/2006/relationships" xmlns:p="http://schemas.openxmlformats.org/presentationml/2006/main">
+  <p:cSld>
+    <p:bg>
+      <p:bgPr>
+        <a:solidFill>
+          <a:schemeClr val="bg1"/>
+        </a:solidFill>
+        <a:effectLst/>
+      </p:bgPr>
+    </p:bg>
+    <p:spTree>
+      <p:nvGrpSpPr>
+        <p:cNvPr id="1" name=""/>
+        <p:cNvGrpSpPr/>
+        <p:nvPr/>
+      </p:nvGrpSpPr>
+      <p:grpSpPr>
+        <a:xfrm>
+          <a:off x="0" y="0"/>
+          <a:ext cx="0" cy="0"/>
+          <a:chOff x="0" y="0"/>
+          <a:chExt cx="0" cy="0"/>
+        </a:xfrm>
+      </p:grpSpPr>
+      <p:sp>
+        <p:nvSpPr>
+          <p:cNvPr id="2" name="Title 1">
+            <a:extLst>
+              <a:ext uri="{FF2B5EF4-FFF2-40B4-BE49-F238E27FC236}">
+                <a16:creationId xmlns:a16="http://schemas.microsoft.com/office/drawing/2014/main" id="{62996E13-90E2-C085-109D-9CB4B9409557}"/>
+              </a:ext>
+            </a:extLst>
+          </p:cNvPr>
+          <p:cNvSpPr>
+            <a:spLocks noGrp="1"/>
+          </p:cNvSpPr>
+          <p:nvPr>
+            <p:ph type="title"/>
+          </p:nvPr>
+        </p:nvSpPr>
+        <p:spPr>
+          <a:xfrm>
+            <a:off x="1154954" y="947920"/>
+            <a:ext cx="8761413" cy="728480"/>
+          </a:xfrm>
+        </p:spPr>
+        <p:txBody>
+          <a:bodyPr>
+            <a:normAutofit/>
+          </a:bodyPr>
+          <a:lstStyle/>
+          <a:p>
+            <a:r>
+              <a:rPr lang="en-US" dirty="0">
+                <a:latin typeface="Simplified Arabic Fixed" panose="02070309020205020404" pitchFamily="49" charset="-78"/>
+                <a:cs typeface="Simplified Arabic Fixed" panose="02070309020205020404" pitchFamily="49" charset="-78"/>
+              </a:rPr>
+              <a:t>Country Analysis: Question 1</a:t>
+            </a:r>
+          </a:p>
+        </p:txBody>
+      </p:sp>
+      <p:sp>
+        <p:nvSpPr>
+          <p:cNvPr id="3" name="Content Placeholder 2">
+            <a:extLst>
+              <a:ext uri="{FF2B5EF4-FFF2-40B4-BE49-F238E27FC236}">
+                <a16:creationId xmlns:a16="http://schemas.microsoft.com/office/drawing/2014/main" id="{57505223-4AEB-2246-ACA4-BBD7BED52E1B}"/>
+              </a:ext>
+            </a:extLst>
+          </p:cNvPr>
+          <p:cNvSpPr>
+            <a:spLocks noGrp="1"/>
+          </p:cNvSpPr>
+          <p:nvPr>
+            <p:ph idx="1"/>
+          </p:nvPr>
+        </p:nvSpPr>
+        <p:spPr>
+          <a:xfrm>
+            <a:off x="1154954" y="2603500"/>
+            <a:ext cx="4941045" cy="3416300"/>
+          </a:xfrm>
+        </p:spPr>
+        <p:txBody>
+          <a:bodyPr anchor="ctr">
+            <a:normAutofit/>
+          </a:bodyPr>
+          <a:lstStyle/>
+          <a:p>
+            <a:r>
+              <a:rPr lang="en-US" sz="1600" dirty="0"/>
+              <a:t>What country spends the most on average per movie?</a:t>
+            </a:r>
+          </a:p>
+          <a:p>
+            <a:pPr lvl="1"/>
+            <a:r>
+              <a:rPr lang="en-US" sz="1400" dirty="0"/>
+              <a:t>There were over 70 countries in the data set, but not all the movies had budget data</a:t>
+            </a:r>
+          </a:p>
+          <a:p>
+            <a:pPr lvl="1"/>
+            <a:r>
+              <a:rPr lang="en-US" sz="1400" dirty="0"/>
+              <a:t>The data was cleaned to only include countries with 10 or more movies and only include movies with a US currency budget amount</a:t>
+            </a:r>
+          </a:p>
+          <a:p>
+            <a:pPr lvl="1"/>
+            <a:endParaRPr lang="en-US" sz="1400" dirty="0"/>
+          </a:p>
+        </p:txBody>
+      </p:sp>
+      <p:pic>
+        <p:nvPicPr>
+          <p:cNvPr id="4" name="Picture 3">
+            <a:extLst>
+              <a:ext uri="{FF2B5EF4-FFF2-40B4-BE49-F238E27FC236}">
+                <a16:creationId xmlns:a16="http://schemas.microsoft.com/office/drawing/2014/main" id="{A248A11E-98C8-7242-8CE6-58A9A6548D2E}"/>
+              </a:ext>
+            </a:extLst>
+          </p:cNvPr>
+          <p:cNvPicPr>
+            <a:picLocks noChangeAspect="1"/>
+          </p:cNvPicPr>
+          <p:nvPr/>
+        </p:nvPicPr>
+        <p:blipFill>
+          <a:blip r:embed="rId2"/>
+          <a:stretch>
+            <a:fillRect/>
+          </a:stretch>
+        </p:blipFill>
+        <p:spPr>
+          <a:xfrm>
+            <a:off x="6518235" y="2603500"/>
+            <a:ext cx="5214199" cy="3306580"/>
+          </a:xfrm>
+          <a:prstGeom prst="roundRect">
+            <a:avLst>
+              <a:gd name="adj" fmla="val 1858"/>
+            </a:avLst>
+          </a:prstGeom>
+          <a:effectLst>
+            <a:outerShdw blurRad="50800" dist="50800" dir="5400000" algn="tl" rotWithShape="0">
+              <a:srgbClr val="000000">
+                <a:alpha val="43000"/>
+              </a:srgbClr>
+            </a:outerShdw>
+          </a:effectLst>
+        </p:spPr>
+      </p:pic>
+    </p:spTree>
+    <p:extLst>
+      <p:ext uri="{BB962C8B-B14F-4D97-AF65-F5344CB8AC3E}">
+        <p14:creationId xmlns:p14="http://schemas.microsoft.com/office/powerpoint/2010/main" val="1068830328"/>
+      </p:ext>
+    </p:extLst>
+  </p:cSld>
+  <p:clrMapOvr>
+    <a:masterClrMapping/>
+  </p:clrMapOvr>
+</p:sld>
+</file>
+
 <file path=ppt/theme/theme1.xml><?xml version="1.0" encoding="utf-8"?>
 <a:theme xmlns:a="http://schemas.openxmlformats.org/drawingml/2006/main" name="Ion Boardroom">
   <a:themeElements>
@@ -18366,4 +19242,299 @@
     </a:ext>
   </a:extLst>
 </a:theme>
+</file>
+
+<file path=ppt/theme/theme2.xml><?xml version="1.0" encoding="utf-8"?>
+<a:theme xmlns:a="http://schemas.openxmlformats.org/drawingml/2006/main" name="Office Theme">
+  <a:themeElements>
+    <a:clrScheme name="Office">
+      <a:dk1>
+        <a:sysClr val="windowText" lastClr="000000"/>
+      </a:dk1>
+      <a:lt1>
+        <a:sysClr val="window" lastClr="FFFFFF"/>
+      </a:lt1>
+      <a:dk2>
+        <a:srgbClr val="44546A"/>
+      </a:dk2>
+      <a:lt2>
+        <a:srgbClr val="E7E6E6"/>
+      </a:lt2>
+      <a:accent1>
+        <a:srgbClr val="4472C4"/>
+      </a:accent1>
+      <a:accent2>
+        <a:srgbClr val="ED7D31"/>
+      </a:accent2>
+      <a:accent3>
+        <a:srgbClr val="A5A5A5"/>
+      </a:accent3>
+      <a:accent4>
+        <a:srgbClr val="FFC000"/>
+      </a:accent4>
+      <a:accent5>
+        <a:srgbClr val="5B9BD5"/>
+      </a:accent5>
+      <a:accent6>
+        <a:srgbClr val="70AD47"/>
+      </a:accent6>
+      <a:hlink>
+        <a:srgbClr val="0563C1"/>
+      </a:hlink>
+      <a:folHlink>
+        <a:srgbClr val="954F72"/>
+      </a:folHlink>
+    </a:clrScheme>
+    <a:fontScheme name="Office">
+      <a:majorFont>
+        <a:latin typeface="Calibri Light" panose="020F0302020204030204"/>
+        <a:ea typeface=""/>
+        <a:cs typeface=""/>
+        <a:font script="Jpan" typeface="游ゴシック Light"/>
+        <a:font script="Hang" typeface="맑은 고딕"/>
+        <a:font script="Hans" typeface="等线 Light"/>
+        <a:font script="Hant" typeface="新細明體"/>
+        <a:font script="Arab" typeface="Times New Roman"/>
+        <a:font script="Hebr" typeface="Times New Roman"/>
+        <a:font script="Thai" typeface="Angsana New"/>
+        <a:font script="Ethi" typeface="Nyala"/>
+        <a:font script="Beng" typeface="Vrinda"/>
+        <a:font script="Gujr" typeface="Shruti"/>
+        <a:font script="Khmr" typeface="MoolBoran"/>
+        <a:font script="Knda" typeface="Tunga"/>
+        <a:font script="Guru" typeface="Raavi"/>
+        <a:font script="Cans" typeface="Euphemia"/>
+        <a:font script="Cher" typeface="Plantagenet Cherokee"/>
+        <a:font script="Yiii" typeface="Microsoft Yi Baiti"/>
+        <a:font script="Tibt" typeface="Microsoft Himalaya"/>
+        <a:font script="Thaa" typeface="MV Boli"/>
+        <a:font script="Deva" typeface="Mangal"/>
+        <a:font script="Telu" typeface="Gautami"/>
+        <a:font script="Taml" typeface="Latha"/>
+        <a:font script="Syrc" typeface="Estrangelo Edessa"/>
+        <a:font script="Orya" typeface="Kalinga"/>
+        <a:font script="Mlym" typeface="Kartika"/>
+        <a:font script="Laoo" typeface="DokChampa"/>
+        <a:font script="Sinh" typeface="Iskoola Pota"/>
+        <a:font script="Mong" typeface="Mongolian Baiti"/>
+        <a:font script="Viet" typeface="Times New Roman"/>
+        <a:font script="Uigh" typeface="Microsoft Uighur"/>
+        <a:font script="Geor" typeface="Sylfaen"/>
+        <a:font script="Armn" typeface="Arial"/>
+        <a:font script="Bugi" typeface="Leelawadee UI"/>
+        <a:font script="Bopo" typeface="Microsoft JhengHei"/>
+        <a:font script="Java" typeface="Javanese Text"/>
+        <a:font script="Lisu" typeface="Segoe UI"/>
+        <a:font script="Mymr" typeface="Myanmar Text"/>
+        <a:font script="Nkoo" typeface="Ebrima"/>
+        <a:font script="Olck" typeface="Nirmala UI"/>
+        <a:font script="Osma" typeface="Ebrima"/>
+        <a:font script="Phag" typeface="Phagspa"/>
+        <a:font script="Syrn" typeface="Estrangelo Edessa"/>
+        <a:font script="Syrj" typeface="Estrangelo Edessa"/>
+        <a:font script="Syre" typeface="Estrangelo Edessa"/>
+        <a:font script="Sora" typeface="Nirmala UI"/>
+        <a:font script="Tale" typeface="Microsoft Tai Le"/>
+        <a:font script="Talu" typeface="Microsoft New Tai Lue"/>
+        <a:font script="Tfng" typeface="Ebrima"/>
+      </a:majorFont>
+      <a:minorFont>
+        <a:latin typeface="Calibri" panose="020F0502020204030204"/>
+        <a:ea typeface=""/>
+        <a:cs typeface=""/>
+        <a:font script="Jpan" typeface="游ゴシック"/>
+        <a:font script="Hang" typeface="맑은 고딕"/>
+        <a:font script="Hans" typeface="等线"/>
+        <a:font script="Hant" typeface="新細明體"/>
+        <a:font script="Arab" typeface="Arial"/>
+        <a:font script="Hebr" typeface="Arial"/>
+        <a:font script="Thai" typeface="Cordia New"/>
+        <a:font script="Ethi" typeface="Nyala"/>
+        <a:font script="Beng" typeface="Vrinda"/>
+        <a:font script="Gujr" typeface="Shruti"/>
+        <a:font script="Khmr" typeface="DaunPenh"/>
+        <a:font script="Knda" typeface="Tunga"/>
+        <a:font script="Guru" typeface="Raavi"/>
+        <a:font script="Cans" typeface="Euphemia"/>
+        <a:font script="Cher" typeface="Plantagenet Cherokee"/>
+        <a:font script="Yiii" typeface="Microsoft Yi Baiti"/>
+        <a:font script="Tibt" typeface="Microsoft Himalaya"/>
+        <a:font script="Thaa" typeface="MV Boli"/>
+        <a:font script="Deva" typeface="Mangal"/>
+        <a:font script="Telu" typeface="Gautami"/>
+        <a:font script="Taml" typeface="Latha"/>
+        <a:font script="Syrc" typeface="Estrangelo Edessa"/>
+        <a:font script="Orya" typeface="Kalinga"/>
+        <a:font script="Mlym" typeface="Kartika"/>
+        <a:font script="Laoo" typeface="DokChampa"/>
+        <a:font script="Sinh" typeface="Iskoola Pota"/>
+        <a:font script="Mong" typeface="Mongolian Baiti"/>
+        <a:font script="Viet" typeface="Arial"/>
+        <a:font script="Uigh" typeface="Microsoft Uighur"/>
+        <a:font script="Geor" typeface="Sylfaen"/>
+        <a:font script="Armn" typeface="Arial"/>
+        <a:font script="Bugi" typeface="Leelawadee UI"/>
+        <a:font script="Bopo" typeface="Microsoft JhengHei"/>
+        <a:font script="Java" typeface="Javanese Text"/>
+        <a:font script="Lisu" typeface="Segoe UI"/>
+        <a:font script="Mymr" typeface="Myanmar Text"/>
+        <a:font script="Nkoo" typeface="Ebrima"/>
+        <a:font script="Olck" typeface="Nirmala UI"/>
+        <a:font script="Osma" typeface="Ebrima"/>
+        <a:font script="Phag" typeface="Phagspa"/>
+        <a:font script="Syrn" typeface="Estrangelo Edessa"/>
+        <a:font script="Syrj" typeface="Estrangelo Edessa"/>
+        <a:font script="Syre" typeface="Estrangelo Edessa"/>
+        <a:font script="Sora" typeface="Nirmala UI"/>
+        <a:font script="Tale" typeface="Microsoft Tai Le"/>
+        <a:font script="Talu" typeface="Microsoft New Tai Lue"/>
+        <a:font script="Tfng" typeface="Ebrima"/>
+      </a:minorFont>
+    </a:fontScheme>
+    <a:fmtScheme name="Office">
+      <a:fillStyleLst>
+        <a:solidFill>
+          <a:schemeClr val="phClr"/>
+        </a:solidFill>
+        <a:gradFill rotWithShape="1">
+          <a:gsLst>
+            <a:gs pos="0">
+              <a:schemeClr val="phClr">
+                <a:lumMod val="110000"/>
+                <a:satMod val="105000"/>
+                <a:tint val="67000"/>
+              </a:schemeClr>
+            </a:gs>
+            <a:gs pos="50000">
+              <a:schemeClr val="phClr">
+                <a:lumMod val="105000"/>
+                <a:satMod val="103000"/>
+                <a:tint val="73000"/>
+              </a:schemeClr>
+            </a:gs>
+            <a:gs pos="100000">
+              <a:schemeClr val="phClr">
+                <a:lumMod val="105000"/>
+                <a:satMod val="109000"/>
+                <a:tint val="81000"/>
+              </a:schemeClr>
+            </a:gs>
+          </a:gsLst>
+          <a:lin ang="5400000" scaled="0"/>
+        </a:gradFill>
+        <a:gradFill rotWithShape="1">
+          <a:gsLst>
+            <a:gs pos="0">
+              <a:schemeClr val="phClr">
+                <a:satMod val="103000"/>
+                <a:lumMod val="102000"/>
+                <a:tint val="94000"/>
+              </a:schemeClr>
+            </a:gs>
+            <a:gs pos="50000">
+              <a:schemeClr val="phClr">
+                <a:satMod val="110000"/>
+                <a:lumMod val="100000"/>
+                <a:shade val="100000"/>
+              </a:schemeClr>
+            </a:gs>
+            <a:gs pos="100000">
+              <a:schemeClr val="phClr">
+                <a:lumMod val="99000"/>
+                <a:satMod val="120000"/>
+                <a:shade val="78000"/>
+              </a:schemeClr>
+            </a:gs>
+          </a:gsLst>
+          <a:lin ang="5400000" scaled="0"/>
+        </a:gradFill>
+      </a:fillStyleLst>
+      <a:lnStyleLst>
+        <a:ln w="6350" cap="flat" cmpd="sng" algn="ctr">
+          <a:solidFill>
+            <a:schemeClr val="phClr"/>
+          </a:solidFill>
+          <a:prstDash val="solid"/>
+          <a:miter lim="800000"/>
+        </a:ln>
+        <a:ln w="12700" cap="flat" cmpd="sng" algn="ctr">
+          <a:solidFill>
+            <a:schemeClr val="phClr"/>
+          </a:solidFill>
+          <a:prstDash val="solid"/>
+          <a:miter lim="800000"/>
+        </a:ln>
+        <a:ln w="19050" cap="flat" cmpd="sng" algn="ctr">
+          <a:solidFill>
+            <a:schemeClr val="phClr"/>
+          </a:solidFill>
+          <a:prstDash val="solid"/>
+          <a:miter lim="800000"/>
+        </a:ln>
+      </a:lnStyleLst>
+      <a:effectStyleLst>
+        <a:effectStyle>
+          <a:effectLst/>
+        </a:effectStyle>
+        <a:effectStyle>
+          <a:effectLst/>
+        </a:effectStyle>
+        <a:effectStyle>
+          <a:effectLst>
+            <a:outerShdw blurRad="57150" dist="19050" dir="5400000" algn="ctr" rotWithShape="0">
+              <a:srgbClr val="000000">
+                <a:alpha val="63000"/>
+              </a:srgbClr>
+            </a:outerShdw>
+          </a:effectLst>
+        </a:effectStyle>
+      </a:effectStyleLst>
+      <a:bgFillStyleLst>
+        <a:solidFill>
+          <a:schemeClr val="phClr"/>
+        </a:solidFill>
+        <a:solidFill>
+          <a:schemeClr val="phClr">
+            <a:tint val="95000"/>
+            <a:satMod val="170000"/>
+          </a:schemeClr>
+        </a:solidFill>
+        <a:gradFill rotWithShape="1">
+          <a:gsLst>
+            <a:gs pos="0">
+              <a:schemeClr val="phClr">
+                <a:tint val="93000"/>
+                <a:satMod val="150000"/>
+                <a:shade val="98000"/>
+                <a:lumMod val="102000"/>
+              </a:schemeClr>
+            </a:gs>
+            <a:gs pos="50000">
+              <a:schemeClr val="phClr">
+                <a:tint val="98000"/>
+                <a:satMod val="130000"/>
+                <a:shade val="90000"/>
+                <a:lumMod val="103000"/>
+              </a:schemeClr>
+            </a:gs>
+            <a:gs pos="100000">
+              <a:schemeClr val="phClr">
+                <a:shade val="63000"/>
+                <a:satMod val="120000"/>
+              </a:schemeClr>
+            </a:gs>
+          </a:gsLst>
+          <a:lin ang="5400000" scaled="0"/>
+        </a:gradFill>
+      </a:bgFillStyleLst>
+    </a:fmtScheme>
+  </a:themeElements>
+  <a:objectDefaults/>
+  <a:extraClrSchemeLst/>
+  <a:extLst>
+    <a:ext uri="{05A4C25C-085E-4340-85A3-A5531E510DB2}">
+      <thm15:themeFamily xmlns:thm15="http://schemas.microsoft.com/office/thememl/2012/main" name="Office Theme" id="{62F939B6-93AF-4DB8-9C6B-D6C7DFDC589F}" vid="{4A3C46E8-61CC-4603-A589-7422A47A8E4A}"/>
+    </a:ext>
+  </a:extLst>
+</a:theme>
 </file>
--- a/Horror_Movie_Trends_Project1_11142022_BC.pptx
+++ b/Horror_Movie_Trends_Project1_11142022_BC.pptx
@@ -10,9 +10,10 @@
     <p:sldId id="258" r:id="rId4"/>
     <p:sldId id="259" r:id="rId5"/>
     <p:sldId id="263" r:id="rId6"/>
-    <p:sldId id="260" r:id="rId7"/>
-    <p:sldId id="261" r:id="rId8"/>
-    <p:sldId id="264" r:id="rId9"/>
+    <p:sldId id="264" r:id="rId7"/>
+    <p:sldId id="260" r:id="rId8"/>
+    <p:sldId id="261" r:id="rId9"/>
+    <p:sldId id="265" r:id="rId10"/>
   </p:sldIdLst>
   <p:sldSz cx="12192000" cy="6858000"/>
   <p:notesSz cx="6858000" cy="9144000"/>
@@ -816,7 +817,7 @@
           <a:p>
             <a:fld id="{78ABE3C1-DBE1-495D-B57B-2849774B866A}" type="datetimeFigureOut">
               <a:rPr lang="en-US" smtClean="0"/>
-              <a:t>11/10/22</a:t>
+              <a:t>11/12/22</a:t>
             </a:fld>
             <a:endParaRPr lang="en-US" dirty="0"/>
           </a:p>
@@ -1977,7 +1978,7 @@
           <a:p>
             <a:fld id="{9D6E9DEC-419B-4CC5-A080-3B06BD5A8291}" type="datetimeFigureOut">
               <a:rPr lang="en-US" smtClean="0"/>
-              <a:t>11/10/22</a:t>
+              <a:t>11/12/22</a:t>
             </a:fld>
             <a:endParaRPr lang="en-US" dirty="0"/>
           </a:p>
@@ -3033,7 +3034,7 @@
           <a:p>
             <a:fld id="{9D6E9DEC-419B-4CC5-A080-3B06BD5A8291}" type="datetimeFigureOut">
               <a:rPr lang="en-US" smtClean="0"/>
-              <a:t>11/10/22</a:t>
+              <a:t>11/12/22</a:t>
             </a:fld>
             <a:endParaRPr lang="en-US" dirty="0"/>
           </a:p>
@@ -4248,7 +4249,7 @@
           <a:p>
             <a:fld id="{9D6E9DEC-419B-4CC5-A080-3B06BD5A8291}" type="datetimeFigureOut">
               <a:rPr lang="en-US" smtClean="0"/>
-              <a:t>11/10/22</a:t>
+              <a:t>11/12/22</a:t>
             </a:fld>
             <a:endParaRPr lang="en-US" dirty="0"/>
           </a:p>
@@ -5354,7 +5355,7 @@
           <a:p>
             <a:fld id="{9D6E9DEC-419B-4CC5-A080-3B06BD5A8291}" type="datetimeFigureOut">
               <a:rPr lang="en-US" smtClean="0"/>
-              <a:t>11/10/22</a:t>
+              <a:t>11/12/22</a:t>
             </a:fld>
             <a:endParaRPr lang="en-US" dirty="0"/>
           </a:p>
@@ -6008,7 +6009,7 @@
           <a:p>
             <a:fld id="{9D6E9DEC-419B-4CC5-A080-3B06BD5A8291}" type="datetimeFigureOut">
               <a:rPr lang="en-US" smtClean="0"/>
-              <a:t>11/10/22</a:t>
+              <a:t>11/12/22</a:t>
             </a:fld>
             <a:endParaRPr lang="en-US" dirty="0"/>
           </a:p>
@@ -6857,7 +6858,7 @@
           <a:p>
             <a:fld id="{9D6E9DEC-419B-4CC5-A080-3B06BD5A8291}" type="datetimeFigureOut">
               <a:rPr lang="en-US" smtClean="0"/>
-              <a:t>11/10/22</a:t>
+              <a:t>11/12/22</a:t>
             </a:fld>
             <a:endParaRPr lang="en-US" dirty="0"/>
           </a:p>
@@ -7044,7 +7045,7 @@
           <a:p>
             <a:fld id="{1FA3F48C-C7C6-4055-9F49-3777875E72AE}" type="datetimeFigureOut">
               <a:rPr lang="en-US" smtClean="0"/>
-              <a:t>11/10/22</a:t>
+              <a:t>11/12/22</a:t>
             </a:fld>
             <a:endParaRPr lang="en-US" dirty="0"/>
           </a:p>
@@ -8085,7 +8086,7 @@
           <a:p>
             <a:fld id="{6178E61D-D431-422C-9764-11DAFE33AB63}" type="datetimeFigureOut">
               <a:rPr lang="en-US" smtClean="0"/>
-              <a:t>11/10/22</a:t>
+              <a:t>11/12/22</a:t>
             </a:fld>
             <a:endParaRPr lang="en-US" dirty="0"/>
           </a:p>
@@ -8302,7 +8303,7 @@
           <a:p>
             <a:fld id="{12DE42F4-6EEF-4EF7-8ED4-2208F0F89A08}" type="datetimeFigureOut">
               <a:rPr lang="en-US" smtClean="0"/>
-              <a:t>11/10/22</a:t>
+              <a:t>11/12/22</a:t>
             </a:fld>
             <a:endParaRPr lang="en-US" dirty="0"/>
           </a:p>
@@ -9407,7 +9408,7 @@
           <a:p>
             <a:fld id="{30578ACC-22D6-47C1-A373-4FD133E34F3C}" type="datetimeFigureOut">
               <a:rPr lang="en-US" smtClean="0"/>
-              <a:t>11/10/22</a:t>
+              <a:t>11/12/22</a:t>
             </a:fld>
             <a:endParaRPr lang="en-US" dirty="0"/>
           </a:p>
@@ -9679,7 +9680,7 @@
           <a:p>
             <a:fld id="{4E5A6C69-6797-4E8A-BF37-F2C3751466E9}" type="datetimeFigureOut">
               <a:rPr lang="en-US" smtClean="0"/>
-              <a:t>11/10/22</a:t>
+              <a:t>11/12/22</a:t>
             </a:fld>
             <a:endParaRPr lang="en-US" dirty="0"/>
           </a:p>
@@ -10061,7 +10062,7 @@
           <a:p>
             <a:fld id="{D82014A1-A632-4878-A0D3-F52BA7563730}" type="datetimeFigureOut">
               <a:rPr lang="en-US" smtClean="0"/>
-              <a:t>11/10/22</a:t>
+              <a:t>11/12/22</a:t>
             </a:fld>
             <a:endParaRPr lang="en-US" dirty="0"/>
           </a:p>
@@ -10179,7 +10180,7 @@
           <a:p>
             <a:fld id="{CE99F462-093F-4566-844B-4C71F2739DA5}" type="datetimeFigureOut">
               <a:rPr lang="en-US" smtClean="0"/>
-              <a:t>11/10/22</a:t>
+              <a:t>11/12/22</a:t>
             </a:fld>
             <a:endParaRPr lang="en-US" dirty="0"/>
           </a:p>
@@ -10274,7 +10275,7 @@
           <a:p>
             <a:fld id="{3D24A7AC-904D-4781-85BA-7D10C17ED021}" type="datetimeFigureOut">
               <a:rPr lang="en-US" smtClean="0"/>
-              <a:t>11/10/22</a:t>
+              <a:t>11/12/22</a:t>
             </a:fld>
             <a:endParaRPr lang="en-US" dirty="0"/>
           </a:p>
@@ -11426,7 +11427,7 @@
           <a:p>
             <a:fld id="{E331444B-B92B-4E27-8C94-BB93EAF5CB18}" type="datetimeFigureOut">
               <a:rPr lang="en-US" smtClean="0"/>
-              <a:t>11/10/22</a:t>
+              <a:t>11/12/22</a:t>
             </a:fld>
             <a:endParaRPr lang="en-US" dirty="0"/>
           </a:p>
@@ -12602,7 +12603,7 @@
           <a:p>
             <a:fld id="{363EFA5E-FA76-400D-B3DC-F0BA90E6D107}" type="datetimeFigureOut">
               <a:rPr lang="en-US" smtClean="0"/>
-              <a:t>11/10/22</a:t>
+              <a:t>11/12/22</a:t>
             </a:fld>
             <a:endParaRPr lang="en-US" dirty="0"/>
           </a:p>
@@ -13708,7 +13709,7 @@
           <a:p>
             <a:fld id="{9D6E9DEC-419B-4CC5-A080-3B06BD5A8291}" type="datetimeFigureOut">
               <a:rPr lang="en-US" smtClean="0"/>
-              <a:t>11/10/22</a:t>
+              <a:t>11/12/22</a:t>
             </a:fld>
             <a:endParaRPr lang="en-US" dirty="0"/>
           </a:p>
@@ -16401,7 +16402,7 @@
           <p:cNvPr id="2" name="Title 1">
             <a:extLst>
               <a:ext uri="{FF2B5EF4-FFF2-40B4-BE49-F238E27FC236}">
-                <a16:creationId xmlns:a16="http://schemas.microsoft.com/office/drawing/2014/main" id="{62996E13-90E2-C085-109D-9CB4B9409557}"/>
+                <a16:creationId xmlns:a16="http://schemas.microsoft.com/office/drawing/2014/main" id="{303A4144-7281-3A71-046F-A706B6954FD3}"/>
               </a:ext>
             </a:extLst>
           </p:cNvPr>
@@ -16425,11 +16426,8 @@
           <a:lstStyle/>
           <a:p>
             <a:r>
-              <a:rPr lang="en-US" dirty="0">
-                <a:latin typeface="Simplified Arabic Fixed" panose="02070309020205020404" pitchFamily="49" charset="-78"/>
-                <a:cs typeface="Simplified Arabic Fixed" panose="02070309020205020404" pitchFamily="49" charset="-78"/>
-              </a:rPr>
-              <a:t>Country Analysis: Question 1</a:t>
+              <a:rPr lang="en-US" dirty="0"/>
+              <a:t>Country Analysis Facts 2012-2017</a:t>
             </a:r>
           </a:p>
         </p:txBody>
@@ -16439,7 +16437,7 @@
           <p:cNvPr id="3" name="Content Placeholder 2">
             <a:extLst>
               <a:ext uri="{FF2B5EF4-FFF2-40B4-BE49-F238E27FC236}">
-                <a16:creationId xmlns:a16="http://schemas.microsoft.com/office/drawing/2014/main" id="{57505223-4AEB-2246-ACA4-BBD7BED52E1B}"/>
+                <a16:creationId xmlns:a16="http://schemas.microsoft.com/office/drawing/2014/main" id="{772DE080-3718-DDFA-30F7-7F4D0087CE7B}"/>
               </a:ext>
             </a:extLst>
           </p:cNvPr>
@@ -16453,7 +16451,7 @@
         <p:spPr>
           <a:xfrm>
             <a:off x="1154954" y="2603500"/>
-            <a:ext cx="4941045" cy="3416300"/>
+            <a:ext cx="5211979" cy="3416300"/>
           </a:xfrm>
         </p:spPr>
         <p:txBody>
@@ -16463,73 +16461,1689 @@
           <a:lstStyle/>
           <a:p>
             <a:r>
-              <a:rPr lang="en-US" sz="1600" dirty="0"/>
-              <a:t>What country spends the most on average per movie?</a:t>
+              <a:rPr lang="en-US" dirty="0"/>
+              <a:t>Highlights</a:t>
             </a:r>
           </a:p>
           <a:p>
             <a:pPr lvl="1"/>
             <a:r>
-              <a:rPr lang="en-US" sz="1400" dirty="0"/>
-              <a:t>There were over 70 countries in the data set, but not all the movies had budget data</a:t>
+              <a:rPr lang="en-US" dirty="0"/>
+              <a:t>14 countries out 55 were included in the analysis</a:t>
             </a:r>
           </a:p>
           <a:p>
             <a:pPr lvl="1"/>
             <a:r>
-              <a:rPr lang="en-US" sz="1400" dirty="0"/>
-              <a:t>The data was cleaned to only include countries with 10 or more movies and only include movies with a US currency budget amount</a:t>
+              <a:rPr lang="en-US" dirty="0"/>
+              <a:t>Cleaned data included: rows that had both a budget amount and a review rating</a:t>
             </a:r>
           </a:p>
           <a:p>
             <a:pPr lvl="1"/>
-            <a:endParaRPr lang="en-US" sz="1400" dirty="0"/>
+            <a:r>
+              <a:rPr lang="en-US" dirty="0"/>
+              <a:t>India’s average budget is roughly $72 million more per movie than the United States</a:t>
+            </a:r>
+          </a:p>
+          <a:p>
+            <a:pPr lvl="1"/>
+            <a:r>
+              <a:rPr lang="en-US" dirty="0"/>
+              <a:t>US made 508 more movies during this period than the rest of the countries</a:t>
+            </a:r>
+          </a:p>
+          <a:p>
+            <a:endParaRPr lang="en-US" dirty="0"/>
           </a:p>
         </p:txBody>
       </p:sp>
-      <p:pic>
-        <p:nvPicPr>
-          <p:cNvPr id="4" name="Picture 3">
+      <p:graphicFrame>
+        <p:nvGraphicFramePr>
+          <p:cNvPr id="4" name="Table 3">
             <a:extLst>
               <a:ext uri="{FF2B5EF4-FFF2-40B4-BE49-F238E27FC236}">
-                <a16:creationId xmlns:a16="http://schemas.microsoft.com/office/drawing/2014/main" id="{A248A11E-98C8-7242-8CE6-58A9A6548D2E}"/>
+                <a16:creationId xmlns:a16="http://schemas.microsoft.com/office/drawing/2014/main" id="{4E93A40F-F9BB-3460-62D1-6210ED6675AB}"/>
               </a:ext>
             </a:extLst>
           </p:cNvPr>
-          <p:cNvPicPr>
-            <a:picLocks noChangeAspect="1"/>
-          </p:cNvPicPr>
-          <p:nvPr/>
-        </p:nvPicPr>
-        <p:blipFill>
-          <a:blip r:embed="rId2"/>
-          <a:stretch>
-            <a:fillRect/>
-          </a:stretch>
-        </p:blipFill>
-        <p:spPr>
-          <a:xfrm>
-            <a:off x="6518235" y="2603500"/>
-            <a:ext cx="5214199" cy="3306580"/>
-          </a:xfrm>
-          <a:prstGeom prst="roundRect">
-            <a:avLst>
-              <a:gd name="adj" fmla="val 1858"/>
-            </a:avLst>
-          </a:prstGeom>
-          <a:effectLst>
-            <a:outerShdw blurRad="50800" dist="50800" dir="5400000" algn="tl" rotWithShape="0">
-              <a:srgbClr val="000000">
-                <a:alpha val="43000"/>
-              </a:srgbClr>
-            </a:outerShdw>
-          </a:effectLst>
-        </p:spPr>
-      </p:pic>
+          <p:cNvGraphicFramePr>
+            <a:graphicFrameLocks noGrp="1"/>
+          </p:cNvGraphicFramePr>
+          <p:nvPr>
+            <p:extLst>
+              <p:ext uri="{D42A27DB-BD31-4B8C-83A1-F6EECF244321}">
+                <p14:modId xmlns:p14="http://schemas.microsoft.com/office/powerpoint/2010/main" val="2060260119"/>
+              </p:ext>
+            </p:extLst>
+          </p:nvPr>
+        </p:nvGraphicFramePr>
+        <p:xfrm>
+          <a:off x="7140406" y="2775951"/>
+          <a:ext cx="3661679" cy="3067168"/>
+        </p:xfrm>
+        <a:graphic>
+          <a:graphicData uri="http://schemas.openxmlformats.org/drawingml/2006/table">
+            <a:tbl>
+              <a:tblPr firstRow="1" bandRow="1">
+                <a:tableStyleId>{5C22544A-7EE6-4342-B048-85BDC9FD1C3A}</a:tableStyleId>
+              </a:tblPr>
+              <a:tblGrid>
+                <a:gridCol w="1109409">
+                  <a:extLst>
+                    <a:ext uri="{9D8B030D-6E8A-4147-A177-3AD203B41FA5}">
+                      <a16:colId xmlns:a16="http://schemas.microsoft.com/office/drawing/2014/main" val="1144596838"/>
+                    </a:ext>
+                  </a:extLst>
+                </a:gridCol>
+                <a:gridCol w="492913">
+                  <a:extLst>
+                    <a:ext uri="{9D8B030D-6E8A-4147-A177-3AD203B41FA5}">
+                      <a16:colId xmlns:a16="http://schemas.microsoft.com/office/drawing/2014/main" val="770951781"/>
+                    </a:ext>
+                  </a:extLst>
+                </a:gridCol>
+                <a:gridCol w="1085206">
+                  <a:extLst>
+                    <a:ext uri="{9D8B030D-6E8A-4147-A177-3AD203B41FA5}">
+                      <a16:colId xmlns:a16="http://schemas.microsoft.com/office/drawing/2014/main" val="2287337983"/>
+                    </a:ext>
+                  </a:extLst>
+                </a:gridCol>
+                <a:gridCol w="974151">
+                  <a:extLst>
+                    <a:ext uri="{9D8B030D-6E8A-4147-A177-3AD203B41FA5}">
+                      <a16:colId xmlns:a16="http://schemas.microsoft.com/office/drawing/2014/main" val="4139613007"/>
+                    </a:ext>
+                  </a:extLst>
+                </a:gridCol>
+              </a:tblGrid>
+              <a:tr h="191698">
+                <a:tc>
+                  <a:txBody>
+                    <a:bodyPr/>
+                    <a:lstStyle/>
+                    <a:p>
+                      <a:pPr algn="l" fontAlgn="b"/>
+                      <a:r>
+                        <a:rPr lang="en-US" sz="1000" u="none" strike="noStrike">
+                          <a:effectLst/>
+                        </a:rPr>
+                        <a:t>Release Country</a:t>
+                      </a:r>
+                      <a:endParaRPr lang="en-US" sz="1000" b="1" i="0" u="none" strike="noStrike">
+                        <a:solidFill>
+                          <a:srgbClr val="000000"/>
+                        </a:solidFill>
+                        <a:effectLst/>
+                        <a:latin typeface="Helvetica" pitchFamily="2" charset="0"/>
+                      </a:endParaRPr>
+                    </a:p>
+                  </a:txBody>
+                  <a:tcPr marL="8543" marR="8543" marT="8543" marB="0" anchor="b"/>
+                </a:tc>
+                <a:tc>
+                  <a:txBody>
+                    <a:bodyPr/>
+                    <a:lstStyle/>
+                    <a:p>
+                      <a:pPr algn="l" fontAlgn="b"/>
+                      <a:r>
+                        <a:rPr lang="en-US" sz="1000" u="none" strike="noStrike">
+                          <a:effectLst/>
+                        </a:rPr>
+                        <a:t>Count</a:t>
+                      </a:r>
+                      <a:endParaRPr lang="en-US" sz="1000" b="1" i="0" u="none" strike="noStrike">
+                        <a:solidFill>
+                          <a:srgbClr val="000000"/>
+                        </a:solidFill>
+                        <a:effectLst/>
+                        <a:latin typeface="Helvetica" pitchFamily="2" charset="0"/>
+                      </a:endParaRPr>
+                    </a:p>
+                  </a:txBody>
+                  <a:tcPr marL="8543" marR="8543" marT="8543" marB="0" anchor="b"/>
+                </a:tc>
+                <a:tc>
+                  <a:txBody>
+                    <a:bodyPr/>
+                    <a:lstStyle/>
+                    <a:p>
+                      <a:pPr algn="l" fontAlgn="b"/>
+                      <a:r>
+                        <a:rPr lang="en-US" sz="1000" u="none" strike="noStrike">
+                          <a:effectLst/>
+                        </a:rPr>
+                        <a:t> Budget </a:t>
+                      </a:r>
+                      <a:endParaRPr lang="en-US" sz="1000" b="1" i="0" u="none" strike="noStrike">
+                        <a:solidFill>
+                          <a:srgbClr val="000000"/>
+                        </a:solidFill>
+                        <a:effectLst/>
+                        <a:latin typeface="Helvetica" pitchFamily="2" charset="0"/>
+                      </a:endParaRPr>
+                    </a:p>
+                  </a:txBody>
+                  <a:tcPr marL="8543" marR="8543" marT="8543" marB="0" anchor="b"/>
+                </a:tc>
+                <a:tc>
+                  <a:txBody>
+                    <a:bodyPr/>
+                    <a:lstStyle/>
+                    <a:p>
+                      <a:pPr algn="l" fontAlgn="b"/>
+                      <a:r>
+                        <a:rPr lang="en-US" sz="1000" u="none" strike="noStrike">
+                          <a:effectLst/>
+                        </a:rPr>
+                        <a:t>Review Rating</a:t>
+                      </a:r>
+                      <a:endParaRPr lang="en-US" sz="1000" b="1" i="0" u="none" strike="noStrike">
+                        <a:solidFill>
+                          <a:srgbClr val="000000"/>
+                        </a:solidFill>
+                        <a:effectLst/>
+                        <a:latin typeface="Helvetica" pitchFamily="2" charset="0"/>
+                      </a:endParaRPr>
+                    </a:p>
+                  </a:txBody>
+                  <a:tcPr marL="8543" marR="8543" marT="8543" marB="0" anchor="b"/>
+                </a:tc>
+                <a:extLst>
+                  <a:ext uri="{0D108BD9-81ED-4DB2-BD59-A6C34878D82A}">
+                    <a16:rowId xmlns:a16="http://schemas.microsoft.com/office/drawing/2014/main" val="228348202"/>
+                  </a:ext>
+                </a:extLst>
+              </a:tr>
+              <a:tr h="191698">
+                <a:tc>
+                  <a:txBody>
+                    <a:bodyPr/>
+                    <a:lstStyle/>
+                    <a:p>
+                      <a:pPr algn="l" fontAlgn="b"/>
+                      <a:r>
+                        <a:rPr lang="en-US" sz="1000" u="none" strike="noStrike">
+                          <a:effectLst/>
+                        </a:rPr>
+                        <a:t>India</a:t>
+                      </a:r>
+                      <a:endParaRPr lang="en-US" sz="1000" b="0" i="0" u="none" strike="noStrike">
+                        <a:solidFill>
+                          <a:srgbClr val="000000"/>
+                        </a:solidFill>
+                        <a:effectLst/>
+                        <a:latin typeface="Helvetica" pitchFamily="2" charset="0"/>
+                      </a:endParaRPr>
+                    </a:p>
+                  </a:txBody>
+                  <a:tcPr marL="8543" marR="8543" marT="8543" marB="0" anchor="b"/>
+                </a:tc>
+                <a:tc>
+                  <a:txBody>
+                    <a:bodyPr/>
+                    <a:lstStyle/>
+                    <a:p>
+                      <a:pPr algn="r" fontAlgn="b"/>
+                      <a:r>
+                        <a:rPr lang="en-US" sz="1000" u="none" strike="noStrike">
+                          <a:effectLst/>
+                        </a:rPr>
+                        <a:t>29</a:t>
+                      </a:r>
+                      <a:endParaRPr lang="en-US" sz="1000" b="0" i="0" u="none" strike="noStrike">
+                        <a:solidFill>
+                          <a:srgbClr val="000000"/>
+                        </a:solidFill>
+                        <a:effectLst/>
+                        <a:latin typeface="Helvetica" pitchFamily="2" charset="0"/>
+                      </a:endParaRPr>
+                    </a:p>
+                  </a:txBody>
+                  <a:tcPr marL="8543" marR="8543" marT="8543" marB="0" anchor="b"/>
+                </a:tc>
+                <a:tc>
+                  <a:txBody>
+                    <a:bodyPr/>
+                    <a:lstStyle/>
+                    <a:p>
+                      <a:pPr algn="l" fontAlgn="b"/>
+                      <a:r>
+                        <a:rPr lang="en-US" sz="1000" u="none" strike="noStrike">
+                          <a:effectLst/>
+                        </a:rPr>
+                        <a:t> $ 76,950,800.00 </a:t>
+                      </a:r>
+                      <a:endParaRPr lang="en-US" sz="1000" b="0" i="0" u="none" strike="noStrike">
+                        <a:solidFill>
+                          <a:srgbClr val="000000"/>
+                        </a:solidFill>
+                        <a:effectLst/>
+                        <a:latin typeface="Helvetica" pitchFamily="2" charset="0"/>
+                      </a:endParaRPr>
+                    </a:p>
+                  </a:txBody>
+                  <a:tcPr marL="8543" marR="8543" marT="8543" marB="0" anchor="b"/>
+                </a:tc>
+                <a:tc>
+                  <a:txBody>
+                    <a:bodyPr/>
+                    <a:lstStyle/>
+                    <a:p>
+                      <a:pPr algn="r" fontAlgn="b"/>
+                      <a:r>
+                        <a:rPr lang="en-US" sz="1000" u="none" strike="noStrike">
+                          <a:effectLst/>
+                        </a:rPr>
+                        <a:t>5.95</a:t>
+                      </a:r>
+                      <a:endParaRPr lang="en-US" sz="1000" b="0" i="0" u="none" strike="noStrike">
+                        <a:solidFill>
+                          <a:srgbClr val="000000"/>
+                        </a:solidFill>
+                        <a:effectLst/>
+                        <a:latin typeface="Helvetica" pitchFamily="2" charset="0"/>
+                      </a:endParaRPr>
+                    </a:p>
+                  </a:txBody>
+                  <a:tcPr marL="8543" marR="8543" marT="8543" marB="0" anchor="b"/>
+                </a:tc>
+                <a:extLst>
+                  <a:ext uri="{0D108BD9-81ED-4DB2-BD59-A6C34878D82A}">
+                    <a16:rowId xmlns:a16="http://schemas.microsoft.com/office/drawing/2014/main" val="987450065"/>
+                  </a:ext>
+                </a:extLst>
+              </a:tr>
+              <a:tr h="191698">
+                <a:tc>
+                  <a:txBody>
+                    <a:bodyPr/>
+                    <a:lstStyle/>
+                    <a:p>
+                      <a:pPr algn="l" fontAlgn="b"/>
+                      <a:r>
+                        <a:rPr lang="en-US" sz="1000" u="none" strike="noStrike">
+                          <a:effectLst/>
+                        </a:rPr>
+                        <a:t>Spain</a:t>
+                      </a:r>
+                      <a:endParaRPr lang="en-US" sz="1000" b="0" i="0" u="none" strike="noStrike">
+                        <a:solidFill>
+                          <a:srgbClr val="000000"/>
+                        </a:solidFill>
+                        <a:effectLst/>
+                        <a:latin typeface="Helvetica" pitchFamily="2" charset="0"/>
+                      </a:endParaRPr>
+                    </a:p>
+                  </a:txBody>
+                  <a:tcPr marL="8543" marR="8543" marT="8543" marB="0" anchor="b"/>
+                </a:tc>
+                <a:tc>
+                  <a:txBody>
+                    <a:bodyPr/>
+                    <a:lstStyle/>
+                    <a:p>
+                      <a:pPr algn="r" fontAlgn="b"/>
+                      <a:r>
+                        <a:rPr lang="en-US" sz="1000" u="none" strike="noStrike">
+                          <a:effectLst/>
+                        </a:rPr>
+                        <a:t>14</a:t>
+                      </a:r>
+                      <a:endParaRPr lang="en-US" sz="1000" b="0" i="0" u="none" strike="noStrike">
+                        <a:solidFill>
+                          <a:srgbClr val="000000"/>
+                        </a:solidFill>
+                        <a:effectLst/>
+                        <a:latin typeface="Helvetica" pitchFamily="2" charset="0"/>
+                      </a:endParaRPr>
+                    </a:p>
+                  </a:txBody>
+                  <a:tcPr marL="8543" marR="8543" marT="8543" marB="0" anchor="b"/>
+                </a:tc>
+                <a:tc>
+                  <a:txBody>
+                    <a:bodyPr/>
+                    <a:lstStyle/>
+                    <a:p>
+                      <a:pPr algn="l" fontAlgn="b"/>
+                      <a:r>
+                        <a:rPr lang="en-US" sz="1000" u="none" strike="noStrike">
+                          <a:effectLst/>
+                        </a:rPr>
+                        <a:t> $   3,392,942.86 </a:t>
+                      </a:r>
+                      <a:endParaRPr lang="en-US" sz="1000" b="0" i="0" u="none" strike="noStrike">
+                        <a:solidFill>
+                          <a:srgbClr val="000000"/>
+                        </a:solidFill>
+                        <a:effectLst/>
+                        <a:latin typeface="Helvetica" pitchFamily="2" charset="0"/>
+                      </a:endParaRPr>
+                    </a:p>
+                  </a:txBody>
+                  <a:tcPr marL="8543" marR="8543" marT="8543" marB="0" anchor="b"/>
+                </a:tc>
+                <a:tc>
+                  <a:txBody>
+                    <a:bodyPr/>
+                    <a:lstStyle/>
+                    <a:p>
+                      <a:pPr algn="r" fontAlgn="b"/>
+                      <a:r>
+                        <a:rPr lang="en-US" sz="1000" u="none" strike="noStrike">
+                          <a:effectLst/>
+                        </a:rPr>
+                        <a:t>5.41</a:t>
+                      </a:r>
+                      <a:endParaRPr lang="en-US" sz="1000" b="0" i="0" u="none" strike="noStrike">
+                        <a:solidFill>
+                          <a:srgbClr val="000000"/>
+                        </a:solidFill>
+                        <a:effectLst/>
+                        <a:latin typeface="Helvetica" pitchFamily="2" charset="0"/>
+                      </a:endParaRPr>
+                    </a:p>
+                  </a:txBody>
+                  <a:tcPr marL="8543" marR="8543" marT="8543" marB="0" anchor="b"/>
+                </a:tc>
+                <a:extLst>
+                  <a:ext uri="{0D108BD9-81ED-4DB2-BD59-A6C34878D82A}">
+                    <a16:rowId xmlns:a16="http://schemas.microsoft.com/office/drawing/2014/main" val="428184416"/>
+                  </a:ext>
+                </a:extLst>
+              </a:tr>
+              <a:tr h="191698">
+                <a:tc>
+                  <a:txBody>
+                    <a:bodyPr/>
+                    <a:lstStyle/>
+                    <a:p>
+                      <a:pPr algn="l" fontAlgn="b"/>
+                      <a:r>
+                        <a:rPr lang="en-US" sz="1000" u="none" strike="noStrike">
+                          <a:effectLst/>
+                        </a:rPr>
+                        <a:t>Italy</a:t>
+                      </a:r>
+                      <a:endParaRPr lang="en-US" sz="1000" b="0" i="0" u="none" strike="noStrike">
+                        <a:solidFill>
+                          <a:srgbClr val="000000"/>
+                        </a:solidFill>
+                        <a:effectLst/>
+                        <a:latin typeface="Helvetica" pitchFamily="2" charset="0"/>
+                      </a:endParaRPr>
+                    </a:p>
+                  </a:txBody>
+                  <a:tcPr marL="8543" marR="8543" marT="8543" marB="0" anchor="b"/>
+                </a:tc>
+                <a:tc>
+                  <a:txBody>
+                    <a:bodyPr/>
+                    <a:lstStyle/>
+                    <a:p>
+                      <a:pPr algn="r" fontAlgn="b"/>
+                      <a:r>
+                        <a:rPr lang="en-US" sz="1000" u="none" strike="noStrike">
+                          <a:effectLst/>
+                        </a:rPr>
+                        <a:t>10</a:t>
+                      </a:r>
+                      <a:endParaRPr lang="en-US" sz="1000" b="0" i="0" u="none" strike="noStrike">
+                        <a:solidFill>
+                          <a:srgbClr val="000000"/>
+                        </a:solidFill>
+                        <a:effectLst/>
+                        <a:latin typeface="Helvetica" pitchFamily="2" charset="0"/>
+                      </a:endParaRPr>
+                    </a:p>
+                  </a:txBody>
+                  <a:tcPr marL="8543" marR="8543" marT="8543" marB="0" anchor="b"/>
+                </a:tc>
+                <a:tc>
+                  <a:txBody>
+                    <a:bodyPr/>
+                    <a:lstStyle/>
+                    <a:p>
+                      <a:pPr algn="l" fontAlgn="b"/>
+                      <a:r>
+                        <a:rPr lang="en-US" sz="1000" u="none" strike="noStrike">
+                          <a:effectLst/>
+                        </a:rPr>
+                        <a:t> $      671,150.00 </a:t>
+                      </a:r>
+                      <a:endParaRPr lang="en-US" sz="1000" b="0" i="0" u="none" strike="noStrike">
+                        <a:solidFill>
+                          <a:srgbClr val="000000"/>
+                        </a:solidFill>
+                        <a:effectLst/>
+                        <a:latin typeface="Helvetica" pitchFamily="2" charset="0"/>
+                      </a:endParaRPr>
+                    </a:p>
+                  </a:txBody>
+                  <a:tcPr marL="8543" marR="8543" marT="8543" marB="0" anchor="b"/>
+                </a:tc>
+                <a:tc>
+                  <a:txBody>
+                    <a:bodyPr/>
+                    <a:lstStyle/>
+                    <a:p>
+                      <a:pPr algn="r" fontAlgn="b"/>
+                      <a:r>
+                        <a:rPr lang="en-US" sz="1000" u="none" strike="noStrike">
+                          <a:effectLst/>
+                        </a:rPr>
+                        <a:t>5.39</a:t>
+                      </a:r>
+                      <a:endParaRPr lang="en-US" sz="1000" b="0" i="0" u="none" strike="noStrike">
+                        <a:solidFill>
+                          <a:srgbClr val="000000"/>
+                        </a:solidFill>
+                        <a:effectLst/>
+                        <a:latin typeface="Helvetica" pitchFamily="2" charset="0"/>
+                      </a:endParaRPr>
+                    </a:p>
+                  </a:txBody>
+                  <a:tcPr marL="8543" marR="8543" marT="8543" marB="0" anchor="b"/>
+                </a:tc>
+                <a:extLst>
+                  <a:ext uri="{0D108BD9-81ED-4DB2-BD59-A6C34878D82A}">
+                    <a16:rowId xmlns:a16="http://schemas.microsoft.com/office/drawing/2014/main" val="320946248"/>
+                  </a:ext>
+                </a:extLst>
+              </a:tr>
+              <a:tr h="191698">
+                <a:tc>
+                  <a:txBody>
+                    <a:bodyPr/>
+                    <a:lstStyle/>
+                    <a:p>
+                      <a:pPr algn="l" fontAlgn="b"/>
+                      <a:r>
+                        <a:rPr lang="en-US" sz="1000" u="none" strike="noStrike">
+                          <a:effectLst/>
+                        </a:rPr>
+                        <a:t>France</a:t>
+                      </a:r>
+                      <a:endParaRPr lang="en-US" sz="1000" b="0" i="0" u="none" strike="noStrike">
+                        <a:solidFill>
+                          <a:srgbClr val="000000"/>
+                        </a:solidFill>
+                        <a:effectLst/>
+                        <a:latin typeface="Helvetica" pitchFamily="2" charset="0"/>
+                      </a:endParaRPr>
+                    </a:p>
+                  </a:txBody>
+                  <a:tcPr marL="8543" marR="8543" marT="8543" marB="0" anchor="b"/>
+                </a:tc>
+                <a:tc>
+                  <a:txBody>
+                    <a:bodyPr/>
+                    <a:lstStyle/>
+                    <a:p>
+                      <a:pPr algn="r" fontAlgn="b"/>
+                      <a:r>
+                        <a:rPr lang="en-US" sz="1000" u="none" strike="noStrike">
+                          <a:effectLst/>
+                        </a:rPr>
+                        <a:t>12</a:t>
+                      </a:r>
+                      <a:endParaRPr lang="en-US" sz="1000" b="0" i="0" u="none" strike="noStrike">
+                        <a:solidFill>
+                          <a:srgbClr val="000000"/>
+                        </a:solidFill>
+                        <a:effectLst/>
+                        <a:latin typeface="Helvetica" pitchFamily="2" charset="0"/>
+                      </a:endParaRPr>
+                    </a:p>
+                  </a:txBody>
+                  <a:tcPr marL="8543" marR="8543" marT="8543" marB="0" anchor="b"/>
+                </a:tc>
+                <a:tc>
+                  <a:txBody>
+                    <a:bodyPr/>
+                    <a:lstStyle/>
+                    <a:p>
+                      <a:pPr algn="l" fontAlgn="b"/>
+                      <a:r>
+                        <a:rPr lang="en-US" sz="1000" u="none" strike="noStrike">
+                          <a:effectLst/>
+                        </a:rPr>
+                        <a:t> $   3,508,227.17 </a:t>
+                      </a:r>
+                      <a:endParaRPr lang="en-US" sz="1000" b="0" i="0" u="none" strike="noStrike">
+                        <a:solidFill>
+                          <a:srgbClr val="000000"/>
+                        </a:solidFill>
+                        <a:effectLst/>
+                        <a:latin typeface="Helvetica" pitchFamily="2" charset="0"/>
+                      </a:endParaRPr>
+                    </a:p>
+                  </a:txBody>
+                  <a:tcPr marL="8543" marR="8543" marT="8543" marB="0" anchor="b"/>
+                </a:tc>
+                <a:tc>
+                  <a:txBody>
+                    <a:bodyPr/>
+                    <a:lstStyle/>
+                    <a:p>
+                      <a:pPr algn="r" fontAlgn="b"/>
+                      <a:r>
+                        <a:rPr lang="en-US" sz="1000" u="none" strike="noStrike">
+                          <a:effectLst/>
+                        </a:rPr>
+                        <a:t>5.20</a:t>
+                      </a:r>
+                      <a:endParaRPr lang="en-US" sz="1000" b="0" i="0" u="none" strike="noStrike">
+                        <a:solidFill>
+                          <a:srgbClr val="000000"/>
+                        </a:solidFill>
+                        <a:effectLst/>
+                        <a:latin typeface="Helvetica" pitchFamily="2" charset="0"/>
+                      </a:endParaRPr>
+                    </a:p>
+                  </a:txBody>
+                  <a:tcPr marL="8543" marR="8543" marT="8543" marB="0" anchor="b"/>
+                </a:tc>
+                <a:extLst>
+                  <a:ext uri="{0D108BD9-81ED-4DB2-BD59-A6C34878D82A}">
+                    <a16:rowId xmlns:a16="http://schemas.microsoft.com/office/drawing/2014/main" val="3936084000"/>
+                  </a:ext>
+                </a:extLst>
+              </a:tr>
+              <a:tr h="191698">
+                <a:tc>
+                  <a:txBody>
+                    <a:bodyPr/>
+                    <a:lstStyle/>
+                    <a:p>
+                      <a:pPr algn="l" fontAlgn="b"/>
+                      <a:r>
+                        <a:rPr lang="en-US" sz="1000" u="none" strike="noStrike">
+                          <a:effectLst/>
+                        </a:rPr>
+                        <a:t>USA</a:t>
+                      </a:r>
+                      <a:endParaRPr lang="en-US" sz="1000" b="0" i="0" u="none" strike="noStrike">
+                        <a:solidFill>
+                          <a:srgbClr val="000000"/>
+                        </a:solidFill>
+                        <a:effectLst/>
+                        <a:latin typeface="Helvetica" pitchFamily="2" charset="0"/>
+                      </a:endParaRPr>
+                    </a:p>
+                  </a:txBody>
+                  <a:tcPr marL="8543" marR="8543" marT="8543" marB="0" anchor="b"/>
+                </a:tc>
+                <a:tc>
+                  <a:txBody>
+                    <a:bodyPr/>
+                    <a:lstStyle/>
+                    <a:p>
+                      <a:pPr algn="r" fontAlgn="b"/>
+                      <a:r>
+                        <a:rPr lang="en-US" sz="1000" u="none" strike="noStrike">
+                          <a:effectLst/>
+                        </a:rPr>
+                        <a:t>769</a:t>
+                      </a:r>
+                      <a:endParaRPr lang="en-US" sz="1000" b="0" i="0" u="none" strike="noStrike">
+                        <a:solidFill>
+                          <a:srgbClr val="000000"/>
+                        </a:solidFill>
+                        <a:effectLst/>
+                        <a:latin typeface="Helvetica" pitchFamily="2" charset="0"/>
+                      </a:endParaRPr>
+                    </a:p>
+                  </a:txBody>
+                  <a:tcPr marL="8543" marR="8543" marT="8543" marB="0" anchor="b"/>
+                </a:tc>
+                <a:tc>
+                  <a:txBody>
+                    <a:bodyPr/>
+                    <a:lstStyle/>
+                    <a:p>
+                      <a:pPr algn="l" fontAlgn="b"/>
+                      <a:r>
+                        <a:rPr lang="en-US" sz="1000" u="none" strike="noStrike">
+                          <a:effectLst/>
+                        </a:rPr>
+                        <a:t> $   4,479,284.94 </a:t>
+                      </a:r>
+                      <a:endParaRPr lang="en-US" sz="1000" b="0" i="0" u="none" strike="noStrike">
+                        <a:solidFill>
+                          <a:srgbClr val="000000"/>
+                        </a:solidFill>
+                        <a:effectLst/>
+                        <a:latin typeface="Helvetica" pitchFamily="2" charset="0"/>
+                      </a:endParaRPr>
+                    </a:p>
+                  </a:txBody>
+                  <a:tcPr marL="8543" marR="8543" marT="8543" marB="0" anchor="b"/>
+                </a:tc>
+                <a:tc>
+                  <a:txBody>
+                    <a:bodyPr/>
+                    <a:lstStyle/>
+                    <a:p>
+                      <a:pPr algn="r" fontAlgn="b"/>
+                      <a:r>
+                        <a:rPr lang="en-US" sz="1000" u="none" strike="noStrike">
+                          <a:effectLst/>
+                        </a:rPr>
+                        <a:t>5.11</a:t>
+                      </a:r>
+                      <a:endParaRPr lang="en-US" sz="1000" b="0" i="0" u="none" strike="noStrike">
+                        <a:solidFill>
+                          <a:srgbClr val="000000"/>
+                        </a:solidFill>
+                        <a:effectLst/>
+                        <a:latin typeface="Helvetica" pitchFamily="2" charset="0"/>
+                      </a:endParaRPr>
+                    </a:p>
+                  </a:txBody>
+                  <a:tcPr marL="8543" marR="8543" marT="8543" marB="0" anchor="b"/>
+                </a:tc>
+                <a:extLst>
+                  <a:ext uri="{0D108BD9-81ED-4DB2-BD59-A6C34878D82A}">
+                    <a16:rowId xmlns:a16="http://schemas.microsoft.com/office/drawing/2014/main" val="3671579371"/>
+                  </a:ext>
+                </a:extLst>
+              </a:tr>
+              <a:tr h="191698">
+                <a:tc>
+                  <a:txBody>
+                    <a:bodyPr/>
+                    <a:lstStyle/>
+                    <a:p>
+                      <a:pPr algn="l" fontAlgn="b"/>
+                      <a:r>
+                        <a:rPr lang="en-US" sz="1000" u="none" strike="noStrike">
+                          <a:effectLst/>
+                        </a:rPr>
+                        <a:t>Mexico</a:t>
+                      </a:r>
+                      <a:endParaRPr lang="en-US" sz="1000" b="0" i="0" u="none" strike="noStrike">
+                        <a:solidFill>
+                          <a:srgbClr val="000000"/>
+                        </a:solidFill>
+                        <a:effectLst/>
+                        <a:latin typeface="Helvetica" pitchFamily="2" charset="0"/>
+                      </a:endParaRPr>
+                    </a:p>
+                  </a:txBody>
+                  <a:tcPr marL="8543" marR="8543" marT="8543" marB="0" anchor="b"/>
+                </a:tc>
+                <a:tc>
+                  <a:txBody>
+                    <a:bodyPr/>
+                    <a:lstStyle/>
+                    <a:p>
+                      <a:pPr algn="r" fontAlgn="b"/>
+                      <a:r>
+                        <a:rPr lang="en-US" sz="1000" u="none" strike="noStrike">
+                          <a:effectLst/>
+                        </a:rPr>
+                        <a:t>9</a:t>
+                      </a:r>
+                      <a:endParaRPr lang="en-US" sz="1000" b="0" i="0" u="none" strike="noStrike">
+                        <a:solidFill>
+                          <a:srgbClr val="000000"/>
+                        </a:solidFill>
+                        <a:effectLst/>
+                        <a:latin typeface="Helvetica" pitchFamily="2" charset="0"/>
+                      </a:endParaRPr>
+                    </a:p>
+                  </a:txBody>
+                  <a:tcPr marL="8543" marR="8543" marT="8543" marB="0" anchor="b"/>
+                </a:tc>
+                <a:tc>
+                  <a:txBody>
+                    <a:bodyPr/>
+                    <a:lstStyle/>
+                    <a:p>
+                      <a:pPr algn="l" fontAlgn="b"/>
+                      <a:r>
+                        <a:rPr lang="en-US" sz="1000" u="none" strike="noStrike">
+                          <a:effectLst/>
+                        </a:rPr>
+                        <a:t> $   2,809,111.11 </a:t>
+                      </a:r>
+                      <a:endParaRPr lang="en-US" sz="1000" b="0" i="0" u="none" strike="noStrike">
+                        <a:solidFill>
+                          <a:srgbClr val="000000"/>
+                        </a:solidFill>
+                        <a:effectLst/>
+                        <a:latin typeface="Helvetica" pitchFamily="2" charset="0"/>
+                      </a:endParaRPr>
+                    </a:p>
+                  </a:txBody>
+                  <a:tcPr marL="8543" marR="8543" marT="8543" marB="0" anchor="b"/>
+                </a:tc>
+                <a:tc>
+                  <a:txBody>
+                    <a:bodyPr/>
+                    <a:lstStyle/>
+                    <a:p>
+                      <a:pPr algn="r" fontAlgn="b"/>
+                      <a:r>
+                        <a:rPr lang="en-US" sz="1000" u="none" strike="noStrike">
+                          <a:effectLst/>
+                        </a:rPr>
+                        <a:t>5.11</a:t>
+                      </a:r>
+                      <a:endParaRPr lang="en-US" sz="1000" b="0" i="0" u="none" strike="noStrike">
+                        <a:solidFill>
+                          <a:srgbClr val="000000"/>
+                        </a:solidFill>
+                        <a:effectLst/>
+                        <a:latin typeface="Helvetica" pitchFamily="2" charset="0"/>
+                      </a:endParaRPr>
+                    </a:p>
+                  </a:txBody>
+                  <a:tcPr marL="8543" marR="8543" marT="8543" marB="0" anchor="b"/>
+                </a:tc>
+                <a:extLst>
+                  <a:ext uri="{0D108BD9-81ED-4DB2-BD59-A6C34878D82A}">
+                    <a16:rowId xmlns:a16="http://schemas.microsoft.com/office/drawing/2014/main" val="3258920361"/>
+                  </a:ext>
+                </a:extLst>
+              </a:tr>
+              <a:tr h="191698">
+                <a:tc>
+                  <a:txBody>
+                    <a:bodyPr/>
+                    <a:lstStyle/>
+                    <a:p>
+                      <a:pPr algn="l" fontAlgn="b"/>
+                      <a:r>
+                        <a:rPr lang="en-US" sz="1000" u="none" strike="noStrike">
+                          <a:effectLst/>
+                        </a:rPr>
+                        <a:t>UK</a:t>
+                      </a:r>
+                      <a:endParaRPr lang="en-US" sz="1000" b="0" i="0" u="none" strike="noStrike">
+                        <a:solidFill>
+                          <a:srgbClr val="000000"/>
+                        </a:solidFill>
+                        <a:effectLst/>
+                        <a:latin typeface="Helvetica" pitchFamily="2" charset="0"/>
+                      </a:endParaRPr>
+                    </a:p>
+                  </a:txBody>
+                  <a:tcPr marL="8543" marR="8543" marT="8543" marB="0" anchor="b"/>
+                </a:tc>
+                <a:tc>
+                  <a:txBody>
+                    <a:bodyPr/>
+                    <a:lstStyle/>
+                    <a:p>
+                      <a:pPr algn="r" fontAlgn="b"/>
+                      <a:r>
+                        <a:rPr lang="en-US" sz="1000" u="none" strike="noStrike">
+                          <a:effectLst/>
+                        </a:rPr>
+                        <a:t>79</a:t>
+                      </a:r>
+                      <a:endParaRPr lang="en-US" sz="1000" b="0" i="0" u="none" strike="noStrike">
+                        <a:solidFill>
+                          <a:srgbClr val="000000"/>
+                        </a:solidFill>
+                        <a:effectLst/>
+                        <a:latin typeface="Helvetica" pitchFamily="2" charset="0"/>
+                      </a:endParaRPr>
+                    </a:p>
+                  </a:txBody>
+                  <a:tcPr marL="8543" marR="8543" marT="8543" marB="0" anchor="b"/>
+                </a:tc>
+                <a:tc>
+                  <a:txBody>
+                    <a:bodyPr/>
+                    <a:lstStyle/>
+                    <a:p>
+                      <a:pPr algn="l" fontAlgn="b"/>
+                      <a:r>
+                        <a:rPr lang="en-US" sz="1000" u="none" strike="noStrike">
+                          <a:effectLst/>
+                        </a:rPr>
+                        <a:t> $   1,053,899.28 </a:t>
+                      </a:r>
+                      <a:endParaRPr lang="en-US" sz="1000" b="0" i="0" u="none" strike="noStrike">
+                        <a:solidFill>
+                          <a:srgbClr val="000000"/>
+                        </a:solidFill>
+                        <a:effectLst/>
+                        <a:latin typeface="Helvetica" pitchFamily="2" charset="0"/>
+                      </a:endParaRPr>
+                    </a:p>
+                  </a:txBody>
+                  <a:tcPr marL="8543" marR="8543" marT="8543" marB="0" anchor="b"/>
+                </a:tc>
+                <a:tc>
+                  <a:txBody>
+                    <a:bodyPr/>
+                    <a:lstStyle/>
+                    <a:p>
+                      <a:pPr algn="r" fontAlgn="b"/>
+                      <a:r>
+                        <a:rPr lang="en-US" sz="1000" u="none" strike="noStrike">
+                          <a:effectLst/>
+                        </a:rPr>
+                        <a:t>5.07</a:t>
+                      </a:r>
+                      <a:endParaRPr lang="en-US" sz="1000" b="0" i="0" u="none" strike="noStrike">
+                        <a:solidFill>
+                          <a:srgbClr val="000000"/>
+                        </a:solidFill>
+                        <a:effectLst/>
+                        <a:latin typeface="Helvetica" pitchFamily="2" charset="0"/>
+                      </a:endParaRPr>
+                    </a:p>
+                  </a:txBody>
+                  <a:tcPr marL="8543" marR="8543" marT="8543" marB="0" anchor="b"/>
+                </a:tc>
+                <a:extLst>
+                  <a:ext uri="{0D108BD9-81ED-4DB2-BD59-A6C34878D82A}">
+                    <a16:rowId xmlns:a16="http://schemas.microsoft.com/office/drawing/2014/main" val="761165780"/>
+                  </a:ext>
+                </a:extLst>
+              </a:tr>
+              <a:tr h="191698">
+                <a:tc>
+                  <a:txBody>
+                    <a:bodyPr/>
+                    <a:lstStyle/>
+                    <a:p>
+                      <a:pPr algn="l" fontAlgn="b"/>
+                      <a:r>
+                        <a:rPr lang="en-US" sz="1000" u="none" strike="noStrike">
+                          <a:effectLst/>
+                        </a:rPr>
+                        <a:t>Canada</a:t>
+                      </a:r>
+                      <a:endParaRPr lang="en-US" sz="1000" b="0" i="0" u="none" strike="noStrike">
+                        <a:solidFill>
+                          <a:srgbClr val="000000"/>
+                        </a:solidFill>
+                        <a:effectLst/>
+                        <a:latin typeface="Helvetica" pitchFamily="2" charset="0"/>
+                      </a:endParaRPr>
+                    </a:p>
+                  </a:txBody>
+                  <a:tcPr marL="8543" marR="8543" marT="8543" marB="0" anchor="b"/>
+                </a:tc>
+                <a:tc>
+                  <a:txBody>
+                    <a:bodyPr/>
+                    <a:lstStyle/>
+                    <a:p>
+                      <a:pPr algn="r" fontAlgn="b"/>
+                      <a:r>
+                        <a:rPr lang="en-US" sz="1000" u="none" strike="noStrike">
+                          <a:effectLst/>
+                        </a:rPr>
+                        <a:t>22</a:t>
+                      </a:r>
+                      <a:endParaRPr lang="en-US" sz="1000" b="0" i="0" u="none" strike="noStrike">
+                        <a:solidFill>
+                          <a:srgbClr val="000000"/>
+                        </a:solidFill>
+                        <a:effectLst/>
+                        <a:latin typeface="Helvetica" pitchFamily="2" charset="0"/>
+                      </a:endParaRPr>
+                    </a:p>
+                  </a:txBody>
+                  <a:tcPr marL="8543" marR="8543" marT="8543" marB="0" anchor="b"/>
+                </a:tc>
+                <a:tc>
+                  <a:txBody>
+                    <a:bodyPr/>
+                    <a:lstStyle/>
+                    <a:p>
+                      <a:pPr algn="l" fontAlgn="b"/>
+                      <a:r>
+                        <a:rPr lang="en-US" sz="1000" u="none" strike="noStrike">
+                          <a:effectLst/>
+                        </a:rPr>
+                        <a:t> $      553,251.41 </a:t>
+                      </a:r>
+                      <a:endParaRPr lang="en-US" sz="1000" b="0" i="0" u="none" strike="noStrike">
+                        <a:solidFill>
+                          <a:srgbClr val="000000"/>
+                        </a:solidFill>
+                        <a:effectLst/>
+                        <a:latin typeface="Helvetica" pitchFamily="2" charset="0"/>
+                      </a:endParaRPr>
+                    </a:p>
+                  </a:txBody>
+                  <a:tcPr marL="8543" marR="8543" marT="8543" marB="0" anchor="b"/>
+                </a:tc>
+                <a:tc>
+                  <a:txBody>
+                    <a:bodyPr/>
+                    <a:lstStyle/>
+                    <a:p>
+                      <a:pPr algn="r" fontAlgn="b"/>
+                      <a:r>
+                        <a:rPr lang="en-US" sz="1000" u="none" strike="noStrike">
+                          <a:effectLst/>
+                        </a:rPr>
+                        <a:t>5.05</a:t>
+                      </a:r>
+                      <a:endParaRPr lang="en-US" sz="1000" b="0" i="0" u="none" strike="noStrike">
+                        <a:solidFill>
+                          <a:srgbClr val="000000"/>
+                        </a:solidFill>
+                        <a:effectLst/>
+                        <a:latin typeface="Helvetica" pitchFamily="2" charset="0"/>
+                      </a:endParaRPr>
+                    </a:p>
+                  </a:txBody>
+                  <a:tcPr marL="8543" marR="8543" marT="8543" marB="0" anchor="b"/>
+                </a:tc>
+                <a:extLst>
+                  <a:ext uri="{0D108BD9-81ED-4DB2-BD59-A6C34878D82A}">
+                    <a16:rowId xmlns:a16="http://schemas.microsoft.com/office/drawing/2014/main" val="2322936043"/>
+                  </a:ext>
+                </a:extLst>
+              </a:tr>
+              <a:tr h="191698">
+                <a:tc>
+                  <a:txBody>
+                    <a:bodyPr/>
+                    <a:lstStyle/>
+                    <a:p>
+                      <a:pPr algn="l" fontAlgn="b"/>
+                      <a:r>
+                        <a:rPr lang="en-US" sz="1000" u="none" strike="noStrike">
+                          <a:effectLst/>
+                        </a:rPr>
+                        <a:t>Russia</a:t>
+                      </a:r>
+                      <a:endParaRPr lang="en-US" sz="1000" b="0" i="0" u="none" strike="noStrike">
+                        <a:solidFill>
+                          <a:srgbClr val="000000"/>
+                        </a:solidFill>
+                        <a:effectLst/>
+                        <a:latin typeface="Helvetica" pitchFamily="2" charset="0"/>
+                      </a:endParaRPr>
+                    </a:p>
+                  </a:txBody>
+                  <a:tcPr marL="8543" marR="8543" marT="8543" marB="0" anchor="b"/>
+                </a:tc>
+                <a:tc>
+                  <a:txBody>
+                    <a:bodyPr/>
+                    <a:lstStyle/>
+                    <a:p>
+                      <a:pPr algn="r" fontAlgn="b"/>
+                      <a:r>
+                        <a:rPr lang="en-US" sz="1000" u="none" strike="noStrike">
+                          <a:effectLst/>
+                        </a:rPr>
+                        <a:t>18</a:t>
+                      </a:r>
+                      <a:endParaRPr lang="en-US" sz="1000" b="0" i="0" u="none" strike="noStrike">
+                        <a:solidFill>
+                          <a:srgbClr val="000000"/>
+                        </a:solidFill>
+                        <a:effectLst/>
+                        <a:latin typeface="Helvetica" pitchFamily="2" charset="0"/>
+                      </a:endParaRPr>
+                    </a:p>
+                  </a:txBody>
+                  <a:tcPr marL="8543" marR="8543" marT="8543" marB="0" anchor="b"/>
+                </a:tc>
+                <a:tc>
+                  <a:txBody>
+                    <a:bodyPr/>
+                    <a:lstStyle/>
+                    <a:p>
+                      <a:pPr algn="l" fontAlgn="b"/>
+                      <a:r>
+                        <a:rPr lang="en-US" sz="1000" u="none" strike="noStrike">
+                          <a:effectLst/>
+                        </a:rPr>
+                        <a:t> $ 16,993,718.06 </a:t>
+                      </a:r>
+                      <a:endParaRPr lang="en-US" sz="1000" b="0" i="0" u="none" strike="noStrike">
+                        <a:solidFill>
+                          <a:srgbClr val="000000"/>
+                        </a:solidFill>
+                        <a:effectLst/>
+                        <a:latin typeface="Helvetica" pitchFamily="2" charset="0"/>
+                      </a:endParaRPr>
+                    </a:p>
+                  </a:txBody>
+                  <a:tcPr marL="8543" marR="8543" marT="8543" marB="0" anchor="b"/>
+                </a:tc>
+                <a:tc>
+                  <a:txBody>
+                    <a:bodyPr/>
+                    <a:lstStyle/>
+                    <a:p>
+                      <a:pPr algn="r" fontAlgn="b"/>
+                      <a:r>
+                        <a:rPr lang="en-US" sz="1000" u="none" strike="noStrike">
+                          <a:effectLst/>
+                        </a:rPr>
+                        <a:t>4.81</a:t>
+                      </a:r>
+                      <a:endParaRPr lang="en-US" sz="1000" b="0" i="0" u="none" strike="noStrike">
+                        <a:solidFill>
+                          <a:srgbClr val="000000"/>
+                        </a:solidFill>
+                        <a:effectLst/>
+                        <a:latin typeface="Helvetica" pitchFamily="2" charset="0"/>
+                      </a:endParaRPr>
+                    </a:p>
+                  </a:txBody>
+                  <a:tcPr marL="8543" marR="8543" marT="8543" marB="0" anchor="b"/>
+                </a:tc>
+                <a:extLst>
+                  <a:ext uri="{0D108BD9-81ED-4DB2-BD59-A6C34878D82A}">
+                    <a16:rowId xmlns:a16="http://schemas.microsoft.com/office/drawing/2014/main" val="290732014"/>
+                  </a:ext>
+                </a:extLst>
+              </a:tr>
+              <a:tr h="191698">
+                <a:tc>
+                  <a:txBody>
+                    <a:bodyPr/>
+                    <a:lstStyle/>
+                    <a:p>
+                      <a:pPr algn="l" fontAlgn="b"/>
+                      <a:r>
+                        <a:rPr lang="en-US" sz="1000" u="none" strike="noStrike">
+                          <a:effectLst/>
+                        </a:rPr>
+                        <a:t>Philippines</a:t>
+                      </a:r>
+                      <a:endParaRPr lang="en-US" sz="1000" b="0" i="0" u="none" strike="noStrike">
+                        <a:solidFill>
+                          <a:srgbClr val="000000"/>
+                        </a:solidFill>
+                        <a:effectLst/>
+                        <a:latin typeface="Helvetica" pitchFamily="2" charset="0"/>
+                      </a:endParaRPr>
+                    </a:p>
+                  </a:txBody>
+                  <a:tcPr marL="8543" marR="8543" marT="8543" marB="0" anchor="b"/>
+                </a:tc>
+                <a:tc>
+                  <a:txBody>
+                    <a:bodyPr/>
+                    <a:lstStyle/>
+                    <a:p>
+                      <a:pPr algn="r" fontAlgn="b"/>
+                      <a:r>
+                        <a:rPr lang="en-US" sz="1000" u="none" strike="noStrike">
+                          <a:effectLst/>
+                        </a:rPr>
+                        <a:t>14</a:t>
+                      </a:r>
+                      <a:endParaRPr lang="en-US" sz="1000" b="0" i="0" u="none" strike="noStrike">
+                        <a:solidFill>
+                          <a:srgbClr val="000000"/>
+                        </a:solidFill>
+                        <a:effectLst/>
+                        <a:latin typeface="Helvetica" pitchFamily="2" charset="0"/>
+                      </a:endParaRPr>
+                    </a:p>
+                  </a:txBody>
+                  <a:tcPr marL="8543" marR="8543" marT="8543" marB="0" anchor="b"/>
+                </a:tc>
+                <a:tc>
+                  <a:txBody>
+                    <a:bodyPr/>
+                    <a:lstStyle/>
+                    <a:p>
+                      <a:pPr algn="l" fontAlgn="b"/>
+                      <a:r>
+                        <a:rPr lang="en-US" sz="1000" u="none" strike="noStrike">
+                          <a:effectLst/>
+                        </a:rPr>
+                        <a:t> $   8,795,928.57 </a:t>
+                      </a:r>
+                      <a:endParaRPr lang="en-US" sz="1000" b="0" i="0" u="none" strike="noStrike">
+                        <a:solidFill>
+                          <a:srgbClr val="000000"/>
+                        </a:solidFill>
+                        <a:effectLst/>
+                        <a:latin typeface="Helvetica" pitchFamily="2" charset="0"/>
+                      </a:endParaRPr>
+                    </a:p>
+                  </a:txBody>
+                  <a:tcPr marL="8543" marR="8543" marT="8543" marB="0" anchor="b"/>
+                </a:tc>
+                <a:tc>
+                  <a:txBody>
+                    <a:bodyPr/>
+                    <a:lstStyle/>
+                    <a:p>
+                      <a:pPr algn="r" fontAlgn="b"/>
+                      <a:r>
+                        <a:rPr lang="en-US" sz="1000" u="none" strike="noStrike">
+                          <a:effectLst/>
+                        </a:rPr>
+                        <a:t>4.75</a:t>
+                      </a:r>
+                      <a:endParaRPr lang="en-US" sz="1000" b="0" i="0" u="none" strike="noStrike">
+                        <a:solidFill>
+                          <a:srgbClr val="000000"/>
+                        </a:solidFill>
+                        <a:effectLst/>
+                        <a:latin typeface="Helvetica" pitchFamily="2" charset="0"/>
+                      </a:endParaRPr>
+                    </a:p>
+                  </a:txBody>
+                  <a:tcPr marL="8543" marR="8543" marT="8543" marB="0" anchor="b"/>
+                </a:tc>
+                <a:extLst>
+                  <a:ext uri="{0D108BD9-81ED-4DB2-BD59-A6C34878D82A}">
+                    <a16:rowId xmlns:a16="http://schemas.microsoft.com/office/drawing/2014/main" val="2848235479"/>
+                  </a:ext>
+                </a:extLst>
+              </a:tr>
+              <a:tr h="191698">
+                <a:tc>
+                  <a:txBody>
+                    <a:bodyPr/>
+                    <a:lstStyle/>
+                    <a:p>
+                      <a:pPr algn="l" fontAlgn="b"/>
+                      <a:r>
+                        <a:rPr lang="en-US" sz="1000" u="none" strike="noStrike">
+                          <a:effectLst/>
+                        </a:rPr>
+                        <a:t>Australia</a:t>
+                      </a:r>
+                      <a:endParaRPr lang="en-US" sz="1000" b="0" i="0" u="none" strike="noStrike">
+                        <a:solidFill>
+                          <a:srgbClr val="000000"/>
+                        </a:solidFill>
+                        <a:effectLst/>
+                        <a:latin typeface="Helvetica" pitchFamily="2" charset="0"/>
+                      </a:endParaRPr>
+                    </a:p>
+                  </a:txBody>
+                  <a:tcPr marL="8543" marR="8543" marT="8543" marB="0" anchor="b"/>
+                </a:tc>
+                <a:tc>
+                  <a:txBody>
+                    <a:bodyPr/>
+                    <a:lstStyle/>
+                    <a:p>
+                      <a:pPr algn="r" fontAlgn="b"/>
+                      <a:r>
+                        <a:rPr lang="en-US" sz="1000" u="none" strike="noStrike">
+                          <a:effectLst/>
+                        </a:rPr>
+                        <a:t>12</a:t>
+                      </a:r>
+                      <a:endParaRPr lang="en-US" sz="1000" b="0" i="0" u="none" strike="noStrike">
+                        <a:solidFill>
+                          <a:srgbClr val="000000"/>
+                        </a:solidFill>
+                        <a:effectLst/>
+                        <a:latin typeface="Helvetica" pitchFamily="2" charset="0"/>
+                      </a:endParaRPr>
+                    </a:p>
+                  </a:txBody>
+                  <a:tcPr marL="8543" marR="8543" marT="8543" marB="0" anchor="b"/>
+                </a:tc>
+                <a:tc>
+                  <a:txBody>
+                    <a:bodyPr/>
+                    <a:lstStyle/>
+                    <a:p>
+                      <a:pPr algn="l" fontAlgn="b"/>
+                      <a:r>
+                        <a:rPr lang="en-US" sz="1000" u="none" strike="noStrike">
+                          <a:effectLst/>
+                        </a:rPr>
+                        <a:t> $   3,663,166.67 </a:t>
+                      </a:r>
+                      <a:endParaRPr lang="en-US" sz="1000" b="0" i="0" u="none" strike="noStrike">
+                        <a:solidFill>
+                          <a:srgbClr val="000000"/>
+                        </a:solidFill>
+                        <a:effectLst/>
+                        <a:latin typeface="Helvetica" pitchFamily="2" charset="0"/>
+                      </a:endParaRPr>
+                    </a:p>
+                  </a:txBody>
+                  <a:tcPr marL="8543" marR="8543" marT="8543" marB="0" anchor="b"/>
+                </a:tc>
+                <a:tc>
+                  <a:txBody>
+                    <a:bodyPr/>
+                    <a:lstStyle/>
+                    <a:p>
+                      <a:pPr algn="r" fontAlgn="b"/>
+                      <a:r>
+                        <a:rPr lang="en-US" sz="1000" u="none" strike="noStrike">
+                          <a:effectLst/>
+                        </a:rPr>
+                        <a:t>4.46</a:t>
+                      </a:r>
+                      <a:endParaRPr lang="en-US" sz="1000" b="0" i="0" u="none" strike="noStrike">
+                        <a:solidFill>
+                          <a:srgbClr val="000000"/>
+                        </a:solidFill>
+                        <a:effectLst/>
+                        <a:latin typeface="Helvetica" pitchFamily="2" charset="0"/>
+                      </a:endParaRPr>
+                    </a:p>
+                  </a:txBody>
+                  <a:tcPr marL="8543" marR="8543" marT="8543" marB="0" anchor="b"/>
+                </a:tc>
+                <a:extLst>
+                  <a:ext uri="{0D108BD9-81ED-4DB2-BD59-A6C34878D82A}">
+                    <a16:rowId xmlns:a16="http://schemas.microsoft.com/office/drawing/2014/main" val="2407530474"/>
+                  </a:ext>
+                </a:extLst>
+              </a:tr>
+              <a:tr h="191698">
+                <a:tc>
+                  <a:txBody>
+                    <a:bodyPr/>
+                    <a:lstStyle/>
+                    <a:p>
+                      <a:pPr algn="l" fontAlgn="b"/>
+                      <a:r>
+                        <a:rPr lang="en-US" sz="1000" u="none" strike="noStrike">
+                          <a:effectLst/>
+                        </a:rPr>
+                        <a:t>Germany</a:t>
+                      </a:r>
+                      <a:endParaRPr lang="en-US" sz="1000" b="0" i="0" u="none" strike="noStrike">
+                        <a:solidFill>
+                          <a:srgbClr val="000000"/>
+                        </a:solidFill>
+                        <a:effectLst/>
+                        <a:latin typeface="Helvetica" pitchFamily="2" charset="0"/>
+                      </a:endParaRPr>
+                    </a:p>
+                  </a:txBody>
+                  <a:tcPr marL="8543" marR="8543" marT="8543" marB="0" anchor="b"/>
+                </a:tc>
+                <a:tc>
+                  <a:txBody>
+                    <a:bodyPr/>
+                    <a:lstStyle/>
+                    <a:p>
+                      <a:pPr algn="r" fontAlgn="b"/>
+                      <a:r>
+                        <a:rPr lang="en-US" sz="1000" u="none" strike="noStrike">
+                          <a:effectLst/>
+                        </a:rPr>
+                        <a:t>21</a:t>
+                      </a:r>
+                      <a:endParaRPr lang="en-US" sz="1000" b="0" i="0" u="none" strike="noStrike">
+                        <a:solidFill>
+                          <a:srgbClr val="000000"/>
+                        </a:solidFill>
+                        <a:effectLst/>
+                        <a:latin typeface="Helvetica" pitchFamily="2" charset="0"/>
+                      </a:endParaRPr>
+                    </a:p>
+                  </a:txBody>
+                  <a:tcPr marL="8543" marR="8543" marT="8543" marB="0" anchor="b"/>
+                </a:tc>
+                <a:tc>
+                  <a:txBody>
+                    <a:bodyPr/>
+                    <a:lstStyle/>
+                    <a:p>
+                      <a:pPr algn="l" fontAlgn="b"/>
+                      <a:r>
+                        <a:rPr lang="en-US" sz="1000" u="none" strike="noStrike">
+                          <a:effectLst/>
+                        </a:rPr>
+                        <a:t> $      927,872.10 </a:t>
+                      </a:r>
+                      <a:endParaRPr lang="en-US" sz="1000" b="0" i="0" u="none" strike="noStrike">
+                        <a:solidFill>
+                          <a:srgbClr val="000000"/>
+                        </a:solidFill>
+                        <a:effectLst/>
+                        <a:latin typeface="Helvetica" pitchFamily="2" charset="0"/>
+                      </a:endParaRPr>
+                    </a:p>
+                  </a:txBody>
+                  <a:tcPr marL="8543" marR="8543" marT="8543" marB="0" anchor="b"/>
+                </a:tc>
+                <a:tc>
+                  <a:txBody>
+                    <a:bodyPr/>
+                    <a:lstStyle/>
+                    <a:p>
+                      <a:pPr algn="r" fontAlgn="b"/>
+                      <a:r>
+                        <a:rPr lang="en-US" sz="1000" u="none" strike="noStrike">
+                          <a:effectLst/>
+                        </a:rPr>
+                        <a:t>4.37</a:t>
+                      </a:r>
+                      <a:endParaRPr lang="en-US" sz="1000" b="0" i="0" u="none" strike="noStrike">
+                        <a:solidFill>
+                          <a:srgbClr val="000000"/>
+                        </a:solidFill>
+                        <a:effectLst/>
+                        <a:latin typeface="Helvetica" pitchFamily="2" charset="0"/>
+                      </a:endParaRPr>
+                    </a:p>
+                  </a:txBody>
+                  <a:tcPr marL="8543" marR="8543" marT="8543" marB="0" anchor="b"/>
+                </a:tc>
+                <a:extLst>
+                  <a:ext uri="{0D108BD9-81ED-4DB2-BD59-A6C34878D82A}">
+                    <a16:rowId xmlns:a16="http://schemas.microsoft.com/office/drawing/2014/main" val="1423678918"/>
+                  </a:ext>
+                </a:extLst>
+              </a:tr>
+              <a:tr h="191698">
+                <a:tc>
+                  <a:txBody>
+                    <a:bodyPr/>
+                    <a:lstStyle/>
+                    <a:p>
+                      <a:pPr algn="l" fontAlgn="b"/>
+                      <a:r>
+                        <a:rPr lang="en-US" sz="1000" u="none" strike="noStrike">
+                          <a:effectLst/>
+                        </a:rPr>
+                        <a:t>Japan</a:t>
+                      </a:r>
+                      <a:endParaRPr lang="en-US" sz="1000" b="0" i="0" u="none" strike="noStrike">
+                        <a:solidFill>
+                          <a:srgbClr val="000000"/>
+                        </a:solidFill>
+                        <a:effectLst/>
+                        <a:latin typeface="Helvetica" pitchFamily="2" charset="0"/>
+                      </a:endParaRPr>
+                    </a:p>
+                  </a:txBody>
+                  <a:tcPr marL="8543" marR="8543" marT="8543" marB="0" anchor="b"/>
+                </a:tc>
+                <a:tc>
+                  <a:txBody>
+                    <a:bodyPr/>
+                    <a:lstStyle/>
+                    <a:p>
+                      <a:pPr algn="r" fontAlgn="b"/>
+                      <a:r>
+                        <a:rPr lang="en-US" sz="1000" u="none" strike="noStrike">
+                          <a:effectLst/>
+                        </a:rPr>
+                        <a:t>11</a:t>
+                      </a:r>
+                      <a:endParaRPr lang="en-US" sz="1000" b="0" i="0" u="none" strike="noStrike">
+                        <a:solidFill>
+                          <a:srgbClr val="000000"/>
+                        </a:solidFill>
+                        <a:effectLst/>
+                        <a:latin typeface="Helvetica" pitchFamily="2" charset="0"/>
+                      </a:endParaRPr>
+                    </a:p>
+                  </a:txBody>
+                  <a:tcPr marL="8543" marR="8543" marT="8543" marB="0" anchor="b"/>
+                </a:tc>
+                <a:tc>
+                  <a:txBody>
+                    <a:bodyPr/>
+                    <a:lstStyle/>
+                    <a:p>
+                      <a:pPr algn="l" fontAlgn="b"/>
+                      <a:r>
+                        <a:rPr lang="en-US" sz="1000" u="none" strike="noStrike">
+                          <a:effectLst/>
+                        </a:rPr>
+                        <a:t> $   3,385,727.27 </a:t>
+                      </a:r>
+                      <a:endParaRPr lang="en-US" sz="1000" b="0" i="0" u="none" strike="noStrike">
+                        <a:solidFill>
+                          <a:srgbClr val="000000"/>
+                        </a:solidFill>
+                        <a:effectLst/>
+                        <a:latin typeface="Helvetica" pitchFamily="2" charset="0"/>
+                      </a:endParaRPr>
+                    </a:p>
+                  </a:txBody>
+                  <a:tcPr marL="8543" marR="8543" marT="8543" marB="0" anchor="b"/>
+                </a:tc>
+                <a:tc>
+                  <a:txBody>
+                    <a:bodyPr/>
+                    <a:lstStyle/>
+                    <a:p>
+                      <a:pPr algn="r" fontAlgn="b"/>
+                      <a:r>
+                        <a:rPr lang="en-US" sz="1000" u="none" strike="noStrike">
+                          <a:effectLst/>
+                        </a:rPr>
+                        <a:t>4.12</a:t>
+                      </a:r>
+                      <a:endParaRPr lang="en-US" sz="1000" b="0" i="0" u="none" strike="noStrike">
+                        <a:solidFill>
+                          <a:srgbClr val="000000"/>
+                        </a:solidFill>
+                        <a:effectLst/>
+                        <a:latin typeface="Helvetica" pitchFamily="2" charset="0"/>
+                      </a:endParaRPr>
+                    </a:p>
+                  </a:txBody>
+                  <a:tcPr marL="8543" marR="8543" marT="8543" marB="0" anchor="b"/>
+                </a:tc>
+                <a:extLst>
+                  <a:ext uri="{0D108BD9-81ED-4DB2-BD59-A6C34878D82A}">
+                    <a16:rowId xmlns:a16="http://schemas.microsoft.com/office/drawing/2014/main" val="1371962878"/>
+                  </a:ext>
+                </a:extLst>
+              </a:tr>
+              <a:tr h="191698">
+                <a:tc>
+                  <a:txBody>
+                    <a:bodyPr/>
+                    <a:lstStyle/>
+                    <a:p>
+                      <a:pPr algn="l" fontAlgn="b"/>
+                      <a:r>
+                        <a:rPr lang="en-US" sz="1000" u="none" strike="noStrike">
+                          <a:effectLst/>
+                        </a:rPr>
+                        <a:t>Peru</a:t>
+                      </a:r>
+                      <a:endParaRPr lang="en-US" sz="1000" b="0" i="0" u="none" strike="noStrike">
+                        <a:solidFill>
+                          <a:srgbClr val="000000"/>
+                        </a:solidFill>
+                        <a:effectLst/>
+                        <a:latin typeface="Helvetica" pitchFamily="2" charset="0"/>
+                      </a:endParaRPr>
+                    </a:p>
+                  </a:txBody>
+                  <a:tcPr marL="8543" marR="8543" marT="8543" marB="0" anchor="b"/>
+                </a:tc>
+                <a:tc>
+                  <a:txBody>
+                    <a:bodyPr/>
+                    <a:lstStyle/>
+                    <a:p>
+                      <a:pPr algn="r" fontAlgn="b"/>
+                      <a:r>
+                        <a:rPr lang="en-US" sz="1000" u="none" strike="noStrike">
+                          <a:effectLst/>
+                        </a:rPr>
+                        <a:t>10</a:t>
+                      </a:r>
+                      <a:endParaRPr lang="en-US" sz="1000" b="0" i="0" u="none" strike="noStrike">
+                        <a:solidFill>
+                          <a:srgbClr val="000000"/>
+                        </a:solidFill>
+                        <a:effectLst/>
+                        <a:latin typeface="Helvetica" pitchFamily="2" charset="0"/>
+                      </a:endParaRPr>
+                    </a:p>
+                  </a:txBody>
+                  <a:tcPr marL="8543" marR="8543" marT="8543" marB="0" anchor="b"/>
+                </a:tc>
+                <a:tc>
+                  <a:txBody>
+                    <a:bodyPr/>
+                    <a:lstStyle/>
+                    <a:p>
+                      <a:pPr algn="l" fontAlgn="b"/>
+                      <a:r>
+                        <a:rPr lang="en-US" sz="1000" u="none" strike="noStrike">
+                          <a:effectLst/>
+                        </a:rPr>
+                        <a:t> $   1,110,100.00 </a:t>
+                      </a:r>
+                      <a:endParaRPr lang="en-US" sz="1000" b="0" i="0" u="none" strike="noStrike">
+                        <a:solidFill>
+                          <a:srgbClr val="000000"/>
+                        </a:solidFill>
+                        <a:effectLst/>
+                        <a:latin typeface="Helvetica" pitchFamily="2" charset="0"/>
+                      </a:endParaRPr>
+                    </a:p>
+                  </a:txBody>
+                  <a:tcPr marL="8543" marR="8543" marT="8543" marB="0" anchor="b"/>
+                </a:tc>
+                <a:tc>
+                  <a:txBody>
+                    <a:bodyPr/>
+                    <a:lstStyle/>
+                    <a:p>
+                      <a:pPr algn="r" fontAlgn="b"/>
+                      <a:r>
+                        <a:rPr lang="en-US" sz="1000" u="none" strike="noStrike">
+                          <a:effectLst/>
+                        </a:rPr>
+                        <a:t>3.72</a:t>
+                      </a:r>
+                      <a:endParaRPr lang="en-US" sz="1000" b="0" i="0" u="none" strike="noStrike">
+                        <a:solidFill>
+                          <a:srgbClr val="000000"/>
+                        </a:solidFill>
+                        <a:effectLst/>
+                        <a:latin typeface="Helvetica" pitchFamily="2" charset="0"/>
+                      </a:endParaRPr>
+                    </a:p>
+                  </a:txBody>
+                  <a:tcPr marL="8543" marR="8543" marT="8543" marB="0" anchor="b"/>
+                </a:tc>
+                <a:extLst>
+                  <a:ext uri="{0D108BD9-81ED-4DB2-BD59-A6C34878D82A}">
+                    <a16:rowId xmlns:a16="http://schemas.microsoft.com/office/drawing/2014/main" val="1468540937"/>
+                  </a:ext>
+                </a:extLst>
+              </a:tr>
+              <a:tr h="191698">
+                <a:tc>
+                  <a:txBody>
+                    <a:bodyPr/>
+                    <a:lstStyle/>
+                    <a:p>
+                      <a:pPr algn="l" fontAlgn="b"/>
+                      <a:endParaRPr lang="en-US" sz="1000" b="0" i="0" u="none" strike="noStrike">
+                        <a:solidFill>
+                          <a:srgbClr val="000000"/>
+                        </a:solidFill>
+                        <a:effectLst/>
+                        <a:latin typeface="Helvetica" pitchFamily="2" charset="0"/>
+                      </a:endParaRPr>
+                    </a:p>
+                  </a:txBody>
+                  <a:tcPr marL="8543" marR="8543" marT="8543" marB="0" anchor="b"/>
+                </a:tc>
+                <a:tc>
+                  <a:txBody>
+                    <a:bodyPr/>
+                    <a:lstStyle/>
+                    <a:p>
+                      <a:pPr algn="r" fontAlgn="b"/>
+                      <a:r>
+                        <a:rPr lang="en-US" sz="1000" u="none" strike="noStrike">
+                          <a:effectLst/>
+                        </a:rPr>
+                        <a:t>1030</a:t>
+                      </a:r>
+                      <a:endParaRPr lang="en-US" sz="1000" b="0" i="0" u="none" strike="noStrike">
+                        <a:solidFill>
+                          <a:srgbClr val="000000"/>
+                        </a:solidFill>
+                        <a:effectLst/>
+                        <a:latin typeface="Helvetica" pitchFamily="2" charset="0"/>
+                      </a:endParaRPr>
+                    </a:p>
+                  </a:txBody>
+                  <a:tcPr marL="8543" marR="8543" marT="8543" marB="0" anchor="b"/>
+                </a:tc>
+                <a:tc>
+                  <a:txBody>
+                    <a:bodyPr/>
+                    <a:lstStyle/>
+                    <a:p>
+                      <a:pPr algn="l" fontAlgn="b"/>
+                      <a:r>
+                        <a:rPr lang="en-US" sz="1000" u="none" strike="noStrike">
+                          <a:effectLst/>
+                        </a:rPr>
+                        <a:t> $   9,163,941.39 </a:t>
+                      </a:r>
+                      <a:endParaRPr lang="en-US" sz="1000" b="0" i="0" u="none" strike="noStrike">
+                        <a:solidFill>
+                          <a:srgbClr val="000000"/>
+                        </a:solidFill>
+                        <a:effectLst/>
+                        <a:latin typeface="Helvetica" pitchFamily="2" charset="0"/>
+                      </a:endParaRPr>
+                    </a:p>
+                  </a:txBody>
+                  <a:tcPr marL="8543" marR="8543" marT="8543" marB="0" anchor="b"/>
+                </a:tc>
+                <a:tc>
+                  <a:txBody>
+                    <a:bodyPr/>
+                    <a:lstStyle/>
+                    <a:p>
+                      <a:pPr algn="r" fontAlgn="b"/>
+                      <a:r>
+                        <a:rPr lang="en-US" sz="1000" u="none" strike="noStrike">
+                          <a:effectLst/>
+                        </a:rPr>
+                        <a:t>4.89</a:t>
+                      </a:r>
+                      <a:endParaRPr lang="en-US" sz="1000" b="0" i="0" u="none" strike="noStrike">
+                        <a:solidFill>
+                          <a:srgbClr val="000000"/>
+                        </a:solidFill>
+                        <a:effectLst/>
+                        <a:latin typeface="Helvetica" pitchFamily="2" charset="0"/>
+                      </a:endParaRPr>
+                    </a:p>
+                  </a:txBody>
+                  <a:tcPr marL="8543" marR="8543" marT="8543" marB="0" anchor="b"/>
+                </a:tc>
+                <a:extLst>
+                  <a:ext uri="{0D108BD9-81ED-4DB2-BD59-A6C34878D82A}">
+                    <a16:rowId xmlns:a16="http://schemas.microsoft.com/office/drawing/2014/main" val="1082366865"/>
+                  </a:ext>
+                </a:extLst>
+              </a:tr>
+            </a:tbl>
+          </a:graphicData>
+        </a:graphic>
+      </p:graphicFrame>
     </p:spTree>
     <p:extLst>
       <p:ext uri="{BB962C8B-B14F-4D97-AF65-F5344CB8AC3E}">
-        <p14:creationId xmlns:p14="http://schemas.microsoft.com/office/powerpoint/2010/main" val="1068830328"/>
+        <p14:creationId xmlns:p14="http://schemas.microsoft.com/office/powerpoint/2010/main" val="2295519023"/>
       </p:ext>
     </p:extLst>
   </p:cSld>
@@ -16597,7 +18211,7 @@
                 <a:latin typeface="Simplified Arabic Fixed" panose="02070309020205020404" pitchFamily="49" charset="-78"/>
                 <a:cs typeface="Simplified Arabic Fixed" panose="02070309020205020404" pitchFamily="49" charset="-78"/>
               </a:rPr>
-              <a:t>Country Analysis: Question 2</a:t>
+              <a:t>Country Analysis: Question 1</a:t>
             </a:r>
           </a:p>
         </p:txBody>
@@ -16621,7 +18235,7 @@
         <p:spPr>
           <a:xfrm>
             <a:off x="1154955" y="2603500"/>
-            <a:ext cx="4082968" cy="3416300"/>
+            <a:ext cx="3481054" cy="3416300"/>
           </a:xfrm>
         </p:spPr>
         <p:txBody>
@@ -16632,31 +18246,233 @@
           <a:p>
             <a:r>
               <a:rPr lang="en-US" sz="1600" dirty="0"/>
-              <a:t>What is the relationship between rating average and country?</a:t>
+              <a:t>What country spends the most on average per movie?</a:t>
             </a:r>
           </a:p>
           <a:p>
             <a:pPr lvl="1"/>
             <a:r>
-              <a:rPr lang="en-US" sz="1400" dirty="0"/>
-              <a:t>Looking at the ratings and the budget, Horror movies seem to be a popular genre</a:t>
+              <a:rPr lang="en-US" dirty="0"/>
+              <a:t>India spent $60 million more than then the 2</a:t>
+            </a:r>
+            <a:r>
+              <a:rPr lang="en-US" baseline="30000" dirty="0"/>
+              <a:t>nd</a:t>
+            </a:r>
+            <a:r>
+              <a:rPr lang="en-US" dirty="0"/>
+              <a:t> most spending country</a:t>
             </a:r>
           </a:p>
           <a:p>
             <a:pPr lvl="1"/>
             <a:r>
-              <a:rPr lang="en-US" sz="1400" dirty="0"/>
-              <a:t>Japan only made 11 movies, the average rating was the highest amount the countries</a:t>
+              <a:rPr lang="en-US" dirty="0"/>
+              <a:t>On average the other countries spend roughly $4 million per movie</a:t>
             </a:r>
+          </a:p>
+          <a:p>
+            <a:pPr lvl="1"/>
+            <a:endParaRPr lang="en-US" dirty="0"/>
           </a:p>
         </p:txBody>
       </p:sp>
       <p:pic>
         <p:nvPicPr>
-          <p:cNvPr id="4" name="Picture 3">
+          <p:cNvPr id="8" name="Picture 7">
             <a:extLst>
               <a:ext uri="{FF2B5EF4-FFF2-40B4-BE49-F238E27FC236}">
-                <a16:creationId xmlns:a16="http://schemas.microsoft.com/office/drawing/2014/main" id="{B0AAA095-2A25-3EA3-0C8E-009BB15BCA88}"/>
+                <a16:creationId xmlns:a16="http://schemas.microsoft.com/office/drawing/2014/main" id="{BF570C56-B19D-9D88-DCE0-FD8C859CCE74}"/>
+              </a:ext>
+            </a:extLst>
+          </p:cNvPr>
+          <p:cNvPicPr>
+            <a:picLocks noChangeAspect="1"/>
+          </p:cNvPicPr>
+          <p:nvPr/>
+        </p:nvPicPr>
+        <p:blipFill rotWithShape="1">
+          <a:blip r:embed="rId2"/>
+          <a:srcRect r="-3387" b="-3387"/>
+          <a:stretch/>
+        </p:blipFill>
+        <p:spPr>
+          <a:xfrm>
+            <a:off x="4841778" y="2603500"/>
+            <a:ext cx="2980034" cy="3546288"/>
+          </a:xfrm>
+          <a:prstGeom prst="roundRect">
+            <a:avLst>
+              <a:gd name="adj" fmla="val 1858"/>
+            </a:avLst>
+          </a:prstGeom>
+          <a:effectLst/>
+        </p:spPr>
+      </p:pic>
+      <p:pic>
+        <p:nvPicPr>
+          <p:cNvPr id="7" name="Picture 6">
+            <a:extLst>
+              <a:ext uri="{FF2B5EF4-FFF2-40B4-BE49-F238E27FC236}">
+                <a16:creationId xmlns:a16="http://schemas.microsoft.com/office/drawing/2014/main" id="{EA7FAAD5-086B-1C58-689A-044424D67D7A}"/>
+              </a:ext>
+            </a:extLst>
+          </p:cNvPr>
+          <p:cNvPicPr>
+            <a:picLocks noChangeAspect="1"/>
+          </p:cNvPicPr>
+          <p:nvPr/>
+        </p:nvPicPr>
+        <p:blipFill>
+          <a:blip r:embed="rId3"/>
+          <a:stretch>
+            <a:fillRect/>
+          </a:stretch>
+        </p:blipFill>
+        <p:spPr>
+          <a:xfrm>
+            <a:off x="7821813" y="2603500"/>
+            <a:ext cx="4137106" cy="3306580"/>
+          </a:xfrm>
+          <a:prstGeom prst="roundRect">
+            <a:avLst>
+              <a:gd name="adj" fmla="val 1858"/>
+            </a:avLst>
+          </a:prstGeom>
+          <a:effectLst/>
+        </p:spPr>
+      </p:pic>
+    </p:spTree>
+    <p:extLst>
+      <p:ext uri="{BB962C8B-B14F-4D97-AF65-F5344CB8AC3E}">
+        <p14:creationId xmlns:p14="http://schemas.microsoft.com/office/powerpoint/2010/main" val="1068830328"/>
+      </p:ext>
+    </p:extLst>
+  </p:cSld>
+  <p:clrMapOvr>
+    <a:masterClrMapping/>
+  </p:clrMapOvr>
+</p:sld>
+</file>
+
+<file path=ppt/slides/slide8.xml><?xml version="1.0" encoding="utf-8"?>
+<p:sld xmlns:a="http://schemas.openxmlformats.org/drawingml/2006/main" xmlns:r="http://schemas.openxmlformats.org/officeDocument/2006/relationships" xmlns:p="http://schemas.openxmlformats.org/presentationml/2006/main">
+  <p:cSld>
+    <p:bg>
+      <p:bgPr>
+        <a:solidFill>
+          <a:schemeClr val="bg1"/>
+        </a:solidFill>
+        <a:effectLst/>
+      </p:bgPr>
+    </p:bg>
+    <p:spTree>
+      <p:nvGrpSpPr>
+        <p:cNvPr id="1" name=""/>
+        <p:cNvGrpSpPr/>
+        <p:nvPr/>
+      </p:nvGrpSpPr>
+      <p:grpSpPr>
+        <a:xfrm>
+          <a:off x="0" y="0"/>
+          <a:ext cx="0" cy="0"/>
+          <a:chOff x="0" y="0"/>
+          <a:chExt cx="0" cy="0"/>
+        </a:xfrm>
+      </p:grpSpPr>
+      <p:sp>
+        <p:nvSpPr>
+          <p:cNvPr id="2" name="Title 1">
+            <a:extLst>
+              <a:ext uri="{FF2B5EF4-FFF2-40B4-BE49-F238E27FC236}">
+                <a16:creationId xmlns:a16="http://schemas.microsoft.com/office/drawing/2014/main" id="{62996E13-90E2-C085-109D-9CB4B9409557}"/>
+              </a:ext>
+            </a:extLst>
+          </p:cNvPr>
+          <p:cNvSpPr>
+            <a:spLocks noGrp="1"/>
+          </p:cNvSpPr>
+          <p:nvPr>
+            <p:ph type="title"/>
+          </p:nvPr>
+        </p:nvSpPr>
+        <p:spPr>
+          <a:xfrm>
+            <a:off x="1154954" y="947920"/>
+            <a:ext cx="8761413" cy="728480"/>
+          </a:xfrm>
+        </p:spPr>
+        <p:txBody>
+          <a:bodyPr>
+            <a:normAutofit/>
+          </a:bodyPr>
+          <a:lstStyle/>
+          <a:p>
+            <a:r>
+              <a:rPr lang="en-US" dirty="0">
+                <a:latin typeface="Simplified Arabic Fixed" panose="02070309020205020404" pitchFamily="49" charset="-78"/>
+                <a:cs typeface="Simplified Arabic Fixed" panose="02070309020205020404" pitchFamily="49" charset="-78"/>
+              </a:rPr>
+              <a:t>Country Analysis: Question 2</a:t>
+            </a:r>
+          </a:p>
+        </p:txBody>
+      </p:sp>
+      <p:sp>
+        <p:nvSpPr>
+          <p:cNvPr id="3" name="Content Placeholder 2">
+            <a:extLst>
+              <a:ext uri="{FF2B5EF4-FFF2-40B4-BE49-F238E27FC236}">
+                <a16:creationId xmlns:a16="http://schemas.microsoft.com/office/drawing/2014/main" id="{57505223-4AEB-2246-ACA4-BBD7BED52E1B}"/>
+              </a:ext>
+            </a:extLst>
+          </p:cNvPr>
+          <p:cNvSpPr>
+            <a:spLocks noGrp="1"/>
+          </p:cNvSpPr>
+          <p:nvPr>
+            <p:ph idx="1"/>
+          </p:nvPr>
+        </p:nvSpPr>
+        <p:spPr>
+          <a:xfrm>
+            <a:off x="1154954" y="2603500"/>
+            <a:ext cx="5211979" cy="3416300"/>
+          </a:xfrm>
+        </p:spPr>
+        <p:txBody>
+          <a:bodyPr anchor="ctr">
+            <a:normAutofit/>
+          </a:bodyPr>
+          <a:lstStyle/>
+          <a:p>
+            <a:r>
+              <a:rPr lang="en-US" dirty="0"/>
+              <a:t>What is the relationship between rating average and country?</a:t>
+            </a:r>
+          </a:p>
+          <a:p>
+            <a:pPr lvl="1"/>
+            <a:r>
+              <a:rPr lang="en-US" dirty="0"/>
+              <a:t>UK produced the second most movies, but the ratings were virtually identical to Canada</a:t>
+            </a:r>
+          </a:p>
+          <a:p>
+            <a:pPr lvl="1"/>
+            <a:r>
+              <a:rPr lang="en-US" dirty="0"/>
+              <a:t>India spent the most on average per movie and had the highest ratings</a:t>
+            </a:r>
+          </a:p>
+        </p:txBody>
+      </p:sp>
+      <p:pic>
+        <p:nvPicPr>
+          <p:cNvPr id="6" name="Picture 5">
+            <a:extLst>
+              <a:ext uri="{FF2B5EF4-FFF2-40B4-BE49-F238E27FC236}">
+                <a16:creationId xmlns:a16="http://schemas.microsoft.com/office/drawing/2014/main" id="{6C337279-D5B0-8F01-9B55-CA48D46CDA47}"/>
               </a:ext>
             </a:extLst>
           </p:cNvPr>
@@ -16673,12 +18489,21 @@
         </p:blipFill>
         <p:spPr>
           <a:xfrm>
-            <a:off x="5536096" y="2435087"/>
-            <a:ext cx="6655904" cy="4084983"/>
+            <a:off x="7213402" y="2806899"/>
+            <a:ext cx="4345024" cy="3009501"/>
           </a:xfrm>
-          <a:prstGeom prst="rect">
-            <a:avLst/>
+          <a:prstGeom prst="roundRect">
+            <a:avLst>
+              <a:gd name="adj" fmla="val 1858"/>
+            </a:avLst>
           </a:prstGeom>
+          <a:effectLst>
+            <a:outerShdw blurRad="50800" dist="50800" dir="5400000" algn="tl" rotWithShape="0">
+              <a:srgbClr val="000000">
+                <a:alpha val="43000"/>
+              </a:srgbClr>
+            </a:outerShdw>
+          </a:effectLst>
         </p:spPr>
       </p:pic>
     </p:spTree>
@@ -16786,9 +18611,17 @@
 </p:sld>
 </file>
 
-<file path=ppt/slides/slide8.xml><?xml version="1.0" encoding="utf-8"?>
+<file path=ppt/slides/slide9.xml><?xml version="1.0" encoding="utf-8"?>
 <p:sld xmlns:a="http://schemas.openxmlformats.org/drawingml/2006/main" xmlns:r="http://schemas.openxmlformats.org/officeDocument/2006/relationships" xmlns:p="http://schemas.openxmlformats.org/presentationml/2006/main">
   <p:cSld>
+    <p:bg>
+      <p:bgPr>
+        <a:solidFill>
+          <a:schemeClr val="bg1"/>
+        </a:solidFill>
+        <a:effectLst/>
+      </p:bgPr>
+    </p:bg>
     <p:spTree>
       <p:nvGrpSpPr>
         <p:cNvPr id="1" name=""/>
@@ -16808,7 +18641,7 @@
           <p:cNvPr id="2" name="Title 1">
             <a:extLst>
               <a:ext uri="{FF2B5EF4-FFF2-40B4-BE49-F238E27FC236}">
-                <a16:creationId xmlns:a16="http://schemas.microsoft.com/office/drawing/2014/main" id="{303A4144-7281-3A71-046F-A706B6954FD3}"/>
+                <a16:creationId xmlns:a16="http://schemas.microsoft.com/office/drawing/2014/main" id="{BF889BD1-941D-0C01-842E-0C64DB41DEED}"/>
               </a:ext>
             </a:extLst>
           </p:cNvPr>
@@ -16819,14 +18652,21 @@
             <p:ph type="title"/>
           </p:nvPr>
         </p:nvSpPr>
-        <p:spPr/>
+        <p:spPr>
+          <a:xfrm>
+            <a:off x="1154954" y="947920"/>
+            <a:ext cx="8761413" cy="728480"/>
+          </a:xfrm>
+        </p:spPr>
         <p:txBody>
-          <a:bodyPr/>
+          <a:bodyPr>
+            <a:normAutofit/>
+          </a:bodyPr>
           <a:lstStyle/>
           <a:p>
             <a:r>
               <a:rPr lang="en-US" dirty="0"/>
-              <a:t>Country Analysis Facts 2012-2017</a:t>
+              <a:t>Country Analysis Movie Count</a:t>
             </a:r>
           </a:p>
         </p:txBody>
@@ -16836,7 +18676,7 @@
           <p:cNvPr id="3" name="Content Placeholder 2">
             <a:extLst>
               <a:ext uri="{FF2B5EF4-FFF2-40B4-BE49-F238E27FC236}">
-                <a16:creationId xmlns:a16="http://schemas.microsoft.com/office/drawing/2014/main" id="{772DE080-3718-DDFA-30F7-7F4D0087CE7B}"/>
+                <a16:creationId xmlns:a16="http://schemas.microsoft.com/office/drawing/2014/main" id="{06C14A52-AA0A-DC23-E428-5E4E8ECFCE2D}"/>
               </a:ext>
             </a:extLst>
           </p:cNvPr>
@@ -16850,1252 +18690,76 @@
         <p:spPr>
           <a:xfrm>
             <a:off x="1154954" y="2603500"/>
-            <a:ext cx="5593716" cy="3707848"/>
+            <a:ext cx="5211979" cy="3416300"/>
           </a:xfrm>
         </p:spPr>
         <p:txBody>
-          <a:bodyPr/>
+          <a:bodyPr anchor="ctr">
+            <a:normAutofit/>
+          </a:bodyPr>
           <a:lstStyle/>
           <a:p>
             <a:r>
               <a:rPr lang="en-US" dirty="0"/>
-              <a:t>Country Movie Count vs. Budget</a:t>
+              <a:t>United States produced more than 800 movies found in the data set.  Only 769 were included in the analysis</a:t>
             </a:r>
           </a:p>
           <a:p>
-            <a:pPr lvl="1"/>
             <a:r>
               <a:rPr lang="en-US" dirty="0"/>
-              <a:t>14 countries out 70+ were included in the analysis</a:t>
+              <a:t>A large majority of the countries not included in this analysis produced &gt;= 5 movies</a:t>
             </a:r>
           </a:p>
           <a:p>
-            <a:pPr lvl="1"/>
             <a:r>
               <a:rPr lang="en-US" dirty="0"/>
-              <a:t>There were large majority of countries with less than 10 movies</a:t>
+              <a:t>Peru produced 10 movies and had the lowest average rating</a:t>
             </a:r>
-          </a:p>
-          <a:p>
-            <a:pPr lvl="1"/>
-            <a:r>
-              <a:rPr lang="en-US" dirty="0"/>
-              <a:t>India’s average budget is roughly $67 million more per movie than the United States</a:t>
-            </a:r>
-          </a:p>
-          <a:p>
-            <a:pPr lvl="1"/>
-            <a:r>
-              <a:rPr lang="en-US" dirty="0"/>
-              <a:t>UK made the second most movies with a more moderate budget per movie</a:t>
-            </a:r>
-          </a:p>
-          <a:p>
-            <a:endParaRPr lang="en-US" dirty="0"/>
           </a:p>
         </p:txBody>
       </p:sp>
-      <p:graphicFrame>
-        <p:nvGraphicFramePr>
-          <p:cNvPr id="6" name="Table 5">
+      <p:pic>
+        <p:nvPicPr>
+          <p:cNvPr id="5" name="Picture 4">
             <a:extLst>
               <a:ext uri="{FF2B5EF4-FFF2-40B4-BE49-F238E27FC236}">
-                <a16:creationId xmlns:a16="http://schemas.microsoft.com/office/drawing/2014/main" id="{05B9DB41-AEB2-2150-8E28-F216E313D5F1}"/>
+                <a16:creationId xmlns:a16="http://schemas.microsoft.com/office/drawing/2014/main" id="{6AD2C1C2-F7E1-AAB9-0D2D-5AE288897CA9}"/>
               </a:ext>
             </a:extLst>
           </p:cNvPr>
-          <p:cNvGraphicFramePr>
-            <a:graphicFrameLocks noGrp="1"/>
-          </p:cNvGraphicFramePr>
-          <p:nvPr>
-            <p:extLst>
-              <p:ext uri="{D42A27DB-BD31-4B8C-83A1-F6EECF244321}">
-                <p14:modId xmlns:p14="http://schemas.microsoft.com/office/powerpoint/2010/main" val="1836910575"/>
-              </p:ext>
-            </p:extLst>
-          </p:nvPr>
-        </p:nvGraphicFramePr>
-        <p:xfrm>
-          <a:off x="6843367" y="2933424"/>
-          <a:ext cx="3594100" cy="3048000"/>
-        </p:xfrm>
-        <a:graphic>
-          <a:graphicData uri="http://schemas.openxmlformats.org/drawingml/2006/table">
-            <a:tbl>
-              <a:tblPr>
-                <a:tableStyleId>{5C22544A-7EE6-4342-B048-85BDC9FD1C3A}</a:tableStyleId>
-              </a:tblPr>
-              <a:tblGrid>
-                <a:gridCol w="1321640">
-                  <a:extLst>
-                    <a:ext uri="{9D8B030D-6E8A-4147-A177-3AD203B41FA5}">
-                      <a16:colId xmlns:a16="http://schemas.microsoft.com/office/drawing/2014/main" val="3020473959"/>
-                    </a:ext>
-                  </a:extLst>
-                </a:gridCol>
-                <a:gridCol w="988853">
-                  <a:extLst>
-                    <a:ext uri="{9D8B030D-6E8A-4147-A177-3AD203B41FA5}">
-                      <a16:colId xmlns:a16="http://schemas.microsoft.com/office/drawing/2014/main" val="3550650410"/>
-                    </a:ext>
-                  </a:extLst>
-                </a:gridCol>
-                <a:gridCol w="1283607">
-                  <a:extLst>
-                    <a:ext uri="{9D8B030D-6E8A-4147-A177-3AD203B41FA5}">
-                      <a16:colId xmlns:a16="http://schemas.microsoft.com/office/drawing/2014/main" val="1586906145"/>
-                    </a:ext>
-                  </a:extLst>
-                </a:gridCol>
-              </a:tblGrid>
-              <a:tr h="203200">
-                <a:tc>
-                  <a:txBody>
-                    <a:bodyPr/>
-                    <a:lstStyle/>
-                    <a:p>
-                      <a:pPr algn="l" fontAlgn="b"/>
-                      <a:r>
-                        <a:rPr lang="en-US" sz="1200" u="none" strike="noStrike">
-                          <a:effectLst/>
-                        </a:rPr>
-                        <a:t>Release Country</a:t>
-                      </a:r>
-                      <a:endParaRPr lang="en-US" sz="1200" b="1" i="0" u="none" strike="noStrike">
-                        <a:solidFill>
-                          <a:srgbClr val="000000"/>
-                        </a:solidFill>
-                        <a:effectLst/>
-                        <a:latin typeface="Helvetica" pitchFamily="2" charset="0"/>
-                      </a:endParaRPr>
-                    </a:p>
-                  </a:txBody>
-                  <a:tcPr marL="9525" marR="9525" marT="9525" marB="0" anchor="b"/>
-                </a:tc>
-                <a:tc>
-                  <a:txBody>
-                    <a:bodyPr/>
-                    <a:lstStyle/>
-                    <a:p>
-                      <a:pPr algn="l" fontAlgn="b"/>
-                      <a:r>
-                        <a:rPr lang="en-US" sz="1200" u="none" strike="noStrike">
-                          <a:effectLst/>
-                        </a:rPr>
-                        <a:t>Movie Count</a:t>
-                      </a:r>
-                      <a:endParaRPr lang="en-US" sz="1200" b="1" i="0" u="none" strike="noStrike">
-                        <a:solidFill>
-                          <a:srgbClr val="000000"/>
-                        </a:solidFill>
-                        <a:effectLst/>
-                        <a:latin typeface="Helvetica" pitchFamily="2" charset="0"/>
-                      </a:endParaRPr>
-                    </a:p>
-                  </a:txBody>
-                  <a:tcPr marL="9525" marR="9525" marT="9525" marB="0" anchor="b"/>
-                </a:tc>
-                <a:tc>
-                  <a:txBody>
-                    <a:bodyPr/>
-                    <a:lstStyle/>
-                    <a:p>
-                      <a:pPr algn="l" fontAlgn="b"/>
-                      <a:r>
-                        <a:rPr lang="en-US" sz="1200" u="none" strike="noStrike">
-                          <a:effectLst/>
-                        </a:rPr>
-                        <a:t>Average Budget</a:t>
-                      </a:r>
-                      <a:endParaRPr lang="en-US" sz="1200" b="1" i="0" u="none" strike="noStrike">
-                        <a:solidFill>
-                          <a:srgbClr val="000000"/>
-                        </a:solidFill>
-                        <a:effectLst/>
-                        <a:latin typeface="Helvetica" pitchFamily="2" charset="0"/>
-                      </a:endParaRPr>
-                    </a:p>
-                  </a:txBody>
-                  <a:tcPr marL="9525" marR="9525" marT="9525" marB="0" anchor="b"/>
-                </a:tc>
-                <a:extLst>
-                  <a:ext uri="{0D108BD9-81ED-4DB2-BD59-A6C34878D82A}">
-                    <a16:rowId xmlns:a16="http://schemas.microsoft.com/office/drawing/2014/main" val="3827916363"/>
-                  </a:ext>
-                </a:extLst>
-              </a:tr>
-              <a:tr h="203200">
-                <a:tc>
-                  <a:txBody>
-                    <a:bodyPr/>
-                    <a:lstStyle/>
-                    <a:p>
-                      <a:pPr algn="l" fontAlgn="b"/>
-                      <a:r>
-                        <a:rPr lang="en-US" sz="1200" u="none" strike="noStrike">
-                          <a:effectLst/>
-                        </a:rPr>
-                        <a:t>India</a:t>
-                      </a:r>
-                      <a:endParaRPr lang="en-US" sz="1200" b="0" i="0" u="none" strike="noStrike">
-                        <a:solidFill>
-                          <a:srgbClr val="000000"/>
-                        </a:solidFill>
-                        <a:effectLst/>
-                        <a:latin typeface="Helvetica" pitchFamily="2" charset="0"/>
-                      </a:endParaRPr>
-                    </a:p>
-                  </a:txBody>
-                  <a:tcPr marL="9525" marR="9525" marT="9525" marB="0" anchor="b"/>
-                </a:tc>
-                <a:tc>
-                  <a:txBody>
-                    <a:bodyPr/>
-                    <a:lstStyle/>
-                    <a:p>
-                      <a:pPr algn="r" fontAlgn="b"/>
-                      <a:r>
-                        <a:rPr lang="en-US" sz="1200" u="none" strike="noStrike">
-                          <a:effectLst/>
-                        </a:rPr>
-                        <a:t>32</a:t>
-                      </a:r>
-                      <a:endParaRPr lang="en-US" sz="1200" b="0" i="0" u="none" strike="noStrike">
-                        <a:solidFill>
-                          <a:srgbClr val="000000"/>
-                        </a:solidFill>
-                        <a:effectLst/>
-                        <a:latin typeface="Helvetica" pitchFamily="2" charset="0"/>
-                      </a:endParaRPr>
-                    </a:p>
-                  </a:txBody>
-                  <a:tcPr marL="9525" marR="9525" marT="9525" marB="0" anchor="b"/>
-                </a:tc>
-                <a:tc>
-                  <a:txBody>
-                    <a:bodyPr/>
-                    <a:lstStyle/>
-                    <a:p>
-                      <a:pPr algn="r" fontAlgn="b"/>
-                      <a:r>
-                        <a:rPr lang="en-US" sz="1200" u="none" strike="noStrike">
-                          <a:effectLst/>
-                        </a:rPr>
-                        <a:t>$71,049,162.50 </a:t>
-                      </a:r>
-                      <a:endParaRPr lang="en-US" sz="1200" b="0" i="0" u="none" strike="noStrike">
-                        <a:solidFill>
-                          <a:srgbClr val="000000"/>
-                        </a:solidFill>
-                        <a:effectLst/>
-                        <a:latin typeface="Helvetica" pitchFamily="2" charset="0"/>
-                      </a:endParaRPr>
-                    </a:p>
-                  </a:txBody>
-                  <a:tcPr marL="9525" marR="9525" marT="9525" marB="0" anchor="b"/>
-                </a:tc>
-                <a:extLst>
-                  <a:ext uri="{0D108BD9-81ED-4DB2-BD59-A6C34878D82A}">
-                    <a16:rowId xmlns:a16="http://schemas.microsoft.com/office/drawing/2014/main" val="3204861710"/>
-                  </a:ext>
-                </a:extLst>
-              </a:tr>
-              <a:tr h="203200">
-                <a:tc>
-                  <a:txBody>
-                    <a:bodyPr/>
-                    <a:lstStyle/>
-                    <a:p>
-                      <a:pPr algn="l" fontAlgn="b"/>
-                      <a:r>
-                        <a:rPr lang="en-US" sz="1200" u="none" strike="noStrike">
-                          <a:effectLst/>
-                        </a:rPr>
-                        <a:t>Russia</a:t>
-                      </a:r>
-                      <a:endParaRPr lang="en-US" sz="1200" b="0" i="0" u="none" strike="noStrike">
-                        <a:solidFill>
-                          <a:srgbClr val="000000"/>
-                        </a:solidFill>
-                        <a:effectLst/>
-                        <a:latin typeface="Helvetica" pitchFamily="2" charset="0"/>
-                      </a:endParaRPr>
-                    </a:p>
-                  </a:txBody>
-                  <a:tcPr marL="9525" marR="9525" marT="9525" marB="0" anchor="b"/>
-                </a:tc>
-                <a:tc>
-                  <a:txBody>
-                    <a:bodyPr/>
-                    <a:lstStyle/>
-                    <a:p>
-                      <a:pPr algn="r" fontAlgn="b"/>
-                      <a:r>
-                        <a:rPr lang="en-US" sz="1200" u="none" strike="noStrike">
-                          <a:effectLst/>
-                        </a:rPr>
-                        <a:t>18</a:t>
-                      </a:r>
-                      <a:endParaRPr lang="en-US" sz="1200" b="0" i="0" u="none" strike="noStrike">
-                        <a:solidFill>
-                          <a:srgbClr val="000000"/>
-                        </a:solidFill>
-                        <a:effectLst/>
-                        <a:latin typeface="Helvetica" pitchFamily="2" charset="0"/>
-                      </a:endParaRPr>
-                    </a:p>
-                  </a:txBody>
-                  <a:tcPr marL="9525" marR="9525" marT="9525" marB="0" anchor="b"/>
-                </a:tc>
-                <a:tc>
-                  <a:txBody>
-                    <a:bodyPr/>
-                    <a:lstStyle/>
-                    <a:p>
-                      <a:pPr algn="r" fontAlgn="b"/>
-                      <a:r>
-                        <a:rPr lang="en-US" sz="1200" u="none" strike="noStrike">
-                          <a:effectLst/>
-                        </a:rPr>
-                        <a:t>$16,993,718.06 </a:t>
-                      </a:r>
-                      <a:endParaRPr lang="en-US" sz="1200" b="0" i="0" u="none" strike="noStrike">
-                        <a:solidFill>
-                          <a:srgbClr val="000000"/>
-                        </a:solidFill>
-                        <a:effectLst/>
-                        <a:latin typeface="Helvetica" pitchFamily="2" charset="0"/>
-                      </a:endParaRPr>
-                    </a:p>
-                  </a:txBody>
-                  <a:tcPr marL="9525" marR="9525" marT="9525" marB="0" anchor="b"/>
-                </a:tc>
-                <a:extLst>
-                  <a:ext uri="{0D108BD9-81ED-4DB2-BD59-A6C34878D82A}">
-                    <a16:rowId xmlns:a16="http://schemas.microsoft.com/office/drawing/2014/main" val="2477510823"/>
-                  </a:ext>
-                </a:extLst>
-              </a:tr>
-              <a:tr h="203200">
-                <a:tc>
-                  <a:txBody>
-                    <a:bodyPr/>
-                    <a:lstStyle/>
-                    <a:p>
-                      <a:pPr algn="l" fontAlgn="b"/>
-                      <a:r>
-                        <a:rPr lang="en-US" sz="1200" u="none" strike="noStrike">
-                          <a:effectLst/>
-                        </a:rPr>
-                        <a:t>Philippines</a:t>
-                      </a:r>
-                      <a:endParaRPr lang="en-US" sz="1200" b="0" i="0" u="none" strike="noStrike">
-                        <a:solidFill>
-                          <a:srgbClr val="000000"/>
-                        </a:solidFill>
-                        <a:effectLst/>
-                        <a:latin typeface="Helvetica" pitchFamily="2" charset="0"/>
-                      </a:endParaRPr>
-                    </a:p>
-                  </a:txBody>
-                  <a:tcPr marL="9525" marR="9525" marT="9525" marB="0" anchor="b"/>
-                </a:tc>
-                <a:tc>
-                  <a:txBody>
-                    <a:bodyPr/>
-                    <a:lstStyle/>
-                    <a:p>
-                      <a:pPr algn="r" fontAlgn="b"/>
-                      <a:r>
-                        <a:rPr lang="en-US" sz="1200" u="none" strike="noStrike">
-                          <a:effectLst/>
-                        </a:rPr>
-                        <a:t>14</a:t>
-                      </a:r>
-                      <a:endParaRPr lang="en-US" sz="1200" b="0" i="0" u="none" strike="noStrike">
-                        <a:solidFill>
-                          <a:srgbClr val="000000"/>
-                        </a:solidFill>
-                        <a:effectLst/>
-                        <a:latin typeface="Helvetica" pitchFamily="2" charset="0"/>
-                      </a:endParaRPr>
-                    </a:p>
-                  </a:txBody>
-                  <a:tcPr marL="9525" marR="9525" marT="9525" marB="0" anchor="b"/>
-                </a:tc>
-                <a:tc>
-                  <a:txBody>
-                    <a:bodyPr/>
-                    <a:lstStyle/>
-                    <a:p>
-                      <a:pPr algn="r" fontAlgn="b"/>
-                      <a:r>
-                        <a:rPr lang="en-US" sz="1200" u="none" strike="noStrike">
-                          <a:effectLst/>
-                        </a:rPr>
-                        <a:t>$8,795,928.57 </a:t>
-                      </a:r>
-                      <a:endParaRPr lang="en-US" sz="1200" b="0" i="0" u="none" strike="noStrike">
-                        <a:solidFill>
-                          <a:srgbClr val="000000"/>
-                        </a:solidFill>
-                        <a:effectLst/>
-                        <a:latin typeface="Helvetica" pitchFamily="2" charset="0"/>
-                      </a:endParaRPr>
-                    </a:p>
-                  </a:txBody>
-                  <a:tcPr marL="9525" marR="9525" marT="9525" marB="0" anchor="b"/>
-                </a:tc>
-                <a:extLst>
-                  <a:ext uri="{0D108BD9-81ED-4DB2-BD59-A6C34878D82A}">
-                    <a16:rowId xmlns:a16="http://schemas.microsoft.com/office/drawing/2014/main" val="4274150872"/>
-                  </a:ext>
-                </a:extLst>
-              </a:tr>
-              <a:tr h="203200">
-                <a:tc>
-                  <a:txBody>
-                    <a:bodyPr/>
-                    <a:lstStyle/>
-                    <a:p>
-                      <a:pPr algn="l" fontAlgn="b"/>
-                      <a:r>
-                        <a:rPr lang="en-US" sz="1200" u="none" strike="noStrike">
-                          <a:effectLst/>
-                        </a:rPr>
-                        <a:t>Mexico</a:t>
-                      </a:r>
-                      <a:endParaRPr lang="en-US" sz="1200" b="0" i="0" u="none" strike="noStrike">
-                        <a:solidFill>
-                          <a:srgbClr val="000000"/>
-                        </a:solidFill>
-                        <a:effectLst/>
-                        <a:latin typeface="Helvetica" pitchFamily="2" charset="0"/>
-                      </a:endParaRPr>
-                    </a:p>
-                  </a:txBody>
-                  <a:tcPr marL="9525" marR="9525" marT="9525" marB="0" anchor="b"/>
-                </a:tc>
-                <a:tc>
-                  <a:txBody>
-                    <a:bodyPr/>
-                    <a:lstStyle/>
-                    <a:p>
-                      <a:pPr algn="r" fontAlgn="b"/>
-                      <a:r>
-                        <a:rPr lang="en-US" sz="1200" u="none" strike="noStrike">
-                          <a:effectLst/>
-                        </a:rPr>
-                        <a:t>10</a:t>
-                      </a:r>
-                      <a:endParaRPr lang="en-US" sz="1200" b="0" i="0" u="none" strike="noStrike">
-                        <a:solidFill>
-                          <a:srgbClr val="000000"/>
-                        </a:solidFill>
-                        <a:effectLst/>
-                        <a:latin typeface="Helvetica" pitchFamily="2" charset="0"/>
-                      </a:endParaRPr>
-                    </a:p>
-                  </a:txBody>
-                  <a:tcPr marL="9525" marR="9525" marT="9525" marB="0" anchor="b"/>
-                </a:tc>
-                <a:tc>
-                  <a:txBody>
-                    <a:bodyPr/>
-                    <a:lstStyle/>
-                    <a:p>
-                      <a:pPr algn="r" fontAlgn="b"/>
-                      <a:r>
-                        <a:rPr lang="en-US" sz="1200" u="none" strike="noStrike">
-                          <a:effectLst/>
-                        </a:rPr>
-                        <a:t>$5,028,200.00 </a:t>
-                      </a:r>
-                      <a:endParaRPr lang="en-US" sz="1200" b="0" i="0" u="none" strike="noStrike">
-                        <a:solidFill>
-                          <a:srgbClr val="000000"/>
-                        </a:solidFill>
-                        <a:effectLst/>
-                        <a:latin typeface="Helvetica" pitchFamily="2" charset="0"/>
-                      </a:endParaRPr>
-                    </a:p>
-                  </a:txBody>
-                  <a:tcPr marL="9525" marR="9525" marT="9525" marB="0" anchor="b"/>
-                </a:tc>
-                <a:extLst>
-                  <a:ext uri="{0D108BD9-81ED-4DB2-BD59-A6C34878D82A}">
-                    <a16:rowId xmlns:a16="http://schemas.microsoft.com/office/drawing/2014/main" val="1716238827"/>
-                  </a:ext>
-                </a:extLst>
-              </a:tr>
-              <a:tr h="203200">
-                <a:tc>
-                  <a:txBody>
-                    <a:bodyPr/>
-                    <a:lstStyle/>
-                    <a:p>
-                      <a:pPr algn="l" fontAlgn="b"/>
-                      <a:r>
-                        <a:rPr lang="en-US" sz="1200" u="none" strike="noStrike">
-                          <a:effectLst/>
-                        </a:rPr>
-                        <a:t>USA</a:t>
-                      </a:r>
-                      <a:endParaRPr lang="en-US" sz="1200" b="0" i="0" u="none" strike="noStrike">
-                        <a:solidFill>
-                          <a:srgbClr val="000000"/>
-                        </a:solidFill>
-                        <a:effectLst/>
-                        <a:latin typeface="Helvetica" pitchFamily="2" charset="0"/>
-                      </a:endParaRPr>
-                    </a:p>
-                  </a:txBody>
-                  <a:tcPr marL="9525" marR="9525" marT="9525" marB="0" anchor="b"/>
-                </a:tc>
-                <a:tc>
-                  <a:txBody>
-                    <a:bodyPr/>
-                    <a:lstStyle/>
-                    <a:p>
-                      <a:pPr algn="r" fontAlgn="b"/>
-                      <a:r>
-                        <a:rPr lang="en-US" sz="1200" u="none" strike="noStrike">
-                          <a:effectLst/>
-                        </a:rPr>
-                        <a:t>834</a:t>
-                      </a:r>
-                      <a:endParaRPr lang="en-US" sz="1200" b="0" i="0" u="none" strike="noStrike">
-                        <a:solidFill>
-                          <a:srgbClr val="000000"/>
-                        </a:solidFill>
-                        <a:effectLst/>
-                        <a:latin typeface="Helvetica" pitchFamily="2" charset="0"/>
-                      </a:endParaRPr>
-                    </a:p>
-                  </a:txBody>
-                  <a:tcPr marL="9525" marR="9525" marT="9525" marB="0" anchor="b"/>
-                </a:tc>
-                <a:tc>
-                  <a:txBody>
-                    <a:bodyPr/>
-                    <a:lstStyle/>
-                    <a:p>
-                      <a:pPr algn="r" fontAlgn="b"/>
-                      <a:r>
-                        <a:rPr lang="en-US" sz="1200" u="none" strike="noStrike">
-                          <a:effectLst/>
-                        </a:rPr>
-                        <a:t>$4,257,310.12 </a:t>
-                      </a:r>
-                      <a:endParaRPr lang="en-US" sz="1200" b="0" i="0" u="none" strike="noStrike">
-                        <a:solidFill>
-                          <a:srgbClr val="000000"/>
-                        </a:solidFill>
-                        <a:effectLst/>
-                        <a:latin typeface="Helvetica" pitchFamily="2" charset="0"/>
-                      </a:endParaRPr>
-                    </a:p>
-                  </a:txBody>
-                  <a:tcPr marL="9525" marR="9525" marT="9525" marB="0" anchor="b"/>
-                </a:tc>
-                <a:extLst>
-                  <a:ext uri="{0D108BD9-81ED-4DB2-BD59-A6C34878D82A}">
-                    <a16:rowId xmlns:a16="http://schemas.microsoft.com/office/drawing/2014/main" val="3869400624"/>
-                  </a:ext>
-                </a:extLst>
-              </a:tr>
-              <a:tr h="203200">
-                <a:tc>
-                  <a:txBody>
-                    <a:bodyPr/>
-                    <a:lstStyle/>
-                    <a:p>
-                      <a:pPr algn="l" fontAlgn="b"/>
-                      <a:r>
-                        <a:rPr lang="en-US" sz="1200" u="none" strike="noStrike">
-                          <a:effectLst/>
-                        </a:rPr>
-                        <a:t>France</a:t>
-                      </a:r>
-                      <a:endParaRPr lang="en-US" sz="1200" b="0" i="0" u="none" strike="noStrike">
-                        <a:solidFill>
-                          <a:srgbClr val="000000"/>
-                        </a:solidFill>
-                        <a:effectLst/>
-                        <a:latin typeface="Helvetica" pitchFamily="2" charset="0"/>
-                      </a:endParaRPr>
-                    </a:p>
-                  </a:txBody>
-                  <a:tcPr marL="9525" marR="9525" marT="9525" marB="0" anchor="b"/>
-                </a:tc>
-                <a:tc>
-                  <a:txBody>
-                    <a:bodyPr/>
-                    <a:lstStyle/>
-                    <a:p>
-                      <a:pPr algn="r" fontAlgn="b"/>
-                      <a:r>
-                        <a:rPr lang="en-US" sz="1200" u="none" strike="noStrike">
-                          <a:effectLst/>
-                        </a:rPr>
-                        <a:t>12</a:t>
-                      </a:r>
-                      <a:endParaRPr lang="en-US" sz="1200" b="0" i="0" u="none" strike="noStrike">
-                        <a:solidFill>
-                          <a:srgbClr val="000000"/>
-                        </a:solidFill>
-                        <a:effectLst/>
-                        <a:latin typeface="Helvetica" pitchFamily="2" charset="0"/>
-                      </a:endParaRPr>
-                    </a:p>
-                  </a:txBody>
-                  <a:tcPr marL="9525" marR="9525" marT="9525" marB="0" anchor="b"/>
-                </a:tc>
-                <a:tc>
-                  <a:txBody>
-                    <a:bodyPr/>
-                    <a:lstStyle/>
-                    <a:p>
-                      <a:pPr algn="r" fontAlgn="b"/>
-                      <a:r>
-                        <a:rPr lang="en-US" sz="1200" u="none" strike="noStrike">
-                          <a:effectLst/>
-                        </a:rPr>
-                        <a:t>$3,508,227.17 </a:t>
-                      </a:r>
-                      <a:endParaRPr lang="en-US" sz="1200" b="0" i="0" u="none" strike="noStrike">
-                        <a:solidFill>
-                          <a:srgbClr val="000000"/>
-                        </a:solidFill>
-                        <a:effectLst/>
-                        <a:latin typeface="Helvetica" pitchFamily="2" charset="0"/>
-                      </a:endParaRPr>
-                    </a:p>
-                  </a:txBody>
-                  <a:tcPr marL="9525" marR="9525" marT="9525" marB="0" anchor="b"/>
-                </a:tc>
-                <a:extLst>
-                  <a:ext uri="{0D108BD9-81ED-4DB2-BD59-A6C34878D82A}">
-                    <a16:rowId xmlns:a16="http://schemas.microsoft.com/office/drawing/2014/main" val="2283792811"/>
-                  </a:ext>
-                </a:extLst>
-              </a:tr>
-              <a:tr h="203200">
-                <a:tc>
-                  <a:txBody>
-                    <a:bodyPr/>
-                    <a:lstStyle/>
-                    <a:p>
-                      <a:pPr algn="l" fontAlgn="b"/>
-                      <a:r>
-                        <a:rPr lang="en-US" sz="1200" u="none" strike="noStrike">
-                          <a:effectLst/>
-                        </a:rPr>
-                        <a:t>Japan</a:t>
-                      </a:r>
-                      <a:endParaRPr lang="en-US" sz="1200" b="0" i="0" u="none" strike="noStrike">
-                        <a:solidFill>
-                          <a:srgbClr val="000000"/>
-                        </a:solidFill>
-                        <a:effectLst/>
-                        <a:latin typeface="Helvetica" pitchFamily="2" charset="0"/>
-                      </a:endParaRPr>
-                    </a:p>
-                  </a:txBody>
-                  <a:tcPr marL="9525" marR="9525" marT="9525" marB="0" anchor="b"/>
-                </a:tc>
-                <a:tc>
-                  <a:txBody>
-                    <a:bodyPr/>
-                    <a:lstStyle/>
-                    <a:p>
-                      <a:pPr algn="r" fontAlgn="b"/>
-                      <a:r>
-                        <a:rPr lang="en-US" sz="1200" u="none" strike="noStrike">
-                          <a:effectLst/>
-                        </a:rPr>
-                        <a:t>11</a:t>
-                      </a:r>
-                      <a:endParaRPr lang="en-US" sz="1200" b="0" i="0" u="none" strike="noStrike">
-                        <a:solidFill>
-                          <a:srgbClr val="000000"/>
-                        </a:solidFill>
-                        <a:effectLst/>
-                        <a:latin typeface="Helvetica" pitchFamily="2" charset="0"/>
-                      </a:endParaRPr>
-                    </a:p>
-                  </a:txBody>
-                  <a:tcPr marL="9525" marR="9525" marT="9525" marB="0" anchor="b"/>
-                </a:tc>
-                <a:tc>
-                  <a:txBody>
-                    <a:bodyPr/>
-                    <a:lstStyle/>
-                    <a:p>
-                      <a:pPr algn="r" fontAlgn="b"/>
-                      <a:r>
-                        <a:rPr lang="en-US" sz="1200" u="none" strike="noStrike">
-                          <a:effectLst/>
-                        </a:rPr>
-                        <a:t>$3,385,727.27 </a:t>
-                      </a:r>
-                      <a:endParaRPr lang="en-US" sz="1200" b="0" i="0" u="none" strike="noStrike">
-                        <a:solidFill>
-                          <a:srgbClr val="000000"/>
-                        </a:solidFill>
-                        <a:effectLst/>
-                        <a:latin typeface="Helvetica" pitchFamily="2" charset="0"/>
-                      </a:endParaRPr>
-                    </a:p>
-                  </a:txBody>
-                  <a:tcPr marL="9525" marR="9525" marT="9525" marB="0" anchor="b"/>
-                </a:tc>
-                <a:extLst>
-                  <a:ext uri="{0D108BD9-81ED-4DB2-BD59-A6C34878D82A}">
-                    <a16:rowId xmlns:a16="http://schemas.microsoft.com/office/drawing/2014/main" val="2070933118"/>
-                  </a:ext>
-                </a:extLst>
-              </a:tr>
-              <a:tr h="203200">
-                <a:tc>
-                  <a:txBody>
-                    <a:bodyPr/>
-                    <a:lstStyle/>
-                    <a:p>
-                      <a:pPr algn="l" fontAlgn="b"/>
-                      <a:r>
-                        <a:rPr lang="en-US" sz="1200" u="none" strike="noStrike">
-                          <a:effectLst/>
-                        </a:rPr>
-                        <a:t>Spain</a:t>
-                      </a:r>
-                      <a:endParaRPr lang="en-US" sz="1200" b="0" i="0" u="none" strike="noStrike">
-                        <a:solidFill>
-                          <a:srgbClr val="000000"/>
-                        </a:solidFill>
-                        <a:effectLst/>
-                        <a:latin typeface="Helvetica" pitchFamily="2" charset="0"/>
-                      </a:endParaRPr>
-                    </a:p>
-                  </a:txBody>
-                  <a:tcPr marL="9525" marR="9525" marT="9525" marB="0" anchor="b"/>
-                </a:tc>
-                <a:tc>
-                  <a:txBody>
-                    <a:bodyPr/>
-                    <a:lstStyle/>
-                    <a:p>
-                      <a:pPr algn="r" fontAlgn="b"/>
-                      <a:r>
-                        <a:rPr lang="en-US" sz="1200" u="none" strike="noStrike">
-                          <a:effectLst/>
-                        </a:rPr>
-                        <a:t>15</a:t>
-                      </a:r>
-                      <a:endParaRPr lang="en-US" sz="1200" b="0" i="0" u="none" strike="noStrike">
-                        <a:solidFill>
-                          <a:srgbClr val="000000"/>
-                        </a:solidFill>
-                        <a:effectLst/>
-                        <a:latin typeface="Helvetica" pitchFamily="2" charset="0"/>
-                      </a:endParaRPr>
-                    </a:p>
-                  </a:txBody>
-                  <a:tcPr marL="9525" marR="9525" marT="9525" marB="0" anchor="b"/>
-                </a:tc>
-                <a:tc>
-                  <a:txBody>
-                    <a:bodyPr/>
-                    <a:lstStyle/>
-                    <a:p>
-                      <a:pPr algn="r" fontAlgn="b"/>
-                      <a:r>
-                        <a:rPr lang="en-US" sz="1200" u="none" strike="noStrike">
-                          <a:effectLst/>
-                        </a:rPr>
-                        <a:t>$3,183,413.33 </a:t>
-                      </a:r>
-                      <a:endParaRPr lang="en-US" sz="1200" b="0" i="0" u="none" strike="noStrike">
-                        <a:solidFill>
-                          <a:srgbClr val="000000"/>
-                        </a:solidFill>
-                        <a:effectLst/>
-                        <a:latin typeface="Helvetica" pitchFamily="2" charset="0"/>
-                      </a:endParaRPr>
-                    </a:p>
-                  </a:txBody>
-                  <a:tcPr marL="9525" marR="9525" marT="9525" marB="0" anchor="b"/>
-                </a:tc>
-                <a:extLst>
-                  <a:ext uri="{0D108BD9-81ED-4DB2-BD59-A6C34878D82A}">
-                    <a16:rowId xmlns:a16="http://schemas.microsoft.com/office/drawing/2014/main" val="2327933506"/>
-                  </a:ext>
-                </a:extLst>
-              </a:tr>
-              <a:tr h="203200">
-                <a:tc>
-                  <a:txBody>
-                    <a:bodyPr/>
-                    <a:lstStyle/>
-                    <a:p>
-                      <a:pPr algn="l" fontAlgn="b"/>
-                      <a:r>
-                        <a:rPr lang="en-US" sz="1200" u="none" strike="noStrike">
-                          <a:effectLst/>
-                        </a:rPr>
-                        <a:t>Australia</a:t>
-                      </a:r>
-                      <a:endParaRPr lang="en-US" sz="1200" b="0" i="0" u="none" strike="noStrike">
-                        <a:solidFill>
-                          <a:srgbClr val="000000"/>
-                        </a:solidFill>
-                        <a:effectLst/>
-                        <a:latin typeface="Helvetica" pitchFamily="2" charset="0"/>
-                      </a:endParaRPr>
-                    </a:p>
-                  </a:txBody>
-                  <a:tcPr marL="9525" marR="9525" marT="9525" marB="0" anchor="b"/>
-                </a:tc>
-                <a:tc>
-                  <a:txBody>
-                    <a:bodyPr/>
-                    <a:lstStyle/>
-                    <a:p>
-                      <a:pPr algn="r" fontAlgn="b"/>
-                      <a:r>
-                        <a:rPr lang="en-US" sz="1200" u="none" strike="noStrike">
-                          <a:effectLst/>
-                        </a:rPr>
-                        <a:t>14</a:t>
-                      </a:r>
-                      <a:endParaRPr lang="en-US" sz="1200" b="0" i="0" u="none" strike="noStrike">
-                        <a:solidFill>
-                          <a:srgbClr val="000000"/>
-                        </a:solidFill>
-                        <a:effectLst/>
-                        <a:latin typeface="Helvetica" pitchFamily="2" charset="0"/>
-                      </a:endParaRPr>
-                    </a:p>
-                  </a:txBody>
-                  <a:tcPr marL="9525" marR="9525" marT="9525" marB="0" anchor="b"/>
-                </a:tc>
-                <a:tc>
-                  <a:txBody>
-                    <a:bodyPr/>
-                    <a:lstStyle/>
-                    <a:p>
-                      <a:pPr algn="r" fontAlgn="b"/>
-                      <a:r>
-                        <a:rPr lang="en-US" sz="1200" u="none" strike="noStrike">
-                          <a:effectLst/>
-                        </a:rPr>
-                        <a:t>$3,142,000.00 </a:t>
-                      </a:r>
-                      <a:endParaRPr lang="en-US" sz="1200" b="0" i="0" u="none" strike="noStrike">
-                        <a:solidFill>
-                          <a:srgbClr val="000000"/>
-                        </a:solidFill>
-                        <a:effectLst/>
-                        <a:latin typeface="Helvetica" pitchFamily="2" charset="0"/>
-                      </a:endParaRPr>
-                    </a:p>
-                  </a:txBody>
-                  <a:tcPr marL="9525" marR="9525" marT="9525" marB="0" anchor="b"/>
-                </a:tc>
-                <a:extLst>
-                  <a:ext uri="{0D108BD9-81ED-4DB2-BD59-A6C34878D82A}">
-                    <a16:rowId xmlns:a16="http://schemas.microsoft.com/office/drawing/2014/main" val="416398243"/>
-                  </a:ext>
-                </a:extLst>
-              </a:tr>
-              <a:tr h="203200">
-                <a:tc>
-                  <a:txBody>
-                    <a:bodyPr/>
-                    <a:lstStyle/>
-                    <a:p>
-                      <a:pPr algn="l" fontAlgn="b"/>
-                      <a:r>
-                        <a:rPr lang="en-US" sz="1200" u="none" strike="noStrike">
-                          <a:effectLst/>
-                        </a:rPr>
-                        <a:t>Peru</a:t>
-                      </a:r>
-                      <a:endParaRPr lang="en-US" sz="1200" b="0" i="0" u="none" strike="noStrike">
-                        <a:solidFill>
-                          <a:srgbClr val="000000"/>
-                        </a:solidFill>
-                        <a:effectLst/>
-                        <a:latin typeface="Helvetica" pitchFamily="2" charset="0"/>
-                      </a:endParaRPr>
-                    </a:p>
-                  </a:txBody>
-                  <a:tcPr marL="9525" marR="9525" marT="9525" marB="0" anchor="b"/>
-                </a:tc>
-                <a:tc>
-                  <a:txBody>
-                    <a:bodyPr/>
-                    <a:lstStyle/>
-                    <a:p>
-                      <a:pPr algn="r" fontAlgn="b"/>
-                      <a:r>
-                        <a:rPr lang="en-US" sz="1200" u="none" strike="noStrike">
-                          <a:effectLst/>
-                        </a:rPr>
-                        <a:t>11</a:t>
-                      </a:r>
-                      <a:endParaRPr lang="en-US" sz="1200" b="0" i="0" u="none" strike="noStrike">
-                        <a:solidFill>
-                          <a:srgbClr val="000000"/>
-                        </a:solidFill>
-                        <a:effectLst/>
-                        <a:latin typeface="Helvetica" pitchFamily="2" charset="0"/>
-                      </a:endParaRPr>
-                    </a:p>
-                  </a:txBody>
-                  <a:tcPr marL="9525" marR="9525" marT="9525" marB="0" anchor="b"/>
-                </a:tc>
-                <a:tc>
-                  <a:txBody>
-                    <a:bodyPr/>
-                    <a:lstStyle/>
-                    <a:p>
-                      <a:pPr algn="r" fontAlgn="b"/>
-                      <a:r>
-                        <a:rPr lang="en-US" sz="1200" u="none" strike="noStrike">
-                          <a:effectLst/>
-                        </a:rPr>
-                        <a:t>$1,041,000.00 </a:t>
-                      </a:r>
-                      <a:endParaRPr lang="en-US" sz="1200" b="0" i="0" u="none" strike="noStrike">
-                        <a:solidFill>
-                          <a:srgbClr val="000000"/>
-                        </a:solidFill>
-                        <a:effectLst/>
-                        <a:latin typeface="Helvetica" pitchFamily="2" charset="0"/>
-                      </a:endParaRPr>
-                    </a:p>
-                  </a:txBody>
-                  <a:tcPr marL="9525" marR="9525" marT="9525" marB="0" anchor="b"/>
-                </a:tc>
-                <a:extLst>
-                  <a:ext uri="{0D108BD9-81ED-4DB2-BD59-A6C34878D82A}">
-                    <a16:rowId xmlns:a16="http://schemas.microsoft.com/office/drawing/2014/main" val="2871420492"/>
-                  </a:ext>
-                </a:extLst>
-              </a:tr>
-              <a:tr h="203200">
-                <a:tc>
-                  <a:txBody>
-                    <a:bodyPr/>
-                    <a:lstStyle/>
-                    <a:p>
-                      <a:pPr algn="l" fontAlgn="b"/>
-                      <a:r>
-                        <a:rPr lang="en-US" sz="1200" u="none" strike="noStrike">
-                          <a:effectLst/>
-                        </a:rPr>
-                        <a:t>UK</a:t>
-                      </a:r>
-                      <a:endParaRPr lang="en-US" sz="1200" b="0" i="0" u="none" strike="noStrike">
-                        <a:solidFill>
-                          <a:srgbClr val="000000"/>
-                        </a:solidFill>
-                        <a:effectLst/>
-                        <a:latin typeface="Helvetica" pitchFamily="2" charset="0"/>
-                      </a:endParaRPr>
-                    </a:p>
-                  </a:txBody>
-                  <a:tcPr marL="9525" marR="9525" marT="9525" marB="0" anchor="b"/>
-                </a:tc>
-                <a:tc>
-                  <a:txBody>
-                    <a:bodyPr/>
-                    <a:lstStyle/>
-                    <a:p>
-                      <a:pPr algn="r" fontAlgn="b"/>
-                      <a:r>
-                        <a:rPr lang="en-US" sz="1200" u="none" strike="noStrike">
-                          <a:effectLst/>
-                        </a:rPr>
-                        <a:t>86</a:t>
-                      </a:r>
-                      <a:endParaRPr lang="en-US" sz="1200" b="0" i="0" u="none" strike="noStrike">
-                        <a:solidFill>
-                          <a:srgbClr val="000000"/>
-                        </a:solidFill>
-                        <a:effectLst/>
-                        <a:latin typeface="Helvetica" pitchFamily="2" charset="0"/>
-                      </a:endParaRPr>
-                    </a:p>
-                  </a:txBody>
-                  <a:tcPr marL="9525" marR="9525" marT="9525" marB="0" anchor="b"/>
-                </a:tc>
-                <a:tc>
-                  <a:txBody>
-                    <a:bodyPr/>
-                    <a:lstStyle/>
-                    <a:p>
-                      <a:pPr algn="r" fontAlgn="b"/>
-                      <a:r>
-                        <a:rPr lang="en-US" sz="1200" u="none" strike="noStrike">
-                          <a:effectLst/>
-                        </a:rPr>
-                        <a:t>$1,022,959.80 </a:t>
-                      </a:r>
-                      <a:endParaRPr lang="en-US" sz="1200" b="0" i="0" u="none" strike="noStrike">
-                        <a:solidFill>
-                          <a:srgbClr val="000000"/>
-                        </a:solidFill>
-                        <a:effectLst/>
-                        <a:latin typeface="Helvetica" pitchFamily="2" charset="0"/>
-                      </a:endParaRPr>
-                    </a:p>
-                  </a:txBody>
-                  <a:tcPr marL="9525" marR="9525" marT="9525" marB="0" anchor="b"/>
-                </a:tc>
-                <a:extLst>
-                  <a:ext uri="{0D108BD9-81ED-4DB2-BD59-A6C34878D82A}">
-                    <a16:rowId xmlns:a16="http://schemas.microsoft.com/office/drawing/2014/main" val="2372218488"/>
-                  </a:ext>
-                </a:extLst>
-              </a:tr>
-              <a:tr h="203200">
-                <a:tc>
-                  <a:txBody>
-                    <a:bodyPr/>
-                    <a:lstStyle/>
-                    <a:p>
-                      <a:pPr algn="l" fontAlgn="b"/>
-                      <a:r>
-                        <a:rPr lang="en-US" sz="1200" u="none" strike="noStrike">
-                          <a:effectLst/>
-                        </a:rPr>
-                        <a:t>Germany</a:t>
-                      </a:r>
-                      <a:endParaRPr lang="en-US" sz="1200" b="0" i="0" u="none" strike="noStrike">
-                        <a:solidFill>
-                          <a:srgbClr val="000000"/>
-                        </a:solidFill>
-                        <a:effectLst/>
-                        <a:latin typeface="Helvetica" pitchFamily="2" charset="0"/>
-                      </a:endParaRPr>
-                    </a:p>
-                  </a:txBody>
-                  <a:tcPr marL="9525" marR="9525" marT="9525" marB="0" anchor="b"/>
-                </a:tc>
-                <a:tc>
-                  <a:txBody>
-                    <a:bodyPr/>
-                    <a:lstStyle/>
-                    <a:p>
-                      <a:pPr algn="r" fontAlgn="b"/>
-                      <a:r>
-                        <a:rPr lang="en-US" sz="1200" u="none" strike="noStrike">
-                          <a:effectLst/>
-                        </a:rPr>
-                        <a:t>21</a:t>
-                      </a:r>
-                      <a:endParaRPr lang="en-US" sz="1200" b="0" i="0" u="none" strike="noStrike">
-                        <a:solidFill>
-                          <a:srgbClr val="000000"/>
-                        </a:solidFill>
-                        <a:effectLst/>
-                        <a:latin typeface="Helvetica" pitchFamily="2" charset="0"/>
-                      </a:endParaRPr>
-                    </a:p>
-                  </a:txBody>
-                  <a:tcPr marL="9525" marR="9525" marT="9525" marB="0" anchor="b"/>
-                </a:tc>
-                <a:tc>
-                  <a:txBody>
-                    <a:bodyPr/>
-                    <a:lstStyle/>
-                    <a:p>
-                      <a:pPr algn="r" fontAlgn="b"/>
-                      <a:r>
-                        <a:rPr lang="en-US" sz="1200" u="none" strike="noStrike">
-                          <a:effectLst/>
-                        </a:rPr>
-                        <a:t>$927,872.10 </a:t>
-                      </a:r>
-                      <a:endParaRPr lang="en-US" sz="1200" b="0" i="0" u="none" strike="noStrike">
-                        <a:solidFill>
-                          <a:srgbClr val="000000"/>
-                        </a:solidFill>
-                        <a:effectLst/>
-                        <a:latin typeface="Helvetica" pitchFamily="2" charset="0"/>
-                      </a:endParaRPr>
-                    </a:p>
-                  </a:txBody>
-                  <a:tcPr marL="9525" marR="9525" marT="9525" marB="0" anchor="b"/>
-                </a:tc>
-                <a:extLst>
-                  <a:ext uri="{0D108BD9-81ED-4DB2-BD59-A6C34878D82A}">
-                    <a16:rowId xmlns:a16="http://schemas.microsoft.com/office/drawing/2014/main" val="1826076394"/>
-                  </a:ext>
-                </a:extLst>
-              </a:tr>
-              <a:tr h="203200">
-                <a:tc>
-                  <a:txBody>
-                    <a:bodyPr/>
-                    <a:lstStyle/>
-                    <a:p>
-                      <a:pPr algn="l" fontAlgn="b"/>
-                      <a:r>
-                        <a:rPr lang="en-US" sz="1200" u="none" strike="noStrike">
-                          <a:effectLst/>
-                        </a:rPr>
-                        <a:t>Italy</a:t>
-                      </a:r>
-                      <a:endParaRPr lang="en-US" sz="1200" b="0" i="0" u="none" strike="noStrike">
-                        <a:solidFill>
-                          <a:srgbClr val="000000"/>
-                        </a:solidFill>
-                        <a:effectLst/>
-                        <a:latin typeface="Helvetica" pitchFamily="2" charset="0"/>
-                      </a:endParaRPr>
-                    </a:p>
-                  </a:txBody>
-                  <a:tcPr marL="9525" marR="9525" marT="9525" marB="0" anchor="b"/>
-                </a:tc>
-                <a:tc>
-                  <a:txBody>
-                    <a:bodyPr/>
-                    <a:lstStyle/>
-                    <a:p>
-                      <a:pPr algn="r" fontAlgn="b"/>
-                      <a:r>
-                        <a:rPr lang="en-US" sz="1200" u="none" strike="noStrike">
-                          <a:effectLst/>
-                        </a:rPr>
-                        <a:t>12</a:t>
-                      </a:r>
-                      <a:endParaRPr lang="en-US" sz="1200" b="0" i="0" u="none" strike="noStrike">
-                        <a:solidFill>
-                          <a:srgbClr val="000000"/>
-                        </a:solidFill>
-                        <a:effectLst/>
-                        <a:latin typeface="Helvetica" pitchFamily="2" charset="0"/>
-                      </a:endParaRPr>
-                    </a:p>
-                  </a:txBody>
-                  <a:tcPr marL="9525" marR="9525" marT="9525" marB="0" anchor="b"/>
-                </a:tc>
-                <a:tc>
-                  <a:txBody>
-                    <a:bodyPr/>
-                    <a:lstStyle/>
-                    <a:p>
-                      <a:pPr algn="r" fontAlgn="b"/>
-                      <a:r>
-                        <a:rPr lang="en-US" sz="1200" u="none" strike="noStrike">
-                          <a:effectLst/>
-                        </a:rPr>
-                        <a:t>$560,791.67 </a:t>
-                      </a:r>
-                      <a:endParaRPr lang="en-US" sz="1200" b="0" i="0" u="none" strike="noStrike">
-                        <a:solidFill>
-                          <a:srgbClr val="000000"/>
-                        </a:solidFill>
-                        <a:effectLst/>
-                        <a:latin typeface="Helvetica" pitchFamily="2" charset="0"/>
-                      </a:endParaRPr>
-                    </a:p>
-                  </a:txBody>
-                  <a:tcPr marL="9525" marR="9525" marT="9525" marB="0" anchor="b"/>
-                </a:tc>
-                <a:extLst>
-                  <a:ext uri="{0D108BD9-81ED-4DB2-BD59-A6C34878D82A}">
-                    <a16:rowId xmlns:a16="http://schemas.microsoft.com/office/drawing/2014/main" val="3343626778"/>
-                  </a:ext>
-                </a:extLst>
-              </a:tr>
-              <a:tr h="203200">
-                <a:tc>
-                  <a:txBody>
-                    <a:bodyPr/>
-                    <a:lstStyle/>
-                    <a:p>
-                      <a:pPr algn="l" fontAlgn="b"/>
-                      <a:r>
-                        <a:rPr lang="en-US" sz="1200" u="none" strike="noStrike">
-                          <a:effectLst/>
-                        </a:rPr>
-                        <a:t>Canada</a:t>
-                      </a:r>
-                      <a:endParaRPr lang="en-US" sz="1200" b="0" i="0" u="none" strike="noStrike">
-                        <a:solidFill>
-                          <a:srgbClr val="000000"/>
-                        </a:solidFill>
-                        <a:effectLst/>
-                        <a:latin typeface="Helvetica" pitchFamily="2" charset="0"/>
-                      </a:endParaRPr>
-                    </a:p>
-                  </a:txBody>
-                  <a:tcPr marL="9525" marR="9525" marT="9525" marB="0" anchor="b"/>
-                </a:tc>
-                <a:tc>
-                  <a:txBody>
-                    <a:bodyPr/>
-                    <a:lstStyle/>
-                    <a:p>
-                      <a:pPr algn="r" fontAlgn="b"/>
-                      <a:r>
-                        <a:rPr lang="en-US" sz="1200" u="none" strike="noStrike">
-                          <a:effectLst/>
-                        </a:rPr>
-                        <a:t>23</a:t>
-                      </a:r>
-                      <a:endParaRPr lang="en-US" sz="1200" b="0" i="0" u="none" strike="noStrike">
-                        <a:solidFill>
-                          <a:srgbClr val="000000"/>
-                        </a:solidFill>
-                        <a:effectLst/>
-                        <a:latin typeface="Helvetica" pitchFamily="2" charset="0"/>
-                      </a:endParaRPr>
-                    </a:p>
-                  </a:txBody>
-                  <a:tcPr marL="9525" marR="9525" marT="9525" marB="0" anchor="b"/>
-                </a:tc>
-                <a:tc>
-                  <a:txBody>
-                    <a:bodyPr/>
-                    <a:lstStyle/>
-                    <a:p>
-                      <a:pPr algn="r" fontAlgn="b"/>
-                      <a:r>
-                        <a:rPr lang="en-US" sz="1200" u="none" strike="noStrike" dirty="0">
-                          <a:effectLst/>
-                        </a:rPr>
-                        <a:t>$529,631.78 </a:t>
-                      </a:r>
-                      <a:endParaRPr lang="en-US" sz="1200" b="0" i="0" u="none" strike="noStrike" dirty="0">
-                        <a:solidFill>
-                          <a:srgbClr val="000000"/>
-                        </a:solidFill>
-                        <a:effectLst/>
-                        <a:latin typeface="Helvetica" pitchFamily="2" charset="0"/>
-                      </a:endParaRPr>
-                    </a:p>
-                  </a:txBody>
-                  <a:tcPr marL="9525" marR="9525" marT="9525" marB="0" anchor="b"/>
-                </a:tc>
-                <a:extLst>
-                  <a:ext uri="{0D108BD9-81ED-4DB2-BD59-A6C34878D82A}">
-                    <a16:rowId xmlns:a16="http://schemas.microsoft.com/office/drawing/2014/main" val="1306949815"/>
-                  </a:ext>
-                </a:extLst>
-              </a:tr>
-            </a:tbl>
-          </a:graphicData>
-        </a:graphic>
-      </p:graphicFrame>
+          <p:cNvPicPr>
+            <a:picLocks noChangeAspect="1"/>
+          </p:cNvPicPr>
+          <p:nvPr/>
+        </p:nvPicPr>
+        <p:blipFill rotWithShape="1">
+          <a:blip r:embed="rId2"/>
+          <a:srcRect l="11360" t="14544" r="7769" b="7046"/>
+          <a:stretch/>
+        </p:blipFill>
+        <p:spPr>
+          <a:xfrm>
+            <a:off x="7518848" y="2358951"/>
+            <a:ext cx="4113172" cy="4157330"/>
+          </a:xfrm>
+          <a:prstGeom prst="roundRect">
+            <a:avLst>
+              <a:gd name="adj" fmla="val 1858"/>
+            </a:avLst>
+          </a:prstGeom>
+          <a:effectLst>
+            <a:outerShdw blurRad="50800" dist="50800" dir="5400000" algn="tl" rotWithShape="0">
+              <a:srgbClr val="000000">
+                <a:alpha val="43000"/>
+              </a:srgbClr>
+            </a:outerShdw>
+          </a:effectLst>
+        </p:spPr>
+      </p:pic>
     </p:spTree>
     <p:extLst>
       <p:ext uri="{BB962C8B-B14F-4D97-AF65-F5344CB8AC3E}">
-        <p14:creationId xmlns:p14="http://schemas.microsoft.com/office/powerpoint/2010/main" val="2295519023"/>
+        <p14:creationId xmlns:p14="http://schemas.microsoft.com/office/powerpoint/2010/main" val="4160845107"/>
       </p:ext>
     </p:extLst>
   </p:cSld>

--- a/Horror_Movie_Trends_Project1_11142022_BC.pptx
+++ b/Horror_Movie_Trends_Project1_11142022_BC.pptx
@@ -8,12 +8,15 @@
     <p:sldId id="256" r:id="rId2"/>
     <p:sldId id="257" r:id="rId3"/>
     <p:sldId id="258" r:id="rId4"/>
-    <p:sldId id="259" r:id="rId5"/>
-    <p:sldId id="263" r:id="rId6"/>
-    <p:sldId id="264" r:id="rId7"/>
-    <p:sldId id="260" r:id="rId8"/>
-    <p:sldId id="261" r:id="rId9"/>
-    <p:sldId id="265" r:id="rId10"/>
+    <p:sldId id="266" r:id="rId5"/>
+    <p:sldId id="267" r:id="rId6"/>
+    <p:sldId id="268" r:id="rId7"/>
+    <p:sldId id="259" r:id="rId8"/>
+    <p:sldId id="263" r:id="rId9"/>
+    <p:sldId id="264" r:id="rId10"/>
+    <p:sldId id="260" r:id="rId11"/>
+    <p:sldId id="261" r:id="rId12"/>
+    <p:sldId id="265" r:id="rId13"/>
   </p:sldIdLst>
   <p:sldSz cx="12192000" cy="6858000"/>
   <p:notesSz cx="6858000" cy="9144000"/>
@@ -817,7 +820,7 @@
           <a:p>
             <a:fld id="{78ABE3C1-DBE1-495D-B57B-2849774B866A}" type="datetimeFigureOut">
               <a:rPr lang="en-US" smtClean="0"/>
-              <a:t>11/12/22</a:t>
+              <a:t>11/12/2022</a:t>
             </a:fld>
             <a:endParaRPr lang="en-US" dirty="0"/>
           </a:p>
@@ -1978,7 +1981,7 @@
           <a:p>
             <a:fld id="{9D6E9DEC-419B-4CC5-A080-3B06BD5A8291}" type="datetimeFigureOut">
               <a:rPr lang="en-US" smtClean="0"/>
-              <a:t>11/12/22</a:t>
+              <a:t>11/12/2022</a:t>
             </a:fld>
             <a:endParaRPr lang="en-US" dirty="0"/>
           </a:p>
@@ -3034,7 +3037,7 @@
           <a:p>
             <a:fld id="{9D6E9DEC-419B-4CC5-A080-3B06BD5A8291}" type="datetimeFigureOut">
               <a:rPr lang="en-US" smtClean="0"/>
-              <a:t>11/12/22</a:t>
+              <a:t>11/12/2022</a:t>
             </a:fld>
             <a:endParaRPr lang="en-US" dirty="0"/>
           </a:p>
@@ -4249,7 +4252,7 @@
           <a:p>
             <a:fld id="{9D6E9DEC-419B-4CC5-A080-3B06BD5A8291}" type="datetimeFigureOut">
               <a:rPr lang="en-US" smtClean="0"/>
-              <a:t>11/12/22</a:t>
+              <a:t>11/12/2022</a:t>
             </a:fld>
             <a:endParaRPr lang="en-US" dirty="0"/>
           </a:p>
@@ -5355,7 +5358,7 @@
           <a:p>
             <a:fld id="{9D6E9DEC-419B-4CC5-A080-3B06BD5A8291}" type="datetimeFigureOut">
               <a:rPr lang="en-US" smtClean="0"/>
-              <a:t>11/12/22</a:t>
+              <a:t>11/12/2022</a:t>
             </a:fld>
             <a:endParaRPr lang="en-US" dirty="0"/>
           </a:p>
@@ -6009,7 +6012,7 @@
           <a:p>
             <a:fld id="{9D6E9DEC-419B-4CC5-A080-3B06BD5A8291}" type="datetimeFigureOut">
               <a:rPr lang="en-US" smtClean="0"/>
-              <a:t>11/12/22</a:t>
+              <a:t>11/12/2022</a:t>
             </a:fld>
             <a:endParaRPr lang="en-US" dirty="0"/>
           </a:p>
@@ -6858,7 +6861,7 @@
           <a:p>
             <a:fld id="{9D6E9DEC-419B-4CC5-A080-3B06BD5A8291}" type="datetimeFigureOut">
               <a:rPr lang="en-US" smtClean="0"/>
-              <a:t>11/12/22</a:t>
+              <a:t>11/12/2022</a:t>
             </a:fld>
             <a:endParaRPr lang="en-US" dirty="0"/>
           </a:p>
@@ -7045,7 +7048,7 @@
           <a:p>
             <a:fld id="{1FA3F48C-C7C6-4055-9F49-3777875E72AE}" type="datetimeFigureOut">
               <a:rPr lang="en-US" smtClean="0"/>
-              <a:t>11/12/22</a:t>
+              <a:t>11/12/2022</a:t>
             </a:fld>
             <a:endParaRPr lang="en-US" dirty="0"/>
           </a:p>
@@ -8086,7 +8089,7 @@
           <a:p>
             <a:fld id="{6178E61D-D431-422C-9764-11DAFE33AB63}" type="datetimeFigureOut">
               <a:rPr lang="en-US" smtClean="0"/>
-              <a:t>11/12/22</a:t>
+              <a:t>11/12/2022</a:t>
             </a:fld>
             <a:endParaRPr lang="en-US" dirty="0"/>
           </a:p>
@@ -8303,7 +8306,7 @@
           <a:p>
             <a:fld id="{12DE42F4-6EEF-4EF7-8ED4-2208F0F89A08}" type="datetimeFigureOut">
               <a:rPr lang="en-US" smtClean="0"/>
-              <a:t>11/12/22</a:t>
+              <a:t>11/12/2022</a:t>
             </a:fld>
             <a:endParaRPr lang="en-US" dirty="0"/>
           </a:p>
@@ -9408,7 +9411,7 @@
           <a:p>
             <a:fld id="{30578ACC-22D6-47C1-A373-4FD133E34F3C}" type="datetimeFigureOut">
               <a:rPr lang="en-US" smtClean="0"/>
-              <a:t>11/12/22</a:t>
+              <a:t>11/12/2022</a:t>
             </a:fld>
             <a:endParaRPr lang="en-US" dirty="0"/>
           </a:p>
@@ -9680,7 +9683,7 @@
           <a:p>
             <a:fld id="{4E5A6C69-6797-4E8A-BF37-F2C3751466E9}" type="datetimeFigureOut">
               <a:rPr lang="en-US" smtClean="0"/>
-              <a:t>11/12/22</a:t>
+              <a:t>11/12/2022</a:t>
             </a:fld>
             <a:endParaRPr lang="en-US" dirty="0"/>
           </a:p>
@@ -10062,7 +10065,7 @@
           <a:p>
             <a:fld id="{D82014A1-A632-4878-A0D3-F52BA7563730}" type="datetimeFigureOut">
               <a:rPr lang="en-US" smtClean="0"/>
-              <a:t>11/12/22</a:t>
+              <a:t>11/12/2022</a:t>
             </a:fld>
             <a:endParaRPr lang="en-US" dirty="0"/>
           </a:p>
@@ -10180,7 +10183,7 @@
           <a:p>
             <a:fld id="{CE99F462-093F-4566-844B-4C71F2739DA5}" type="datetimeFigureOut">
               <a:rPr lang="en-US" smtClean="0"/>
-              <a:t>11/12/22</a:t>
+              <a:t>11/12/2022</a:t>
             </a:fld>
             <a:endParaRPr lang="en-US" dirty="0"/>
           </a:p>
@@ -10275,7 +10278,7 @@
           <a:p>
             <a:fld id="{3D24A7AC-904D-4781-85BA-7D10C17ED021}" type="datetimeFigureOut">
               <a:rPr lang="en-US" smtClean="0"/>
-              <a:t>11/12/22</a:t>
+              <a:t>11/12/2022</a:t>
             </a:fld>
             <a:endParaRPr lang="en-US" dirty="0"/>
           </a:p>
@@ -11427,7 +11430,7 @@
           <a:p>
             <a:fld id="{E331444B-B92B-4E27-8C94-BB93EAF5CB18}" type="datetimeFigureOut">
               <a:rPr lang="en-US" smtClean="0"/>
-              <a:t>11/12/22</a:t>
+              <a:t>11/12/2022</a:t>
             </a:fld>
             <a:endParaRPr lang="en-US" dirty="0"/>
           </a:p>
@@ -12603,7 +12606,7 @@
           <a:p>
             <a:fld id="{363EFA5E-FA76-400D-B3DC-F0BA90E6D107}" type="datetimeFigureOut">
               <a:rPr lang="en-US" smtClean="0"/>
-              <a:t>11/12/22</a:t>
+              <a:t>11/12/2022</a:t>
             </a:fld>
             <a:endParaRPr lang="en-US" dirty="0"/>
           </a:p>
@@ -13709,7 +13712,7 @@
           <a:p>
             <a:fld id="{9D6E9DEC-419B-4CC5-A080-3B06BD5A8291}" type="datetimeFigureOut">
               <a:rPr lang="en-US" smtClean="0"/>
-              <a:t>11/12/22</a:t>
+              <a:t>11/12/2022</a:t>
             </a:fld>
             <a:endParaRPr lang="en-US" dirty="0"/>
           </a:p>
@@ -15668,6 +15671,622 @@
 </p:sld>
 </file>
 
+<file path=ppt/slides/slide10.xml><?xml version="1.0" encoding="utf-8"?>
+<p:sld xmlns:a="http://schemas.openxmlformats.org/drawingml/2006/main" xmlns:r="http://schemas.openxmlformats.org/officeDocument/2006/relationships" xmlns:p="http://schemas.openxmlformats.org/presentationml/2006/main">
+  <p:cSld>
+    <p:bg>
+      <p:bgPr>
+        <a:solidFill>
+          <a:schemeClr val="bg1"/>
+        </a:solidFill>
+        <a:effectLst/>
+      </p:bgPr>
+    </p:bg>
+    <p:spTree>
+      <p:nvGrpSpPr>
+        <p:cNvPr id="1" name=""/>
+        <p:cNvGrpSpPr/>
+        <p:nvPr/>
+      </p:nvGrpSpPr>
+      <p:grpSpPr>
+        <a:xfrm>
+          <a:off x="0" y="0"/>
+          <a:ext cx="0" cy="0"/>
+          <a:chOff x="0" y="0"/>
+          <a:chExt cx="0" cy="0"/>
+        </a:xfrm>
+      </p:grpSpPr>
+      <p:sp>
+        <p:nvSpPr>
+          <p:cNvPr id="2" name="Title 1">
+            <a:extLst>
+              <a:ext uri="{FF2B5EF4-FFF2-40B4-BE49-F238E27FC236}">
+                <a16:creationId xmlns:a16="http://schemas.microsoft.com/office/drawing/2014/main" id="{62996E13-90E2-C085-109D-9CB4B9409557}"/>
+              </a:ext>
+            </a:extLst>
+          </p:cNvPr>
+          <p:cNvSpPr>
+            <a:spLocks noGrp="1"/>
+          </p:cNvSpPr>
+          <p:nvPr>
+            <p:ph type="title"/>
+          </p:nvPr>
+        </p:nvSpPr>
+        <p:spPr>
+          <a:xfrm>
+            <a:off x="1154954" y="947920"/>
+            <a:ext cx="8761413" cy="728480"/>
+          </a:xfrm>
+        </p:spPr>
+        <p:txBody>
+          <a:bodyPr>
+            <a:normAutofit/>
+          </a:bodyPr>
+          <a:lstStyle/>
+          <a:p>
+            <a:r>
+              <a:rPr lang="en-US" dirty="0">
+                <a:latin typeface="Simplified Arabic Fixed" panose="02070309020205020404" pitchFamily="49" charset="-78"/>
+                <a:cs typeface="Simplified Arabic Fixed" panose="02070309020205020404" pitchFamily="49" charset="-78"/>
+              </a:rPr>
+              <a:t>Country Analysis: Question 1</a:t>
+            </a:r>
+          </a:p>
+        </p:txBody>
+      </p:sp>
+      <p:sp>
+        <p:nvSpPr>
+          <p:cNvPr id="3" name="Content Placeholder 2">
+            <a:extLst>
+              <a:ext uri="{FF2B5EF4-FFF2-40B4-BE49-F238E27FC236}">
+                <a16:creationId xmlns:a16="http://schemas.microsoft.com/office/drawing/2014/main" id="{57505223-4AEB-2246-ACA4-BBD7BED52E1B}"/>
+              </a:ext>
+            </a:extLst>
+          </p:cNvPr>
+          <p:cNvSpPr>
+            <a:spLocks noGrp="1"/>
+          </p:cNvSpPr>
+          <p:nvPr>
+            <p:ph idx="1"/>
+          </p:nvPr>
+        </p:nvSpPr>
+        <p:spPr>
+          <a:xfrm>
+            <a:off x="1154955" y="2603500"/>
+            <a:ext cx="3481054" cy="3416300"/>
+          </a:xfrm>
+        </p:spPr>
+        <p:txBody>
+          <a:bodyPr anchor="ctr">
+            <a:normAutofit/>
+          </a:bodyPr>
+          <a:lstStyle/>
+          <a:p>
+            <a:r>
+              <a:rPr lang="en-US" sz="1600" dirty="0"/>
+              <a:t>What country spends the most on average per movie?</a:t>
+            </a:r>
+          </a:p>
+          <a:p>
+            <a:pPr lvl="1"/>
+            <a:r>
+              <a:rPr lang="en-US" dirty="0"/>
+              <a:t>India spent $60 million more than then the 2</a:t>
+            </a:r>
+            <a:r>
+              <a:rPr lang="en-US" baseline="30000" dirty="0"/>
+              <a:t>nd</a:t>
+            </a:r>
+            <a:r>
+              <a:rPr lang="en-US" dirty="0"/>
+              <a:t> most spending country</a:t>
+            </a:r>
+          </a:p>
+          <a:p>
+            <a:pPr lvl="1"/>
+            <a:r>
+              <a:rPr lang="en-US" dirty="0"/>
+              <a:t>On average the other countries spend roughly $4 million per movie</a:t>
+            </a:r>
+          </a:p>
+          <a:p>
+            <a:pPr lvl="1"/>
+            <a:endParaRPr lang="en-US" dirty="0"/>
+          </a:p>
+        </p:txBody>
+      </p:sp>
+      <p:pic>
+        <p:nvPicPr>
+          <p:cNvPr id="8" name="Picture 7">
+            <a:extLst>
+              <a:ext uri="{FF2B5EF4-FFF2-40B4-BE49-F238E27FC236}">
+                <a16:creationId xmlns:a16="http://schemas.microsoft.com/office/drawing/2014/main" id="{BF570C56-B19D-9D88-DCE0-FD8C859CCE74}"/>
+              </a:ext>
+            </a:extLst>
+          </p:cNvPr>
+          <p:cNvPicPr>
+            <a:picLocks noChangeAspect="1"/>
+          </p:cNvPicPr>
+          <p:nvPr/>
+        </p:nvPicPr>
+        <p:blipFill rotWithShape="1">
+          <a:blip r:embed="rId2"/>
+          <a:srcRect r="-3387" b="-3387"/>
+          <a:stretch/>
+        </p:blipFill>
+        <p:spPr>
+          <a:xfrm>
+            <a:off x="4841778" y="2603500"/>
+            <a:ext cx="2980034" cy="3546288"/>
+          </a:xfrm>
+          <a:prstGeom prst="roundRect">
+            <a:avLst>
+              <a:gd name="adj" fmla="val 1858"/>
+            </a:avLst>
+          </a:prstGeom>
+          <a:effectLst/>
+        </p:spPr>
+      </p:pic>
+      <p:pic>
+        <p:nvPicPr>
+          <p:cNvPr id="7" name="Picture 6">
+            <a:extLst>
+              <a:ext uri="{FF2B5EF4-FFF2-40B4-BE49-F238E27FC236}">
+                <a16:creationId xmlns:a16="http://schemas.microsoft.com/office/drawing/2014/main" id="{EA7FAAD5-086B-1C58-689A-044424D67D7A}"/>
+              </a:ext>
+            </a:extLst>
+          </p:cNvPr>
+          <p:cNvPicPr>
+            <a:picLocks noChangeAspect="1"/>
+          </p:cNvPicPr>
+          <p:nvPr/>
+        </p:nvPicPr>
+        <p:blipFill>
+          <a:blip r:embed="rId3"/>
+          <a:stretch>
+            <a:fillRect/>
+          </a:stretch>
+        </p:blipFill>
+        <p:spPr>
+          <a:xfrm>
+            <a:off x="7821813" y="2603500"/>
+            <a:ext cx="4137106" cy="3306580"/>
+          </a:xfrm>
+          <a:prstGeom prst="roundRect">
+            <a:avLst>
+              <a:gd name="adj" fmla="val 1858"/>
+            </a:avLst>
+          </a:prstGeom>
+          <a:effectLst/>
+        </p:spPr>
+      </p:pic>
+    </p:spTree>
+    <p:extLst>
+      <p:ext uri="{BB962C8B-B14F-4D97-AF65-F5344CB8AC3E}">
+        <p14:creationId xmlns:p14="http://schemas.microsoft.com/office/powerpoint/2010/main" val="1068830328"/>
+      </p:ext>
+    </p:extLst>
+  </p:cSld>
+  <p:clrMapOvr>
+    <a:masterClrMapping/>
+  </p:clrMapOvr>
+</p:sld>
+</file>
+
+<file path=ppt/slides/slide11.xml><?xml version="1.0" encoding="utf-8"?>
+<p:sld xmlns:a="http://schemas.openxmlformats.org/drawingml/2006/main" xmlns:r="http://schemas.openxmlformats.org/officeDocument/2006/relationships" xmlns:p="http://schemas.openxmlformats.org/presentationml/2006/main">
+  <p:cSld>
+    <p:bg>
+      <p:bgPr>
+        <a:solidFill>
+          <a:schemeClr val="bg1"/>
+        </a:solidFill>
+        <a:effectLst/>
+      </p:bgPr>
+    </p:bg>
+    <p:spTree>
+      <p:nvGrpSpPr>
+        <p:cNvPr id="1" name=""/>
+        <p:cNvGrpSpPr/>
+        <p:nvPr/>
+      </p:nvGrpSpPr>
+      <p:grpSpPr>
+        <a:xfrm>
+          <a:off x="0" y="0"/>
+          <a:ext cx="0" cy="0"/>
+          <a:chOff x="0" y="0"/>
+          <a:chExt cx="0" cy="0"/>
+        </a:xfrm>
+      </p:grpSpPr>
+      <p:sp>
+        <p:nvSpPr>
+          <p:cNvPr id="2" name="Title 1">
+            <a:extLst>
+              <a:ext uri="{FF2B5EF4-FFF2-40B4-BE49-F238E27FC236}">
+                <a16:creationId xmlns:a16="http://schemas.microsoft.com/office/drawing/2014/main" id="{62996E13-90E2-C085-109D-9CB4B9409557}"/>
+              </a:ext>
+            </a:extLst>
+          </p:cNvPr>
+          <p:cNvSpPr>
+            <a:spLocks noGrp="1"/>
+          </p:cNvSpPr>
+          <p:nvPr>
+            <p:ph type="title"/>
+          </p:nvPr>
+        </p:nvSpPr>
+        <p:spPr>
+          <a:xfrm>
+            <a:off x="1154954" y="947920"/>
+            <a:ext cx="8761413" cy="728480"/>
+          </a:xfrm>
+        </p:spPr>
+        <p:txBody>
+          <a:bodyPr>
+            <a:normAutofit/>
+          </a:bodyPr>
+          <a:lstStyle/>
+          <a:p>
+            <a:r>
+              <a:rPr lang="en-US" dirty="0">
+                <a:latin typeface="Simplified Arabic Fixed" panose="02070309020205020404" pitchFamily="49" charset="-78"/>
+                <a:cs typeface="Simplified Arabic Fixed" panose="02070309020205020404" pitchFamily="49" charset="-78"/>
+              </a:rPr>
+              <a:t>Country Analysis: Question 2</a:t>
+            </a:r>
+          </a:p>
+        </p:txBody>
+      </p:sp>
+      <p:sp>
+        <p:nvSpPr>
+          <p:cNvPr id="3" name="Content Placeholder 2">
+            <a:extLst>
+              <a:ext uri="{FF2B5EF4-FFF2-40B4-BE49-F238E27FC236}">
+                <a16:creationId xmlns:a16="http://schemas.microsoft.com/office/drawing/2014/main" id="{57505223-4AEB-2246-ACA4-BBD7BED52E1B}"/>
+              </a:ext>
+            </a:extLst>
+          </p:cNvPr>
+          <p:cNvSpPr>
+            <a:spLocks noGrp="1"/>
+          </p:cNvSpPr>
+          <p:nvPr>
+            <p:ph idx="1"/>
+          </p:nvPr>
+        </p:nvSpPr>
+        <p:spPr>
+          <a:xfrm>
+            <a:off x="1154954" y="2603500"/>
+            <a:ext cx="5211979" cy="3416300"/>
+          </a:xfrm>
+        </p:spPr>
+        <p:txBody>
+          <a:bodyPr anchor="ctr">
+            <a:normAutofit/>
+          </a:bodyPr>
+          <a:lstStyle/>
+          <a:p>
+            <a:r>
+              <a:rPr lang="en-US" dirty="0"/>
+              <a:t>What is the relationship between rating average and country?</a:t>
+            </a:r>
+          </a:p>
+          <a:p>
+            <a:pPr lvl="1"/>
+            <a:r>
+              <a:rPr lang="en-US" dirty="0"/>
+              <a:t>UK produced the second most movies, but the ratings were virtually identical to Canada</a:t>
+            </a:r>
+          </a:p>
+          <a:p>
+            <a:pPr lvl="1"/>
+            <a:r>
+              <a:rPr lang="en-US" dirty="0"/>
+              <a:t>India spent the most on average per movie and had the highest ratings</a:t>
+            </a:r>
+          </a:p>
+        </p:txBody>
+      </p:sp>
+      <p:pic>
+        <p:nvPicPr>
+          <p:cNvPr id="6" name="Picture 5">
+            <a:extLst>
+              <a:ext uri="{FF2B5EF4-FFF2-40B4-BE49-F238E27FC236}">
+                <a16:creationId xmlns:a16="http://schemas.microsoft.com/office/drawing/2014/main" id="{6C337279-D5B0-8F01-9B55-CA48D46CDA47}"/>
+              </a:ext>
+            </a:extLst>
+          </p:cNvPr>
+          <p:cNvPicPr>
+            <a:picLocks noChangeAspect="1"/>
+          </p:cNvPicPr>
+          <p:nvPr/>
+        </p:nvPicPr>
+        <p:blipFill>
+          <a:blip r:embed="rId2"/>
+          <a:stretch>
+            <a:fillRect/>
+          </a:stretch>
+        </p:blipFill>
+        <p:spPr>
+          <a:xfrm>
+            <a:off x="7213402" y="2806899"/>
+            <a:ext cx="4345024" cy="3009501"/>
+          </a:xfrm>
+          <a:prstGeom prst="roundRect">
+            <a:avLst>
+              <a:gd name="adj" fmla="val 1858"/>
+            </a:avLst>
+          </a:prstGeom>
+          <a:effectLst>
+            <a:outerShdw blurRad="50800" dist="50800" dir="5400000" algn="tl" rotWithShape="0">
+              <a:srgbClr val="000000">
+                <a:alpha val="43000"/>
+              </a:srgbClr>
+            </a:outerShdw>
+          </a:effectLst>
+        </p:spPr>
+      </p:pic>
+    </p:spTree>
+    <p:extLst>
+      <p:ext uri="{BB962C8B-B14F-4D97-AF65-F5344CB8AC3E}">
+        <p14:creationId xmlns:p14="http://schemas.microsoft.com/office/powerpoint/2010/main" val="1434407276"/>
+      </p:ext>
+    </p:extLst>
+  </p:cSld>
+  <p:clrMapOvr>
+    <a:masterClrMapping/>
+  </p:clrMapOvr>
+  <p:timing>
+    <p:tnLst>
+      <p:par>
+        <p:cTn id="1" dur="indefinite" restart="never" nodeType="tmRoot">
+          <p:childTnLst>
+            <p:seq concurrent="1" nextAc="seek">
+              <p:cTn id="2" dur="indefinite" nodeType="mainSeq">
+                <p:childTnLst>
+                  <p:par>
+                    <p:cTn id="3" fill="hold">
+                      <p:stCondLst>
+                        <p:cond delay="indefinite"/>
+                        <p:cond evt="onBegin" delay="0">
+                          <p:tn val="2"/>
+                        </p:cond>
+                      </p:stCondLst>
+                      <p:childTnLst>
+                        <p:par>
+                          <p:cTn id="4" fill="hold">
+                            <p:stCondLst>
+                              <p:cond delay="0"/>
+                            </p:stCondLst>
+                            <p:childTnLst>
+                              <p:par>
+                                <p:cTn id="5" presetID="10" presetClass="entr" presetSubtype="0" fill="hold" grpId="0" nodeType="withEffect">
+                                  <p:stCondLst>
+                                    <p:cond delay="1000"/>
+                                  </p:stCondLst>
+                                  <p:iterate type="lt">
+                                    <p:tmPct val="10000"/>
+                                  </p:iterate>
+                                  <p:childTnLst>
+                                    <p:set>
+                                      <p:cBhvr>
+                                        <p:cTn id="6" dur="1" fill="hold">
+                                          <p:stCondLst>
+                                            <p:cond delay="0"/>
+                                          </p:stCondLst>
+                                        </p:cTn>
+                                        <p:tgtEl>
+                                          <p:spTgt spid="2"/>
+                                        </p:tgtEl>
+                                        <p:attrNameLst>
+                                          <p:attrName>style.visibility</p:attrName>
+                                        </p:attrNameLst>
+                                      </p:cBhvr>
+                                      <p:to>
+                                        <p:strVal val="visible"/>
+                                      </p:to>
+                                    </p:set>
+                                    <p:animEffect transition="in" filter="fade">
+                                      <p:cBhvr>
+                                        <p:cTn id="7" dur="400"/>
+                                        <p:tgtEl>
+                                          <p:spTgt spid="2"/>
+                                        </p:tgtEl>
+                                      </p:cBhvr>
+                                    </p:animEffect>
+                                  </p:childTnLst>
+                                </p:cTn>
+                              </p:par>
+                            </p:childTnLst>
+                          </p:cTn>
+                        </p:par>
+                      </p:childTnLst>
+                    </p:cTn>
+                  </p:par>
+                </p:childTnLst>
+              </p:cTn>
+              <p:prevCondLst>
+                <p:cond evt="onPrev" delay="0">
+                  <p:tgtEl>
+                    <p:sldTgt/>
+                  </p:tgtEl>
+                </p:cond>
+              </p:prevCondLst>
+              <p:nextCondLst>
+                <p:cond evt="onNext" delay="0">
+                  <p:tgtEl>
+                    <p:sldTgt/>
+                  </p:tgtEl>
+                </p:cond>
+              </p:nextCondLst>
+            </p:seq>
+          </p:childTnLst>
+        </p:cTn>
+      </p:par>
+    </p:tnLst>
+    <p:bldLst>
+      <p:bldP spid="2" grpId="0"/>
+    </p:bldLst>
+  </p:timing>
+</p:sld>
+</file>
+
+<file path=ppt/slides/slide12.xml><?xml version="1.0" encoding="utf-8"?>
+<p:sld xmlns:a="http://schemas.openxmlformats.org/drawingml/2006/main" xmlns:r="http://schemas.openxmlformats.org/officeDocument/2006/relationships" xmlns:p="http://schemas.openxmlformats.org/presentationml/2006/main">
+  <p:cSld>
+    <p:bg>
+      <p:bgPr>
+        <a:solidFill>
+          <a:schemeClr val="bg1"/>
+        </a:solidFill>
+        <a:effectLst/>
+      </p:bgPr>
+    </p:bg>
+    <p:spTree>
+      <p:nvGrpSpPr>
+        <p:cNvPr id="1" name=""/>
+        <p:cNvGrpSpPr/>
+        <p:nvPr/>
+      </p:nvGrpSpPr>
+      <p:grpSpPr>
+        <a:xfrm>
+          <a:off x="0" y="0"/>
+          <a:ext cx="0" cy="0"/>
+          <a:chOff x="0" y="0"/>
+          <a:chExt cx="0" cy="0"/>
+        </a:xfrm>
+      </p:grpSpPr>
+      <p:sp>
+        <p:nvSpPr>
+          <p:cNvPr id="2" name="Title 1">
+            <a:extLst>
+              <a:ext uri="{FF2B5EF4-FFF2-40B4-BE49-F238E27FC236}">
+                <a16:creationId xmlns:a16="http://schemas.microsoft.com/office/drawing/2014/main" id="{BF889BD1-941D-0C01-842E-0C64DB41DEED}"/>
+              </a:ext>
+            </a:extLst>
+          </p:cNvPr>
+          <p:cNvSpPr>
+            <a:spLocks noGrp="1"/>
+          </p:cNvSpPr>
+          <p:nvPr>
+            <p:ph type="title"/>
+          </p:nvPr>
+        </p:nvSpPr>
+        <p:spPr>
+          <a:xfrm>
+            <a:off x="1154954" y="947920"/>
+            <a:ext cx="8761413" cy="728480"/>
+          </a:xfrm>
+        </p:spPr>
+        <p:txBody>
+          <a:bodyPr>
+            <a:normAutofit/>
+          </a:bodyPr>
+          <a:lstStyle/>
+          <a:p>
+            <a:r>
+              <a:rPr lang="en-US" dirty="0"/>
+              <a:t>Country Analysis Movie Count</a:t>
+            </a:r>
+          </a:p>
+        </p:txBody>
+      </p:sp>
+      <p:sp>
+        <p:nvSpPr>
+          <p:cNvPr id="3" name="Content Placeholder 2">
+            <a:extLst>
+              <a:ext uri="{FF2B5EF4-FFF2-40B4-BE49-F238E27FC236}">
+                <a16:creationId xmlns:a16="http://schemas.microsoft.com/office/drawing/2014/main" id="{06C14A52-AA0A-DC23-E428-5E4E8ECFCE2D}"/>
+              </a:ext>
+            </a:extLst>
+          </p:cNvPr>
+          <p:cNvSpPr>
+            <a:spLocks noGrp="1"/>
+          </p:cNvSpPr>
+          <p:nvPr>
+            <p:ph idx="1"/>
+          </p:nvPr>
+        </p:nvSpPr>
+        <p:spPr>
+          <a:xfrm>
+            <a:off x="1154954" y="2603500"/>
+            <a:ext cx="5211979" cy="3416300"/>
+          </a:xfrm>
+        </p:spPr>
+        <p:txBody>
+          <a:bodyPr anchor="ctr">
+            <a:normAutofit/>
+          </a:bodyPr>
+          <a:lstStyle/>
+          <a:p>
+            <a:r>
+              <a:rPr lang="en-US" dirty="0"/>
+              <a:t>United States produced more than 800 movies found in the data set.  Only 769 were included in the analysis</a:t>
+            </a:r>
+          </a:p>
+          <a:p>
+            <a:r>
+              <a:rPr lang="en-US" dirty="0"/>
+              <a:t>A large majority of the countries not included in this analysis produced &gt;= 5 movies</a:t>
+            </a:r>
+          </a:p>
+          <a:p>
+            <a:r>
+              <a:rPr lang="en-US" dirty="0"/>
+              <a:t>Peru produced 10 movies and had the lowest average rating</a:t>
+            </a:r>
+          </a:p>
+        </p:txBody>
+      </p:sp>
+      <p:pic>
+        <p:nvPicPr>
+          <p:cNvPr id="5" name="Picture 4">
+            <a:extLst>
+              <a:ext uri="{FF2B5EF4-FFF2-40B4-BE49-F238E27FC236}">
+                <a16:creationId xmlns:a16="http://schemas.microsoft.com/office/drawing/2014/main" id="{6AD2C1C2-F7E1-AAB9-0D2D-5AE288897CA9}"/>
+              </a:ext>
+            </a:extLst>
+          </p:cNvPr>
+          <p:cNvPicPr>
+            <a:picLocks noChangeAspect="1"/>
+          </p:cNvPicPr>
+          <p:nvPr/>
+        </p:nvPicPr>
+        <p:blipFill rotWithShape="1">
+          <a:blip r:embed="rId2"/>
+          <a:srcRect l="11360" t="14544" r="7769" b="7046"/>
+          <a:stretch/>
+        </p:blipFill>
+        <p:spPr>
+          <a:xfrm>
+            <a:off x="7518848" y="2358951"/>
+            <a:ext cx="4113172" cy="4157330"/>
+          </a:xfrm>
+          <a:prstGeom prst="roundRect">
+            <a:avLst>
+              <a:gd name="adj" fmla="val 1858"/>
+            </a:avLst>
+          </a:prstGeom>
+          <a:effectLst>
+            <a:outerShdw blurRad="50800" dist="50800" dir="5400000" algn="tl" rotWithShape="0">
+              <a:srgbClr val="000000">
+                <a:alpha val="43000"/>
+              </a:srgbClr>
+            </a:outerShdw>
+          </a:effectLst>
+        </p:spPr>
+      </p:pic>
+    </p:spTree>
+    <p:extLst>
+      <p:ext uri="{BB962C8B-B14F-4D97-AF65-F5344CB8AC3E}">
+        <p14:creationId xmlns:p14="http://schemas.microsoft.com/office/powerpoint/2010/main" val="4160845107"/>
+      </p:ext>
+    </p:extLst>
+  </p:cSld>
+  <p:clrMapOvr>
+    <a:masterClrMapping/>
+  </p:clrMapOvr>
+</p:sld>
+</file>
+
 <file path=ppt/slides/slide2.xml><?xml version="1.0" encoding="utf-8"?>
 <p:sld xmlns:a="http://schemas.openxmlformats.org/drawingml/2006/main" xmlns:r="http://schemas.openxmlformats.org/officeDocument/2006/relationships" xmlns:p="http://schemas.openxmlformats.org/presentationml/2006/main">
   <p:cSld>
@@ -16014,6 +16633,587 @@
 <file path=ppt/slides/slide4.xml><?xml version="1.0" encoding="utf-8"?>
 <p:sld xmlns:a="http://schemas.openxmlformats.org/drawingml/2006/main" xmlns:r="http://schemas.openxmlformats.org/officeDocument/2006/relationships" xmlns:p="http://schemas.openxmlformats.org/presentationml/2006/main">
   <p:cSld>
+    <p:spTree>
+      <p:nvGrpSpPr>
+        <p:cNvPr id="1" name=""/>
+        <p:cNvGrpSpPr/>
+        <p:nvPr/>
+      </p:nvGrpSpPr>
+      <p:grpSpPr>
+        <a:xfrm>
+          <a:off x="0" y="0"/>
+          <a:ext cx="0" cy="0"/>
+          <a:chOff x="0" y="0"/>
+          <a:chExt cx="0" cy="0"/>
+        </a:xfrm>
+      </p:grpSpPr>
+      <p:sp>
+        <p:nvSpPr>
+          <p:cNvPr id="2" name="Title 1">
+            <a:extLst>
+              <a:ext uri="{FF2B5EF4-FFF2-40B4-BE49-F238E27FC236}">
+                <a16:creationId xmlns:a16="http://schemas.microsoft.com/office/drawing/2014/main" id="{3D72A9DA-3CC1-C82E-8EAF-F5C51FC6FF02}"/>
+              </a:ext>
+            </a:extLst>
+          </p:cNvPr>
+          <p:cNvSpPr>
+            <a:spLocks noGrp="1"/>
+          </p:cNvSpPr>
+          <p:nvPr>
+            <p:ph type="title"/>
+          </p:nvPr>
+        </p:nvSpPr>
+        <p:spPr/>
+        <p:txBody>
+          <a:bodyPr/>
+          <a:lstStyle/>
+          <a:p>
+            <a:r>
+              <a:rPr lang="en-US" dirty="0"/>
+              <a:t>Release Date Analysis: Question 1</a:t>
+            </a:r>
+          </a:p>
+        </p:txBody>
+      </p:sp>
+      <p:sp>
+        <p:nvSpPr>
+          <p:cNvPr id="4" name="Content Placeholder 3">
+            <a:extLst>
+              <a:ext uri="{FF2B5EF4-FFF2-40B4-BE49-F238E27FC236}">
+                <a16:creationId xmlns:a16="http://schemas.microsoft.com/office/drawing/2014/main" id="{FF3D5B0D-4981-24DE-6F4F-A30D12F9FD00}"/>
+              </a:ext>
+            </a:extLst>
+          </p:cNvPr>
+          <p:cNvSpPr>
+            <a:spLocks noGrp="1"/>
+          </p:cNvSpPr>
+          <p:nvPr>
+            <p:ph sz="half" idx="2"/>
+          </p:nvPr>
+        </p:nvSpPr>
+        <p:spPr>
+          <a:xfrm>
+            <a:off x="1154954" y="2603499"/>
+            <a:ext cx="4825158" cy="3416303"/>
+          </a:xfrm>
+        </p:spPr>
+        <p:txBody>
+          <a:bodyPr/>
+          <a:lstStyle/>
+          <a:p>
+            <a:r>
+              <a:rPr lang="en-US" dirty="0"/>
+              <a:t>What is the change in average ratings between 2012 and 2017?</a:t>
+            </a:r>
+          </a:p>
+          <a:p>
+            <a:pPr lvl="1"/>
+            <a:r>
+              <a:rPr lang="en-US" dirty="0"/>
+              <a:t>Within the timeframe, the average review rating increased slightly per year.</a:t>
+            </a:r>
+          </a:p>
+          <a:p>
+            <a:pPr lvl="1"/>
+            <a:r>
+              <a:rPr lang="en-US" dirty="0"/>
+              <a:t>Notice a rise in the horror genre just by the looks of it.</a:t>
+            </a:r>
+          </a:p>
+        </p:txBody>
+      </p:sp>
+      <p:sp>
+        <p:nvSpPr>
+          <p:cNvPr id="5" name="Text Placeholder 4">
+            <a:extLst>
+              <a:ext uri="{FF2B5EF4-FFF2-40B4-BE49-F238E27FC236}">
+                <a16:creationId xmlns:a16="http://schemas.microsoft.com/office/drawing/2014/main" id="{2DD62523-A114-32B3-2475-925C86844DF8}"/>
+              </a:ext>
+            </a:extLst>
+          </p:cNvPr>
+          <p:cNvSpPr>
+            <a:spLocks noGrp="1"/>
+          </p:cNvSpPr>
+          <p:nvPr>
+            <p:ph type="body" sz="quarter" idx="3"/>
+          </p:nvPr>
+        </p:nvSpPr>
+        <p:spPr/>
+        <p:txBody>
+          <a:bodyPr/>
+          <a:lstStyle/>
+          <a:p>
+            <a:endParaRPr lang="en-US"/>
+          </a:p>
+        </p:txBody>
+      </p:sp>
+      <p:pic>
+        <p:nvPicPr>
+          <p:cNvPr id="24" name="Content Placeholder 23" descr="Chart, bar chart&#10;&#10;Description automatically generated">
+            <a:extLst>
+              <a:ext uri="{FF2B5EF4-FFF2-40B4-BE49-F238E27FC236}">
+                <a16:creationId xmlns:a16="http://schemas.microsoft.com/office/drawing/2014/main" id="{676C4C7C-F089-6041-ABF0-4CEE2E437BD3}"/>
+              </a:ext>
+            </a:extLst>
+          </p:cNvPr>
+          <p:cNvPicPr>
+            <a:picLocks noGrp="1" noChangeAspect="1"/>
+          </p:cNvPicPr>
+          <p:nvPr>
+            <p:ph sz="quarter" idx="4"/>
+          </p:nvPr>
+        </p:nvPicPr>
+        <p:blipFill>
+          <a:blip r:embed="rId2"/>
+          <a:stretch>
+            <a:fillRect/>
+          </a:stretch>
+        </p:blipFill>
+        <p:spPr>
+          <a:xfrm>
+            <a:off x="6095999" y="2538185"/>
+            <a:ext cx="5916387" cy="3944258"/>
+          </a:xfrm>
+        </p:spPr>
+      </p:pic>
+      <p:sp>
+        <p:nvSpPr>
+          <p:cNvPr id="25" name="TextBox 24">
+            <a:extLst>
+              <a:ext uri="{FF2B5EF4-FFF2-40B4-BE49-F238E27FC236}">
+                <a16:creationId xmlns:a16="http://schemas.microsoft.com/office/drawing/2014/main" id="{863C1663-D8C6-DEE8-866D-44D60EB04473}"/>
+              </a:ext>
+            </a:extLst>
+          </p:cNvPr>
+          <p:cNvSpPr txBox="1"/>
+          <p:nvPr/>
+        </p:nvSpPr>
+        <p:spPr>
+          <a:xfrm>
+            <a:off x="6999029" y="3645677"/>
+            <a:ext cx="643025" cy="338554"/>
+          </a:xfrm>
+          <a:prstGeom prst="rect">
+            <a:avLst/>
+          </a:prstGeom>
+          <a:noFill/>
+        </p:spPr>
+        <p:txBody>
+          <a:bodyPr wrap="square" rtlCol="0">
+            <a:spAutoFit/>
+          </a:bodyPr>
+          <a:lstStyle/>
+          <a:p>
+            <a:r>
+              <a:rPr lang="en-US" sz="1600" b="1" dirty="0"/>
+              <a:t>4.74</a:t>
+            </a:r>
+          </a:p>
+        </p:txBody>
+      </p:sp>
+      <p:sp>
+        <p:nvSpPr>
+          <p:cNvPr id="26" name="TextBox 25">
+            <a:extLst>
+              <a:ext uri="{FF2B5EF4-FFF2-40B4-BE49-F238E27FC236}">
+                <a16:creationId xmlns:a16="http://schemas.microsoft.com/office/drawing/2014/main" id="{CE532DD7-859F-4BF7-4F56-A72545F4E1D6}"/>
+              </a:ext>
+            </a:extLst>
+          </p:cNvPr>
+          <p:cNvSpPr txBox="1"/>
+          <p:nvPr/>
+        </p:nvSpPr>
+        <p:spPr>
+          <a:xfrm>
+            <a:off x="7741330" y="3615100"/>
+            <a:ext cx="643025" cy="338554"/>
+          </a:xfrm>
+          <a:prstGeom prst="rect">
+            <a:avLst/>
+          </a:prstGeom>
+          <a:noFill/>
+        </p:spPr>
+        <p:txBody>
+          <a:bodyPr wrap="square" rtlCol="0">
+            <a:spAutoFit/>
+          </a:bodyPr>
+          <a:lstStyle/>
+          <a:p>
+            <a:r>
+              <a:rPr lang="en-US" sz="1600" b="1" dirty="0"/>
+              <a:t>4.85</a:t>
+            </a:r>
+          </a:p>
+        </p:txBody>
+      </p:sp>
+      <p:sp>
+        <p:nvSpPr>
+          <p:cNvPr id="27" name="TextBox 26">
+            <a:extLst>
+              <a:ext uri="{FF2B5EF4-FFF2-40B4-BE49-F238E27FC236}">
+                <a16:creationId xmlns:a16="http://schemas.microsoft.com/office/drawing/2014/main" id="{ED3929CE-8DF2-F60B-4DF7-73B9883685BE}"/>
+              </a:ext>
+            </a:extLst>
+          </p:cNvPr>
+          <p:cNvSpPr txBox="1"/>
+          <p:nvPr/>
+        </p:nvSpPr>
+        <p:spPr>
+          <a:xfrm>
+            <a:off x="10661405" y="3276345"/>
+            <a:ext cx="643025" cy="338554"/>
+          </a:xfrm>
+          <a:prstGeom prst="rect">
+            <a:avLst/>
+          </a:prstGeom>
+          <a:noFill/>
+        </p:spPr>
+        <p:txBody>
+          <a:bodyPr wrap="square" rtlCol="0">
+            <a:spAutoFit/>
+          </a:bodyPr>
+          <a:lstStyle/>
+          <a:p>
+            <a:r>
+              <a:rPr lang="en-US" sz="1600" b="1" dirty="0"/>
+              <a:t>5.59</a:t>
+            </a:r>
+          </a:p>
+        </p:txBody>
+      </p:sp>
+      <p:sp>
+        <p:nvSpPr>
+          <p:cNvPr id="28" name="TextBox 27">
+            <a:extLst>
+              <a:ext uri="{FF2B5EF4-FFF2-40B4-BE49-F238E27FC236}">
+                <a16:creationId xmlns:a16="http://schemas.microsoft.com/office/drawing/2014/main" id="{E8067D5A-C1E4-58A8-CEA5-3061A33D860E}"/>
+              </a:ext>
+            </a:extLst>
+          </p:cNvPr>
+          <p:cNvSpPr txBox="1"/>
+          <p:nvPr/>
+        </p:nvSpPr>
+        <p:spPr>
+          <a:xfrm>
+            <a:off x="9953450" y="3461011"/>
+            <a:ext cx="643025" cy="338554"/>
+          </a:xfrm>
+          <a:prstGeom prst="rect">
+            <a:avLst/>
+          </a:prstGeom>
+          <a:noFill/>
+        </p:spPr>
+        <p:txBody>
+          <a:bodyPr wrap="square" rtlCol="0">
+            <a:spAutoFit/>
+          </a:bodyPr>
+          <a:lstStyle/>
+          <a:p>
+            <a:r>
+              <a:rPr lang="en-US" sz="1600" b="1" dirty="0"/>
+              <a:t>5.20</a:t>
+            </a:r>
+          </a:p>
+        </p:txBody>
+      </p:sp>
+      <p:sp>
+        <p:nvSpPr>
+          <p:cNvPr id="29" name="TextBox 28">
+            <a:extLst>
+              <a:ext uri="{FF2B5EF4-FFF2-40B4-BE49-F238E27FC236}">
+                <a16:creationId xmlns:a16="http://schemas.microsoft.com/office/drawing/2014/main" id="{0BF5E0E9-207C-FA40-CBE3-58852F14035B}"/>
+              </a:ext>
+            </a:extLst>
+          </p:cNvPr>
+          <p:cNvSpPr txBox="1"/>
+          <p:nvPr/>
+        </p:nvSpPr>
+        <p:spPr>
+          <a:xfrm>
+            <a:off x="8447671" y="3596165"/>
+            <a:ext cx="643025" cy="338554"/>
+          </a:xfrm>
+          <a:prstGeom prst="rect">
+            <a:avLst/>
+          </a:prstGeom>
+          <a:noFill/>
+        </p:spPr>
+        <p:txBody>
+          <a:bodyPr wrap="square" rtlCol="0">
+            <a:spAutoFit/>
+          </a:bodyPr>
+          <a:lstStyle/>
+          <a:p>
+            <a:r>
+              <a:rPr lang="en-US" sz="1600" b="1" dirty="0"/>
+              <a:t>4.92</a:t>
+            </a:r>
+          </a:p>
+        </p:txBody>
+      </p:sp>
+      <p:sp>
+        <p:nvSpPr>
+          <p:cNvPr id="30" name="TextBox 29">
+            <a:extLst>
+              <a:ext uri="{FF2B5EF4-FFF2-40B4-BE49-F238E27FC236}">
+                <a16:creationId xmlns:a16="http://schemas.microsoft.com/office/drawing/2014/main" id="{C2578457-71CB-D691-79C5-993B0FD4C5D1}"/>
+              </a:ext>
+            </a:extLst>
+          </p:cNvPr>
+          <p:cNvSpPr txBox="1"/>
+          <p:nvPr/>
+        </p:nvSpPr>
+        <p:spPr>
+          <a:xfrm>
+            <a:off x="9189972" y="3581797"/>
+            <a:ext cx="643025" cy="338554"/>
+          </a:xfrm>
+          <a:prstGeom prst="rect">
+            <a:avLst/>
+          </a:prstGeom>
+          <a:noFill/>
+        </p:spPr>
+        <p:txBody>
+          <a:bodyPr wrap="square" rtlCol="0">
+            <a:spAutoFit/>
+          </a:bodyPr>
+          <a:lstStyle/>
+          <a:p>
+            <a:r>
+              <a:rPr lang="en-US" sz="1600" b="1" dirty="0"/>
+              <a:t>4.97</a:t>
+            </a:r>
+          </a:p>
+        </p:txBody>
+      </p:sp>
+    </p:spTree>
+    <p:extLst>
+      <p:ext uri="{BB962C8B-B14F-4D97-AF65-F5344CB8AC3E}">
+        <p14:creationId xmlns:p14="http://schemas.microsoft.com/office/powerpoint/2010/main" val="4184773190"/>
+      </p:ext>
+    </p:extLst>
+  </p:cSld>
+  <p:clrMapOvr>
+    <a:masterClrMapping/>
+  </p:clrMapOvr>
+</p:sld>
+</file>
+
+<file path=ppt/slides/slide5.xml><?xml version="1.0" encoding="utf-8"?>
+<p:sld xmlns:a="http://schemas.openxmlformats.org/drawingml/2006/main" xmlns:r="http://schemas.openxmlformats.org/officeDocument/2006/relationships" xmlns:p="http://schemas.openxmlformats.org/presentationml/2006/main">
+  <p:cSld>
+    <p:spTree>
+      <p:nvGrpSpPr>
+        <p:cNvPr id="1" name=""/>
+        <p:cNvGrpSpPr/>
+        <p:nvPr/>
+      </p:nvGrpSpPr>
+      <p:grpSpPr>
+        <a:xfrm>
+          <a:off x="0" y="0"/>
+          <a:ext cx="0" cy="0"/>
+          <a:chOff x="0" y="0"/>
+          <a:chExt cx="0" cy="0"/>
+        </a:xfrm>
+      </p:grpSpPr>
+      <p:sp>
+        <p:nvSpPr>
+          <p:cNvPr id="2" name="Title 1">
+            <a:extLst>
+              <a:ext uri="{FF2B5EF4-FFF2-40B4-BE49-F238E27FC236}">
+                <a16:creationId xmlns:a16="http://schemas.microsoft.com/office/drawing/2014/main" id="{3D72A9DA-3CC1-C82E-8EAF-F5C51FC6FF02}"/>
+              </a:ext>
+            </a:extLst>
+          </p:cNvPr>
+          <p:cNvSpPr>
+            <a:spLocks noGrp="1"/>
+          </p:cNvSpPr>
+          <p:nvPr>
+            <p:ph type="title"/>
+          </p:nvPr>
+        </p:nvSpPr>
+        <p:spPr/>
+        <p:txBody>
+          <a:bodyPr/>
+          <a:lstStyle/>
+          <a:p>
+            <a:r>
+              <a:rPr lang="en-US" dirty="0"/>
+              <a:t>Release Date Analysis: Question 2</a:t>
+            </a:r>
+          </a:p>
+        </p:txBody>
+      </p:sp>
+      <p:sp>
+        <p:nvSpPr>
+          <p:cNvPr id="4" name="Content Placeholder 3">
+            <a:extLst>
+              <a:ext uri="{FF2B5EF4-FFF2-40B4-BE49-F238E27FC236}">
+                <a16:creationId xmlns:a16="http://schemas.microsoft.com/office/drawing/2014/main" id="{FF3D5B0D-4981-24DE-6F4F-A30D12F9FD00}"/>
+              </a:ext>
+            </a:extLst>
+          </p:cNvPr>
+          <p:cNvSpPr>
+            <a:spLocks noGrp="1"/>
+          </p:cNvSpPr>
+          <p:nvPr>
+            <p:ph sz="half" idx="2"/>
+          </p:nvPr>
+        </p:nvSpPr>
+        <p:spPr>
+          <a:xfrm>
+            <a:off x="1004866" y="2318197"/>
+            <a:ext cx="4825158" cy="3701605"/>
+          </a:xfrm>
+        </p:spPr>
+        <p:txBody>
+          <a:bodyPr/>
+          <a:lstStyle/>
+          <a:p>
+            <a:r>
+              <a:rPr lang="en-US" dirty="0"/>
+              <a:t>Which release month is the most popular for each country in the data set?</a:t>
+            </a:r>
+          </a:p>
+          <a:p>
+            <a:pPr lvl="1"/>
+            <a:r>
+              <a:rPr lang="en-US" dirty="0"/>
+              <a:t>USA and UK are the top 2 data providers. Notice the release months being high in not only October, but January, August, and September</a:t>
+            </a:r>
+          </a:p>
+        </p:txBody>
+      </p:sp>
+      <p:sp>
+        <p:nvSpPr>
+          <p:cNvPr id="5" name="Text Placeholder 4">
+            <a:extLst>
+              <a:ext uri="{FF2B5EF4-FFF2-40B4-BE49-F238E27FC236}">
+                <a16:creationId xmlns:a16="http://schemas.microsoft.com/office/drawing/2014/main" id="{2DD62523-A114-32B3-2475-925C86844DF8}"/>
+              </a:ext>
+            </a:extLst>
+          </p:cNvPr>
+          <p:cNvSpPr>
+            <a:spLocks noGrp="1"/>
+          </p:cNvSpPr>
+          <p:nvPr>
+            <p:ph type="body" sz="quarter" idx="3"/>
+          </p:nvPr>
+        </p:nvSpPr>
+        <p:spPr/>
+        <p:txBody>
+          <a:bodyPr/>
+          <a:lstStyle/>
+          <a:p>
+            <a:endParaRPr lang="en-US" dirty="0"/>
+          </a:p>
+        </p:txBody>
+      </p:sp>
+      <p:pic>
+        <p:nvPicPr>
+          <p:cNvPr id="8" name="Content Placeholder 7" descr="Chart, bar chart&#10;&#10;Description automatically generated">
+            <a:extLst>
+              <a:ext uri="{FF2B5EF4-FFF2-40B4-BE49-F238E27FC236}">
+                <a16:creationId xmlns:a16="http://schemas.microsoft.com/office/drawing/2014/main" id="{434E8219-6DF5-5ABF-DE08-D955EA4EB137}"/>
+              </a:ext>
+            </a:extLst>
+          </p:cNvPr>
+          <p:cNvPicPr>
+            <a:picLocks noGrp="1" noChangeAspect="1"/>
+          </p:cNvPicPr>
+          <p:nvPr>
+            <p:ph sz="quarter" idx="4"/>
+          </p:nvPr>
+        </p:nvPicPr>
+        <p:blipFill>
+          <a:blip r:embed="rId2"/>
+          <a:stretch>
+            <a:fillRect/>
+          </a:stretch>
+        </p:blipFill>
+        <p:spPr>
+          <a:xfrm>
+            <a:off x="5830024" y="2318197"/>
+            <a:ext cx="6394631" cy="4539803"/>
+          </a:xfrm>
+        </p:spPr>
+      </p:pic>
+    </p:spTree>
+    <p:extLst>
+      <p:ext uri="{BB962C8B-B14F-4D97-AF65-F5344CB8AC3E}">
+        <p14:creationId xmlns:p14="http://schemas.microsoft.com/office/powerpoint/2010/main" val="1635760009"/>
+      </p:ext>
+    </p:extLst>
+  </p:cSld>
+  <p:clrMapOvr>
+    <a:masterClrMapping/>
+  </p:clrMapOvr>
+</p:sld>
+</file>
+
+<file path=ppt/slides/slide6.xml><?xml version="1.0" encoding="utf-8"?>
+<p:sld xmlns:a="http://schemas.openxmlformats.org/drawingml/2006/main" xmlns:r="http://schemas.openxmlformats.org/officeDocument/2006/relationships" xmlns:p="http://schemas.openxmlformats.org/presentationml/2006/main">
+  <p:cSld>
+    <p:spTree>
+      <p:nvGrpSpPr>
+        <p:cNvPr id="1" name=""/>
+        <p:cNvGrpSpPr/>
+        <p:nvPr/>
+      </p:nvGrpSpPr>
+      <p:grpSpPr>
+        <a:xfrm>
+          <a:off x="0" y="0"/>
+          <a:ext cx="0" cy="0"/>
+          <a:chOff x="0" y="0"/>
+          <a:chExt cx="0" cy="0"/>
+        </a:xfrm>
+      </p:grpSpPr>
+      <p:pic>
+        <p:nvPicPr>
+          <p:cNvPr id="3" name="Picture 2" descr="Chart&#10;&#10;Description automatically generated">
+            <a:extLst>
+              <a:ext uri="{FF2B5EF4-FFF2-40B4-BE49-F238E27FC236}">
+                <a16:creationId xmlns:a16="http://schemas.microsoft.com/office/drawing/2014/main" id="{BF0DE318-6708-D81F-C0C7-D0404F618D27}"/>
+              </a:ext>
+            </a:extLst>
+          </p:cNvPr>
+          <p:cNvPicPr>
+            <a:picLocks noChangeAspect="1"/>
+          </p:cNvPicPr>
+          <p:nvPr/>
+        </p:nvPicPr>
+        <p:blipFill>
+          <a:blip r:embed="rId2"/>
+          <a:stretch>
+            <a:fillRect/>
+          </a:stretch>
+        </p:blipFill>
+        <p:spPr>
+          <a:xfrm>
+            <a:off x="0" y="0"/>
+            <a:ext cx="12192000" cy="6858000"/>
+          </a:xfrm>
+          <a:prstGeom prst="rect">
+            <a:avLst/>
+          </a:prstGeom>
+        </p:spPr>
+      </p:pic>
+    </p:spTree>
+    <p:extLst>
+      <p:ext uri="{BB962C8B-B14F-4D97-AF65-F5344CB8AC3E}">
+        <p14:creationId xmlns:p14="http://schemas.microsoft.com/office/powerpoint/2010/main" val="1297942818"/>
+      </p:ext>
+    </p:extLst>
+  </p:cSld>
+  <p:clrMapOvr>
+    <a:masterClrMapping/>
+  </p:clrMapOvr>
+</p:sld>
+</file>
+
+<file path=ppt/slides/slide7.xml><?xml version="1.0" encoding="utf-8"?>
+<p:sld xmlns:a="http://schemas.openxmlformats.org/drawingml/2006/main" xmlns:r="http://schemas.openxmlformats.org/officeDocument/2006/relationships" xmlns:p="http://schemas.openxmlformats.org/presentationml/2006/main">
+  <p:cSld>
     <p:bg>
       <p:bgPr>
         <a:solidFill>
@@ -16207,7 +17407,7 @@
 </p:sld>
 </file>
 
-<file path=ppt/slides/slide5.xml><?xml version="1.0" encoding="utf-8"?>
+<file path=ppt/slides/slide8.xml><?xml version="1.0" encoding="utf-8"?>
 <p:sld xmlns:a="http://schemas.openxmlformats.org/drawingml/2006/main" xmlns:r="http://schemas.openxmlformats.org/officeDocument/2006/relationships" xmlns:p="http://schemas.openxmlformats.org/presentationml/2006/main">
   <p:cSld>
     <p:spTree>
@@ -16372,7 +17572,7 @@
 </p:sld>
 </file>
 
-<file path=ppt/slides/slide6.xml><?xml version="1.0" encoding="utf-8"?>
+<file path=ppt/slides/slide9.xml><?xml version="1.0" encoding="utf-8"?>
 <p:sld xmlns:a="http://schemas.openxmlformats.org/drawingml/2006/main" xmlns:r="http://schemas.openxmlformats.org/officeDocument/2006/relationships" xmlns:p="http://schemas.openxmlformats.org/presentationml/2006/main">
   <p:cSld>
     <p:bg>
@@ -18153,622 +19353,6 @@
 </p:sld>
 </file>
 
-<file path=ppt/slides/slide7.xml><?xml version="1.0" encoding="utf-8"?>
-<p:sld xmlns:a="http://schemas.openxmlformats.org/drawingml/2006/main" xmlns:r="http://schemas.openxmlformats.org/officeDocument/2006/relationships" xmlns:p="http://schemas.openxmlformats.org/presentationml/2006/main">
-  <p:cSld>
-    <p:bg>
-      <p:bgPr>
-        <a:solidFill>
-          <a:schemeClr val="bg1"/>
-        </a:solidFill>
-        <a:effectLst/>
-      </p:bgPr>
-    </p:bg>
-    <p:spTree>
-      <p:nvGrpSpPr>
-        <p:cNvPr id="1" name=""/>
-        <p:cNvGrpSpPr/>
-        <p:nvPr/>
-      </p:nvGrpSpPr>
-      <p:grpSpPr>
-        <a:xfrm>
-          <a:off x="0" y="0"/>
-          <a:ext cx="0" cy="0"/>
-          <a:chOff x="0" y="0"/>
-          <a:chExt cx="0" cy="0"/>
-        </a:xfrm>
-      </p:grpSpPr>
-      <p:sp>
-        <p:nvSpPr>
-          <p:cNvPr id="2" name="Title 1">
-            <a:extLst>
-              <a:ext uri="{FF2B5EF4-FFF2-40B4-BE49-F238E27FC236}">
-                <a16:creationId xmlns:a16="http://schemas.microsoft.com/office/drawing/2014/main" id="{62996E13-90E2-C085-109D-9CB4B9409557}"/>
-              </a:ext>
-            </a:extLst>
-          </p:cNvPr>
-          <p:cNvSpPr>
-            <a:spLocks noGrp="1"/>
-          </p:cNvSpPr>
-          <p:nvPr>
-            <p:ph type="title"/>
-          </p:nvPr>
-        </p:nvSpPr>
-        <p:spPr>
-          <a:xfrm>
-            <a:off x="1154954" y="947920"/>
-            <a:ext cx="8761413" cy="728480"/>
-          </a:xfrm>
-        </p:spPr>
-        <p:txBody>
-          <a:bodyPr>
-            <a:normAutofit/>
-          </a:bodyPr>
-          <a:lstStyle/>
-          <a:p>
-            <a:r>
-              <a:rPr lang="en-US" dirty="0">
-                <a:latin typeface="Simplified Arabic Fixed" panose="02070309020205020404" pitchFamily="49" charset="-78"/>
-                <a:cs typeface="Simplified Arabic Fixed" panose="02070309020205020404" pitchFamily="49" charset="-78"/>
-              </a:rPr>
-              <a:t>Country Analysis: Question 1</a:t>
-            </a:r>
-          </a:p>
-        </p:txBody>
-      </p:sp>
-      <p:sp>
-        <p:nvSpPr>
-          <p:cNvPr id="3" name="Content Placeholder 2">
-            <a:extLst>
-              <a:ext uri="{FF2B5EF4-FFF2-40B4-BE49-F238E27FC236}">
-                <a16:creationId xmlns:a16="http://schemas.microsoft.com/office/drawing/2014/main" id="{57505223-4AEB-2246-ACA4-BBD7BED52E1B}"/>
-              </a:ext>
-            </a:extLst>
-          </p:cNvPr>
-          <p:cNvSpPr>
-            <a:spLocks noGrp="1"/>
-          </p:cNvSpPr>
-          <p:nvPr>
-            <p:ph idx="1"/>
-          </p:nvPr>
-        </p:nvSpPr>
-        <p:spPr>
-          <a:xfrm>
-            <a:off x="1154955" y="2603500"/>
-            <a:ext cx="3481054" cy="3416300"/>
-          </a:xfrm>
-        </p:spPr>
-        <p:txBody>
-          <a:bodyPr anchor="ctr">
-            <a:normAutofit/>
-          </a:bodyPr>
-          <a:lstStyle/>
-          <a:p>
-            <a:r>
-              <a:rPr lang="en-US" sz="1600" dirty="0"/>
-              <a:t>What country spends the most on average per movie?</a:t>
-            </a:r>
-          </a:p>
-          <a:p>
-            <a:pPr lvl="1"/>
-            <a:r>
-              <a:rPr lang="en-US" dirty="0"/>
-              <a:t>India spent $60 million more than then the 2</a:t>
-            </a:r>
-            <a:r>
-              <a:rPr lang="en-US" baseline="30000" dirty="0"/>
-              <a:t>nd</a:t>
-            </a:r>
-            <a:r>
-              <a:rPr lang="en-US" dirty="0"/>
-              <a:t> most spending country</a:t>
-            </a:r>
-          </a:p>
-          <a:p>
-            <a:pPr lvl="1"/>
-            <a:r>
-              <a:rPr lang="en-US" dirty="0"/>
-              <a:t>On average the other countries spend roughly $4 million per movie</a:t>
-            </a:r>
-          </a:p>
-          <a:p>
-            <a:pPr lvl="1"/>
-            <a:endParaRPr lang="en-US" dirty="0"/>
-          </a:p>
-        </p:txBody>
-      </p:sp>
-      <p:pic>
-        <p:nvPicPr>
-          <p:cNvPr id="8" name="Picture 7">
-            <a:extLst>
-              <a:ext uri="{FF2B5EF4-FFF2-40B4-BE49-F238E27FC236}">
-                <a16:creationId xmlns:a16="http://schemas.microsoft.com/office/drawing/2014/main" id="{BF570C56-B19D-9D88-DCE0-FD8C859CCE74}"/>
-              </a:ext>
-            </a:extLst>
-          </p:cNvPr>
-          <p:cNvPicPr>
-            <a:picLocks noChangeAspect="1"/>
-          </p:cNvPicPr>
-          <p:nvPr/>
-        </p:nvPicPr>
-        <p:blipFill rotWithShape="1">
-          <a:blip r:embed="rId2"/>
-          <a:srcRect r="-3387" b="-3387"/>
-          <a:stretch/>
-        </p:blipFill>
-        <p:spPr>
-          <a:xfrm>
-            <a:off x="4841778" y="2603500"/>
-            <a:ext cx="2980034" cy="3546288"/>
-          </a:xfrm>
-          <a:prstGeom prst="roundRect">
-            <a:avLst>
-              <a:gd name="adj" fmla="val 1858"/>
-            </a:avLst>
-          </a:prstGeom>
-          <a:effectLst/>
-        </p:spPr>
-      </p:pic>
-      <p:pic>
-        <p:nvPicPr>
-          <p:cNvPr id="7" name="Picture 6">
-            <a:extLst>
-              <a:ext uri="{FF2B5EF4-FFF2-40B4-BE49-F238E27FC236}">
-                <a16:creationId xmlns:a16="http://schemas.microsoft.com/office/drawing/2014/main" id="{EA7FAAD5-086B-1C58-689A-044424D67D7A}"/>
-              </a:ext>
-            </a:extLst>
-          </p:cNvPr>
-          <p:cNvPicPr>
-            <a:picLocks noChangeAspect="1"/>
-          </p:cNvPicPr>
-          <p:nvPr/>
-        </p:nvPicPr>
-        <p:blipFill>
-          <a:blip r:embed="rId3"/>
-          <a:stretch>
-            <a:fillRect/>
-          </a:stretch>
-        </p:blipFill>
-        <p:spPr>
-          <a:xfrm>
-            <a:off x="7821813" y="2603500"/>
-            <a:ext cx="4137106" cy="3306580"/>
-          </a:xfrm>
-          <a:prstGeom prst="roundRect">
-            <a:avLst>
-              <a:gd name="adj" fmla="val 1858"/>
-            </a:avLst>
-          </a:prstGeom>
-          <a:effectLst/>
-        </p:spPr>
-      </p:pic>
-    </p:spTree>
-    <p:extLst>
-      <p:ext uri="{BB962C8B-B14F-4D97-AF65-F5344CB8AC3E}">
-        <p14:creationId xmlns:p14="http://schemas.microsoft.com/office/powerpoint/2010/main" val="1068830328"/>
-      </p:ext>
-    </p:extLst>
-  </p:cSld>
-  <p:clrMapOvr>
-    <a:masterClrMapping/>
-  </p:clrMapOvr>
-</p:sld>
-</file>
-
-<file path=ppt/slides/slide8.xml><?xml version="1.0" encoding="utf-8"?>
-<p:sld xmlns:a="http://schemas.openxmlformats.org/drawingml/2006/main" xmlns:r="http://schemas.openxmlformats.org/officeDocument/2006/relationships" xmlns:p="http://schemas.openxmlformats.org/presentationml/2006/main">
-  <p:cSld>
-    <p:bg>
-      <p:bgPr>
-        <a:solidFill>
-          <a:schemeClr val="bg1"/>
-        </a:solidFill>
-        <a:effectLst/>
-      </p:bgPr>
-    </p:bg>
-    <p:spTree>
-      <p:nvGrpSpPr>
-        <p:cNvPr id="1" name=""/>
-        <p:cNvGrpSpPr/>
-        <p:nvPr/>
-      </p:nvGrpSpPr>
-      <p:grpSpPr>
-        <a:xfrm>
-          <a:off x="0" y="0"/>
-          <a:ext cx="0" cy="0"/>
-          <a:chOff x="0" y="0"/>
-          <a:chExt cx="0" cy="0"/>
-        </a:xfrm>
-      </p:grpSpPr>
-      <p:sp>
-        <p:nvSpPr>
-          <p:cNvPr id="2" name="Title 1">
-            <a:extLst>
-              <a:ext uri="{FF2B5EF4-FFF2-40B4-BE49-F238E27FC236}">
-                <a16:creationId xmlns:a16="http://schemas.microsoft.com/office/drawing/2014/main" id="{62996E13-90E2-C085-109D-9CB4B9409557}"/>
-              </a:ext>
-            </a:extLst>
-          </p:cNvPr>
-          <p:cNvSpPr>
-            <a:spLocks noGrp="1"/>
-          </p:cNvSpPr>
-          <p:nvPr>
-            <p:ph type="title"/>
-          </p:nvPr>
-        </p:nvSpPr>
-        <p:spPr>
-          <a:xfrm>
-            <a:off x="1154954" y="947920"/>
-            <a:ext cx="8761413" cy="728480"/>
-          </a:xfrm>
-        </p:spPr>
-        <p:txBody>
-          <a:bodyPr>
-            <a:normAutofit/>
-          </a:bodyPr>
-          <a:lstStyle/>
-          <a:p>
-            <a:r>
-              <a:rPr lang="en-US" dirty="0">
-                <a:latin typeface="Simplified Arabic Fixed" panose="02070309020205020404" pitchFamily="49" charset="-78"/>
-                <a:cs typeface="Simplified Arabic Fixed" panose="02070309020205020404" pitchFamily="49" charset="-78"/>
-              </a:rPr>
-              <a:t>Country Analysis: Question 2</a:t>
-            </a:r>
-          </a:p>
-        </p:txBody>
-      </p:sp>
-      <p:sp>
-        <p:nvSpPr>
-          <p:cNvPr id="3" name="Content Placeholder 2">
-            <a:extLst>
-              <a:ext uri="{FF2B5EF4-FFF2-40B4-BE49-F238E27FC236}">
-                <a16:creationId xmlns:a16="http://schemas.microsoft.com/office/drawing/2014/main" id="{57505223-4AEB-2246-ACA4-BBD7BED52E1B}"/>
-              </a:ext>
-            </a:extLst>
-          </p:cNvPr>
-          <p:cNvSpPr>
-            <a:spLocks noGrp="1"/>
-          </p:cNvSpPr>
-          <p:nvPr>
-            <p:ph idx="1"/>
-          </p:nvPr>
-        </p:nvSpPr>
-        <p:spPr>
-          <a:xfrm>
-            <a:off x="1154954" y="2603500"/>
-            <a:ext cx="5211979" cy="3416300"/>
-          </a:xfrm>
-        </p:spPr>
-        <p:txBody>
-          <a:bodyPr anchor="ctr">
-            <a:normAutofit/>
-          </a:bodyPr>
-          <a:lstStyle/>
-          <a:p>
-            <a:r>
-              <a:rPr lang="en-US" dirty="0"/>
-              <a:t>What is the relationship between rating average and country?</a:t>
-            </a:r>
-          </a:p>
-          <a:p>
-            <a:pPr lvl="1"/>
-            <a:r>
-              <a:rPr lang="en-US" dirty="0"/>
-              <a:t>UK produced the second most movies, but the ratings were virtually identical to Canada</a:t>
-            </a:r>
-          </a:p>
-          <a:p>
-            <a:pPr lvl="1"/>
-            <a:r>
-              <a:rPr lang="en-US" dirty="0"/>
-              <a:t>India spent the most on average per movie and had the highest ratings</a:t>
-            </a:r>
-          </a:p>
-        </p:txBody>
-      </p:sp>
-      <p:pic>
-        <p:nvPicPr>
-          <p:cNvPr id="6" name="Picture 5">
-            <a:extLst>
-              <a:ext uri="{FF2B5EF4-FFF2-40B4-BE49-F238E27FC236}">
-                <a16:creationId xmlns:a16="http://schemas.microsoft.com/office/drawing/2014/main" id="{6C337279-D5B0-8F01-9B55-CA48D46CDA47}"/>
-              </a:ext>
-            </a:extLst>
-          </p:cNvPr>
-          <p:cNvPicPr>
-            <a:picLocks noChangeAspect="1"/>
-          </p:cNvPicPr>
-          <p:nvPr/>
-        </p:nvPicPr>
-        <p:blipFill>
-          <a:blip r:embed="rId2"/>
-          <a:stretch>
-            <a:fillRect/>
-          </a:stretch>
-        </p:blipFill>
-        <p:spPr>
-          <a:xfrm>
-            <a:off x="7213402" y="2806899"/>
-            <a:ext cx="4345024" cy="3009501"/>
-          </a:xfrm>
-          <a:prstGeom prst="roundRect">
-            <a:avLst>
-              <a:gd name="adj" fmla="val 1858"/>
-            </a:avLst>
-          </a:prstGeom>
-          <a:effectLst>
-            <a:outerShdw blurRad="50800" dist="50800" dir="5400000" algn="tl" rotWithShape="0">
-              <a:srgbClr val="000000">
-                <a:alpha val="43000"/>
-              </a:srgbClr>
-            </a:outerShdw>
-          </a:effectLst>
-        </p:spPr>
-      </p:pic>
-    </p:spTree>
-    <p:extLst>
-      <p:ext uri="{BB962C8B-B14F-4D97-AF65-F5344CB8AC3E}">
-        <p14:creationId xmlns:p14="http://schemas.microsoft.com/office/powerpoint/2010/main" val="1434407276"/>
-      </p:ext>
-    </p:extLst>
-  </p:cSld>
-  <p:clrMapOvr>
-    <a:masterClrMapping/>
-  </p:clrMapOvr>
-  <p:timing>
-    <p:tnLst>
-      <p:par>
-        <p:cTn id="1" dur="indefinite" restart="never" nodeType="tmRoot">
-          <p:childTnLst>
-            <p:seq concurrent="1" nextAc="seek">
-              <p:cTn id="2" dur="indefinite" nodeType="mainSeq">
-                <p:childTnLst>
-                  <p:par>
-                    <p:cTn id="3" fill="hold">
-                      <p:stCondLst>
-                        <p:cond delay="indefinite"/>
-                        <p:cond evt="onBegin" delay="0">
-                          <p:tn val="2"/>
-                        </p:cond>
-                      </p:stCondLst>
-                      <p:childTnLst>
-                        <p:par>
-                          <p:cTn id="4" fill="hold">
-                            <p:stCondLst>
-                              <p:cond delay="0"/>
-                            </p:stCondLst>
-                            <p:childTnLst>
-                              <p:par>
-                                <p:cTn id="5" presetID="10" presetClass="entr" presetSubtype="0" fill="hold" grpId="0" nodeType="withEffect">
-                                  <p:stCondLst>
-                                    <p:cond delay="1000"/>
-                                  </p:stCondLst>
-                                  <p:iterate type="lt">
-                                    <p:tmPct val="10000"/>
-                                  </p:iterate>
-                                  <p:childTnLst>
-                                    <p:set>
-                                      <p:cBhvr>
-                                        <p:cTn id="6" dur="1" fill="hold">
-                                          <p:stCondLst>
-                                            <p:cond delay="0"/>
-                                          </p:stCondLst>
-                                        </p:cTn>
-                                        <p:tgtEl>
-                                          <p:spTgt spid="2"/>
-                                        </p:tgtEl>
-                                        <p:attrNameLst>
-                                          <p:attrName>style.visibility</p:attrName>
-                                        </p:attrNameLst>
-                                      </p:cBhvr>
-                                      <p:to>
-                                        <p:strVal val="visible"/>
-                                      </p:to>
-                                    </p:set>
-                                    <p:animEffect transition="in" filter="fade">
-                                      <p:cBhvr>
-                                        <p:cTn id="7" dur="400"/>
-                                        <p:tgtEl>
-                                          <p:spTgt spid="2"/>
-                                        </p:tgtEl>
-                                      </p:cBhvr>
-                                    </p:animEffect>
-                                  </p:childTnLst>
-                                </p:cTn>
-                              </p:par>
-                            </p:childTnLst>
-                          </p:cTn>
-                        </p:par>
-                      </p:childTnLst>
-                    </p:cTn>
-                  </p:par>
-                </p:childTnLst>
-              </p:cTn>
-              <p:prevCondLst>
-                <p:cond evt="onPrev" delay="0">
-                  <p:tgtEl>
-                    <p:sldTgt/>
-                  </p:tgtEl>
-                </p:cond>
-              </p:prevCondLst>
-              <p:nextCondLst>
-                <p:cond evt="onNext" delay="0">
-                  <p:tgtEl>
-                    <p:sldTgt/>
-                  </p:tgtEl>
-                </p:cond>
-              </p:nextCondLst>
-            </p:seq>
-          </p:childTnLst>
-        </p:cTn>
-      </p:par>
-    </p:tnLst>
-    <p:bldLst>
-      <p:bldP spid="2" grpId="0"/>
-    </p:bldLst>
-  </p:timing>
-</p:sld>
-</file>
-
-<file path=ppt/slides/slide9.xml><?xml version="1.0" encoding="utf-8"?>
-<p:sld xmlns:a="http://schemas.openxmlformats.org/drawingml/2006/main" xmlns:r="http://schemas.openxmlformats.org/officeDocument/2006/relationships" xmlns:p="http://schemas.openxmlformats.org/presentationml/2006/main">
-  <p:cSld>
-    <p:bg>
-      <p:bgPr>
-        <a:solidFill>
-          <a:schemeClr val="bg1"/>
-        </a:solidFill>
-        <a:effectLst/>
-      </p:bgPr>
-    </p:bg>
-    <p:spTree>
-      <p:nvGrpSpPr>
-        <p:cNvPr id="1" name=""/>
-        <p:cNvGrpSpPr/>
-        <p:nvPr/>
-      </p:nvGrpSpPr>
-      <p:grpSpPr>
-        <a:xfrm>
-          <a:off x="0" y="0"/>
-          <a:ext cx="0" cy="0"/>
-          <a:chOff x="0" y="0"/>
-          <a:chExt cx="0" cy="0"/>
-        </a:xfrm>
-      </p:grpSpPr>
-      <p:sp>
-        <p:nvSpPr>
-          <p:cNvPr id="2" name="Title 1">
-            <a:extLst>
-              <a:ext uri="{FF2B5EF4-FFF2-40B4-BE49-F238E27FC236}">
-                <a16:creationId xmlns:a16="http://schemas.microsoft.com/office/drawing/2014/main" id="{BF889BD1-941D-0C01-842E-0C64DB41DEED}"/>
-              </a:ext>
-            </a:extLst>
-          </p:cNvPr>
-          <p:cNvSpPr>
-            <a:spLocks noGrp="1"/>
-          </p:cNvSpPr>
-          <p:nvPr>
-            <p:ph type="title"/>
-          </p:nvPr>
-        </p:nvSpPr>
-        <p:spPr>
-          <a:xfrm>
-            <a:off x="1154954" y="947920"/>
-            <a:ext cx="8761413" cy="728480"/>
-          </a:xfrm>
-        </p:spPr>
-        <p:txBody>
-          <a:bodyPr>
-            <a:normAutofit/>
-          </a:bodyPr>
-          <a:lstStyle/>
-          <a:p>
-            <a:r>
-              <a:rPr lang="en-US" dirty="0"/>
-              <a:t>Country Analysis Movie Count</a:t>
-            </a:r>
-          </a:p>
-        </p:txBody>
-      </p:sp>
-      <p:sp>
-        <p:nvSpPr>
-          <p:cNvPr id="3" name="Content Placeholder 2">
-            <a:extLst>
-              <a:ext uri="{FF2B5EF4-FFF2-40B4-BE49-F238E27FC236}">
-                <a16:creationId xmlns:a16="http://schemas.microsoft.com/office/drawing/2014/main" id="{06C14A52-AA0A-DC23-E428-5E4E8ECFCE2D}"/>
-              </a:ext>
-            </a:extLst>
-          </p:cNvPr>
-          <p:cNvSpPr>
-            <a:spLocks noGrp="1"/>
-          </p:cNvSpPr>
-          <p:nvPr>
-            <p:ph idx="1"/>
-          </p:nvPr>
-        </p:nvSpPr>
-        <p:spPr>
-          <a:xfrm>
-            <a:off x="1154954" y="2603500"/>
-            <a:ext cx="5211979" cy="3416300"/>
-          </a:xfrm>
-        </p:spPr>
-        <p:txBody>
-          <a:bodyPr anchor="ctr">
-            <a:normAutofit/>
-          </a:bodyPr>
-          <a:lstStyle/>
-          <a:p>
-            <a:r>
-              <a:rPr lang="en-US" dirty="0"/>
-              <a:t>United States produced more than 800 movies found in the data set.  Only 769 were included in the analysis</a:t>
-            </a:r>
-          </a:p>
-          <a:p>
-            <a:r>
-              <a:rPr lang="en-US" dirty="0"/>
-              <a:t>A large majority of the countries not included in this analysis produced &gt;= 5 movies</a:t>
-            </a:r>
-          </a:p>
-          <a:p>
-            <a:r>
-              <a:rPr lang="en-US" dirty="0"/>
-              <a:t>Peru produced 10 movies and had the lowest average rating</a:t>
-            </a:r>
-          </a:p>
-        </p:txBody>
-      </p:sp>
-      <p:pic>
-        <p:nvPicPr>
-          <p:cNvPr id="5" name="Picture 4">
-            <a:extLst>
-              <a:ext uri="{FF2B5EF4-FFF2-40B4-BE49-F238E27FC236}">
-                <a16:creationId xmlns:a16="http://schemas.microsoft.com/office/drawing/2014/main" id="{6AD2C1C2-F7E1-AAB9-0D2D-5AE288897CA9}"/>
-              </a:ext>
-            </a:extLst>
-          </p:cNvPr>
-          <p:cNvPicPr>
-            <a:picLocks noChangeAspect="1"/>
-          </p:cNvPicPr>
-          <p:nvPr/>
-        </p:nvPicPr>
-        <p:blipFill rotWithShape="1">
-          <a:blip r:embed="rId2"/>
-          <a:srcRect l="11360" t="14544" r="7769" b="7046"/>
-          <a:stretch/>
-        </p:blipFill>
-        <p:spPr>
-          <a:xfrm>
-            <a:off x="7518848" y="2358951"/>
-            <a:ext cx="4113172" cy="4157330"/>
-          </a:xfrm>
-          <a:prstGeom prst="roundRect">
-            <a:avLst>
-              <a:gd name="adj" fmla="val 1858"/>
-            </a:avLst>
-          </a:prstGeom>
-          <a:effectLst>
-            <a:outerShdw blurRad="50800" dist="50800" dir="5400000" algn="tl" rotWithShape="0">
-              <a:srgbClr val="000000">
-                <a:alpha val="43000"/>
-              </a:srgbClr>
-            </a:outerShdw>
-          </a:effectLst>
-        </p:spPr>
-      </p:pic>
-    </p:spTree>
-    <p:extLst>
-      <p:ext uri="{BB962C8B-B14F-4D97-AF65-F5344CB8AC3E}">
-        <p14:creationId xmlns:p14="http://schemas.microsoft.com/office/powerpoint/2010/main" val="4160845107"/>
-      </p:ext>
-    </p:extLst>
-  </p:cSld>
-  <p:clrMapOvr>
-    <a:masterClrMapping/>
-  </p:clrMapOvr>
-</p:sld>
-</file>
-
 <file path=ppt/theme/theme1.xml><?xml version="1.0" encoding="utf-8"?>
 <a:theme xmlns:a="http://schemas.openxmlformats.org/drawingml/2006/main" name="Ion Boardroom">
   <a:themeElements>
